--- a/Slide.pptx
+++ b/Slide.pptx
@@ -5,49 +5,50 @@
     <p:sldMasterId id="2147483648" r:id="rId1"/>
   </p:sldMasterIdLst>
   <p:notesMasterIdLst>
-    <p:notesMasterId r:id="rId42"/>
+    <p:notesMasterId r:id="rId44"/>
   </p:notesMasterIdLst>
   <p:sldIdLst>
-    <p:sldId id="257" r:id="rId2"/>
-    <p:sldId id="278" r:id="rId3"/>
-    <p:sldId id="279" r:id="rId4"/>
-    <p:sldId id="356" r:id="rId5"/>
-    <p:sldId id="357" r:id="rId6"/>
-    <p:sldId id="358" r:id="rId7"/>
-    <p:sldId id="359" r:id="rId8"/>
-    <p:sldId id="360" r:id="rId9"/>
-    <p:sldId id="361" r:id="rId10"/>
-    <p:sldId id="362" r:id="rId11"/>
-    <p:sldId id="363" r:id="rId12"/>
-    <p:sldId id="364" r:id="rId13"/>
-    <p:sldId id="454" r:id="rId14"/>
-    <p:sldId id="391" r:id="rId15"/>
-    <p:sldId id="392" r:id="rId16"/>
-    <p:sldId id="393" r:id="rId17"/>
-    <p:sldId id="394" r:id="rId18"/>
-    <p:sldId id="395" r:id="rId19"/>
-    <p:sldId id="396" r:id="rId20"/>
-    <p:sldId id="397" r:id="rId21"/>
-    <p:sldId id="398" r:id="rId22"/>
-    <p:sldId id="399" r:id="rId23"/>
-    <p:sldId id="400" r:id="rId24"/>
-    <p:sldId id="401" r:id="rId25"/>
-    <p:sldId id="426" r:id="rId26"/>
-    <p:sldId id="280" r:id="rId27"/>
-    <p:sldId id="297" r:id="rId28"/>
-    <p:sldId id="284" r:id="rId29"/>
-    <p:sldId id="337" r:id="rId30"/>
-    <p:sldId id="299" r:id="rId31"/>
-    <p:sldId id="452" r:id="rId32"/>
-    <p:sldId id="453" r:id="rId33"/>
-    <p:sldId id="300" r:id="rId34"/>
-    <p:sldId id="301" r:id="rId35"/>
-    <p:sldId id="430" r:id="rId36"/>
-    <p:sldId id="302" r:id="rId37"/>
-    <p:sldId id="285" r:id="rId38"/>
-    <p:sldId id="455" r:id="rId39"/>
-    <p:sldId id="456" r:id="rId40"/>
-    <p:sldId id="457" r:id="rId41"/>
+    <p:sldId id="257" r:id="rId3"/>
+    <p:sldId id="278" r:id="rId4"/>
+    <p:sldId id="279" r:id="rId5"/>
+    <p:sldId id="356" r:id="rId6"/>
+    <p:sldId id="357" r:id="rId7"/>
+    <p:sldId id="358" r:id="rId8"/>
+    <p:sldId id="359" r:id="rId9"/>
+    <p:sldId id="360" r:id="rId10"/>
+    <p:sldId id="361" r:id="rId11"/>
+    <p:sldId id="362" r:id="rId12"/>
+    <p:sldId id="363" r:id="rId13"/>
+    <p:sldId id="364" r:id="rId14"/>
+    <p:sldId id="454" r:id="rId15"/>
+    <p:sldId id="391" r:id="rId16"/>
+    <p:sldId id="392" r:id="rId17"/>
+    <p:sldId id="393" r:id="rId18"/>
+    <p:sldId id="394" r:id="rId19"/>
+    <p:sldId id="395" r:id="rId20"/>
+    <p:sldId id="396" r:id="rId21"/>
+    <p:sldId id="397" r:id="rId22"/>
+    <p:sldId id="398" r:id="rId23"/>
+    <p:sldId id="399" r:id="rId24"/>
+    <p:sldId id="400" r:id="rId25"/>
+    <p:sldId id="401" r:id="rId26"/>
+    <p:sldId id="426" r:id="rId27"/>
+    <p:sldId id="280" r:id="rId28"/>
+    <p:sldId id="297" r:id="rId29"/>
+    <p:sldId id="284" r:id="rId30"/>
+    <p:sldId id="337" r:id="rId31"/>
+    <p:sldId id="299" r:id="rId32"/>
+    <p:sldId id="452" r:id="rId33"/>
+    <p:sldId id="453" r:id="rId34"/>
+    <p:sldId id="300" r:id="rId35"/>
+    <p:sldId id="301" r:id="rId36"/>
+    <p:sldId id="430" r:id="rId37"/>
+    <p:sldId id="302" r:id="rId38"/>
+    <p:sldId id="285" r:id="rId39"/>
+    <p:sldId id="482" r:id="rId40"/>
+    <p:sldId id="455" r:id="rId41"/>
+    <p:sldId id="456" r:id="rId42"/>
+    <p:sldId id="457" r:id="rId43"/>
   </p:sldIdLst>
   <p:sldSz cx="12192000" cy="6858000"/>
   <p:notesSz cx="6858000" cy="9144000"/>
@@ -231,7 +232,6 @@
           <a:p>
             <a:fld id="{3EFD42F7-718C-4B98-AAEC-167E6DDD60A7}" type="datetimeFigureOut">
               <a:rPr lang="en-US" smtClean="0"/>
-              <a:t>7/30/19</a:t>
             </a:fld>
             <a:endParaRPr lang="en-US"/>
           </a:p>
@@ -298,6 +298,7 @@
               <a:rPr lang="en-US" smtClean="0"/>
               <a:t>Click to edit Master text styles</a:t>
             </a:r>
+            <a:endParaRPr lang="en-US" smtClean="0"/>
           </a:p>
           <a:p>
             <a:pPr lvl="1"/>
@@ -305,6 +306,7 @@
               <a:rPr lang="en-US" smtClean="0"/>
               <a:t>Second level</a:t>
             </a:r>
+            <a:endParaRPr lang="en-US" smtClean="0"/>
           </a:p>
           <a:p>
             <a:pPr lvl="2"/>
@@ -312,6 +314,7 @@
               <a:rPr lang="en-US" smtClean="0"/>
               <a:t>Third level</a:t>
             </a:r>
+            <a:endParaRPr lang="en-US" smtClean="0"/>
           </a:p>
           <a:p>
             <a:pPr lvl="3"/>
@@ -319,6 +322,7 @@
               <a:rPr lang="en-US" smtClean="0"/>
               <a:t>Fourth level</a:t>
             </a:r>
+            <a:endParaRPr lang="en-US" smtClean="0"/>
           </a:p>
           <a:p>
             <a:pPr lvl="4"/>
@@ -390,18 +394,12 @@
           <a:p>
             <a:fld id="{21B2AA4F-B828-4D7C-AFD3-893933DAFCB4}" type="slidenum">
               <a:rPr lang="en-US" smtClean="0"/>
-              <a:t>‹#›</a:t>
             </a:fld>
             <a:endParaRPr lang="en-US"/>
           </a:p>
         </p:txBody>
       </p:sp>
     </p:spTree>
-    <p:extLst>
-      <p:ext uri="{BB962C8B-B14F-4D97-AF65-F5344CB8AC3E}">
-        <p14:creationId xmlns:p14="http://schemas.microsoft.com/office/powerpoint/2010/main" val="3730296127"/>
-      </p:ext>
-    </p:extLst>
   </p:cSld>
   <p:clrMap bg1="lt1" tx1="dk1" bg2="lt2" tx2="dk2" accent1="accent1" accent2="accent2" accent3="accent3" accent4="accent4" accent5="accent5" accent6="accent6" hlink="hlink" folHlink="folHlink"/>
   <p:notesStyle>
@@ -544,6 +542,7 @@
               <a:rPr lang="zh-CN" altLang="en-US"/>
               <a:t>单击此处编辑母版标题样式</a:t>
             </a:r>
+            <a:endParaRPr lang="zh-CN" altLang="en-US"/>
           </a:p>
         </p:txBody>
       </p:sp>
@@ -608,6 +607,7 @@
               <a:rPr lang="zh-CN" altLang="en-US"/>
               <a:t>单击以编辑母版副标题样式</a:t>
             </a:r>
+            <a:endParaRPr lang="zh-CN" altLang="en-US"/>
           </a:p>
         </p:txBody>
       </p:sp>
@@ -628,7 +628,6 @@
           <a:p>
             <a:fld id="{C27F53A9-57EE-406C-A023-DBB63BF89924}" type="datetimeFigureOut">
               <a:rPr lang="zh-CN" altLang="en-US" smtClean="0"/>
-              <a:t>7/30/19</a:t>
             </a:fld>
             <a:endParaRPr lang="zh-CN" altLang="en-US"/>
           </a:p>
@@ -670,7 +669,6 @@
           <a:p>
             <a:fld id="{CD3A2B2C-52C8-448C-8221-BBE1A68BE789}" type="slidenum">
               <a:rPr lang="zh-CN" altLang="en-US" smtClean="0"/>
-              <a:t>‹#›</a:t>
             </a:fld>
             <a:endParaRPr lang="zh-CN" altLang="en-US"/>
           </a:p>
@@ -720,6 +718,7 @@
               <a:rPr lang="zh-CN" altLang="en-US"/>
               <a:t>单击此处编辑母版标题样式</a:t>
             </a:r>
+            <a:endParaRPr lang="zh-CN" altLang="en-US"/>
           </a:p>
         </p:txBody>
       </p:sp>
@@ -743,6 +742,7 @@
               <a:rPr lang="zh-CN" altLang="en-US"/>
               <a:t>编辑母版文本样式</a:t>
             </a:r>
+            <a:endParaRPr lang="zh-CN" altLang="en-US"/>
           </a:p>
           <a:p>
             <a:pPr lvl="1"/>
@@ -750,6 +750,7 @@
               <a:rPr lang="zh-CN" altLang="en-US"/>
               <a:t>第二级</a:t>
             </a:r>
+            <a:endParaRPr lang="zh-CN" altLang="en-US"/>
           </a:p>
           <a:p>
             <a:pPr lvl="2"/>
@@ -757,6 +758,7 @@
               <a:rPr lang="zh-CN" altLang="en-US"/>
               <a:t>第三级</a:t>
             </a:r>
+            <a:endParaRPr lang="zh-CN" altLang="en-US"/>
           </a:p>
           <a:p>
             <a:pPr lvl="3"/>
@@ -764,6 +766,7 @@
               <a:rPr lang="zh-CN" altLang="en-US"/>
               <a:t>第四级</a:t>
             </a:r>
+            <a:endParaRPr lang="zh-CN" altLang="en-US"/>
           </a:p>
           <a:p>
             <a:pPr lvl="4"/>
@@ -771,6 +774,7 @@
               <a:rPr lang="zh-CN" altLang="en-US"/>
               <a:t>第五级</a:t>
             </a:r>
+            <a:endParaRPr lang="zh-CN" altLang="en-US"/>
           </a:p>
         </p:txBody>
       </p:sp>
@@ -791,7 +795,6 @@
           <a:p>
             <a:fld id="{C27F53A9-57EE-406C-A023-DBB63BF89924}" type="datetimeFigureOut">
               <a:rPr lang="zh-CN" altLang="en-US" smtClean="0"/>
-              <a:t>7/30/19</a:t>
             </a:fld>
             <a:endParaRPr lang="zh-CN" altLang="en-US"/>
           </a:p>
@@ -833,7 +836,6 @@
           <a:p>
             <a:fld id="{CD3A2B2C-52C8-448C-8221-BBE1A68BE789}" type="slidenum">
               <a:rPr lang="zh-CN" altLang="en-US" smtClean="0"/>
-              <a:t>‹#›</a:t>
             </a:fld>
             <a:endParaRPr lang="zh-CN" altLang="en-US"/>
           </a:p>
@@ -888,6 +890,7 @@
               <a:rPr lang="zh-CN" altLang="en-US"/>
               <a:t>单击此处编辑母版标题样式</a:t>
             </a:r>
+            <a:endParaRPr lang="zh-CN" altLang="en-US"/>
           </a:p>
         </p:txBody>
       </p:sp>
@@ -916,6 +919,7 @@
               <a:rPr lang="zh-CN" altLang="en-US"/>
               <a:t>编辑母版文本样式</a:t>
             </a:r>
+            <a:endParaRPr lang="zh-CN" altLang="en-US"/>
           </a:p>
           <a:p>
             <a:pPr lvl="1"/>
@@ -923,6 +927,7 @@
               <a:rPr lang="zh-CN" altLang="en-US"/>
               <a:t>第二级</a:t>
             </a:r>
+            <a:endParaRPr lang="zh-CN" altLang="en-US"/>
           </a:p>
           <a:p>
             <a:pPr lvl="2"/>
@@ -930,6 +935,7 @@
               <a:rPr lang="zh-CN" altLang="en-US"/>
               <a:t>第三级</a:t>
             </a:r>
+            <a:endParaRPr lang="zh-CN" altLang="en-US"/>
           </a:p>
           <a:p>
             <a:pPr lvl="3"/>
@@ -937,6 +943,7 @@
               <a:rPr lang="zh-CN" altLang="en-US"/>
               <a:t>第四级</a:t>
             </a:r>
+            <a:endParaRPr lang="zh-CN" altLang="en-US"/>
           </a:p>
           <a:p>
             <a:pPr lvl="4"/>
@@ -944,6 +951,7 @@
               <a:rPr lang="zh-CN" altLang="en-US"/>
               <a:t>第五级</a:t>
             </a:r>
+            <a:endParaRPr lang="zh-CN" altLang="en-US"/>
           </a:p>
         </p:txBody>
       </p:sp>
@@ -964,7 +972,6 @@
           <a:p>
             <a:fld id="{C27F53A9-57EE-406C-A023-DBB63BF89924}" type="datetimeFigureOut">
               <a:rPr lang="zh-CN" altLang="en-US" smtClean="0"/>
-              <a:t>7/30/19</a:t>
             </a:fld>
             <a:endParaRPr lang="zh-CN" altLang="en-US"/>
           </a:p>
@@ -1006,7 +1013,6 @@
           <a:p>
             <a:fld id="{CD3A2B2C-52C8-448C-8221-BBE1A68BE789}" type="slidenum">
               <a:rPr lang="zh-CN" altLang="en-US" smtClean="0"/>
-              <a:t>‹#›</a:t>
             </a:fld>
             <a:endParaRPr lang="zh-CN" altLang="en-US"/>
           </a:p>
@@ -1056,6 +1062,7 @@
               <a:rPr lang="zh-CN" altLang="en-US"/>
               <a:t>单击此处编辑母版标题样式</a:t>
             </a:r>
+            <a:endParaRPr lang="zh-CN" altLang="en-US"/>
           </a:p>
         </p:txBody>
       </p:sp>
@@ -1079,6 +1086,7 @@
               <a:rPr lang="zh-CN" altLang="en-US"/>
               <a:t>编辑母版文本样式</a:t>
             </a:r>
+            <a:endParaRPr lang="zh-CN" altLang="en-US"/>
           </a:p>
           <a:p>
             <a:pPr lvl="1"/>
@@ -1086,6 +1094,7 @@
               <a:rPr lang="zh-CN" altLang="en-US"/>
               <a:t>第二级</a:t>
             </a:r>
+            <a:endParaRPr lang="zh-CN" altLang="en-US"/>
           </a:p>
           <a:p>
             <a:pPr lvl="2"/>
@@ -1093,6 +1102,7 @@
               <a:rPr lang="zh-CN" altLang="en-US"/>
               <a:t>第三级</a:t>
             </a:r>
+            <a:endParaRPr lang="zh-CN" altLang="en-US"/>
           </a:p>
           <a:p>
             <a:pPr lvl="3"/>
@@ -1100,6 +1110,7 @@
               <a:rPr lang="zh-CN" altLang="en-US"/>
               <a:t>第四级</a:t>
             </a:r>
+            <a:endParaRPr lang="zh-CN" altLang="en-US"/>
           </a:p>
           <a:p>
             <a:pPr lvl="4"/>
@@ -1107,6 +1118,7 @@
               <a:rPr lang="zh-CN" altLang="en-US"/>
               <a:t>第五级</a:t>
             </a:r>
+            <a:endParaRPr lang="zh-CN" altLang="en-US"/>
           </a:p>
         </p:txBody>
       </p:sp>
@@ -1127,7 +1139,6 @@
           <a:p>
             <a:fld id="{C27F53A9-57EE-406C-A023-DBB63BF89924}" type="datetimeFigureOut">
               <a:rPr lang="zh-CN" altLang="en-US" smtClean="0"/>
-              <a:t>7/30/19</a:t>
             </a:fld>
             <a:endParaRPr lang="zh-CN" altLang="en-US"/>
           </a:p>
@@ -1169,7 +1180,6 @@
           <a:p>
             <a:fld id="{CD3A2B2C-52C8-448C-8221-BBE1A68BE789}" type="slidenum">
               <a:rPr lang="zh-CN" altLang="en-US" smtClean="0"/>
-              <a:t>‹#›</a:t>
             </a:fld>
             <a:endParaRPr lang="zh-CN" altLang="en-US"/>
           </a:p>
@@ -1228,6 +1238,7 @@
               <a:rPr lang="zh-CN" altLang="en-US"/>
               <a:t>单击此处编辑母版标题样式</a:t>
             </a:r>
+            <a:endParaRPr lang="zh-CN" altLang="en-US"/>
           </a:p>
         </p:txBody>
       </p:sp>
@@ -1347,6 +1358,7 @@
               <a:rPr lang="zh-CN" altLang="en-US"/>
               <a:t>编辑母版文本样式</a:t>
             </a:r>
+            <a:endParaRPr lang="zh-CN" altLang="en-US"/>
           </a:p>
         </p:txBody>
       </p:sp>
@@ -1367,7 +1379,6 @@
           <a:p>
             <a:fld id="{C27F53A9-57EE-406C-A023-DBB63BF89924}" type="datetimeFigureOut">
               <a:rPr lang="zh-CN" altLang="en-US" smtClean="0"/>
-              <a:t>7/30/19</a:t>
             </a:fld>
             <a:endParaRPr lang="zh-CN" altLang="en-US"/>
           </a:p>
@@ -1409,7 +1420,6 @@
           <a:p>
             <a:fld id="{CD3A2B2C-52C8-448C-8221-BBE1A68BE789}" type="slidenum">
               <a:rPr lang="zh-CN" altLang="en-US" smtClean="0"/>
-              <a:t>‹#›</a:t>
             </a:fld>
             <a:endParaRPr lang="zh-CN" altLang="en-US"/>
           </a:p>
@@ -1459,6 +1469,7 @@
               <a:rPr lang="zh-CN" altLang="en-US"/>
               <a:t>单击此处编辑母版标题样式</a:t>
             </a:r>
+            <a:endParaRPr lang="zh-CN" altLang="en-US"/>
           </a:p>
         </p:txBody>
       </p:sp>
@@ -1487,6 +1498,7 @@
               <a:rPr lang="zh-CN" altLang="en-US"/>
               <a:t>编辑母版文本样式</a:t>
             </a:r>
+            <a:endParaRPr lang="zh-CN" altLang="en-US"/>
           </a:p>
           <a:p>
             <a:pPr lvl="1"/>
@@ -1494,6 +1506,7 @@
               <a:rPr lang="zh-CN" altLang="en-US"/>
               <a:t>第二级</a:t>
             </a:r>
+            <a:endParaRPr lang="zh-CN" altLang="en-US"/>
           </a:p>
           <a:p>
             <a:pPr lvl="2"/>
@@ -1501,6 +1514,7 @@
               <a:rPr lang="zh-CN" altLang="en-US"/>
               <a:t>第三级</a:t>
             </a:r>
+            <a:endParaRPr lang="zh-CN" altLang="en-US"/>
           </a:p>
           <a:p>
             <a:pPr lvl="3"/>
@@ -1508,6 +1522,7 @@
               <a:rPr lang="zh-CN" altLang="en-US"/>
               <a:t>第四级</a:t>
             </a:r>
+            <a:endParaRPr lang="zh-CN" altLang="en-US"/>
           </a:p>
           <a:p>
             <a:pPr lvl="4"/>
@@ -1515,6 +1530,7 @@
               <a:rPr lang="zh-CN" altLang="en-US"/>
               <a:t>第五级</a:t>
             </a:r>
+            <a:endParaRPr lang="zh-CN" altLang="en-US"/>
           </a:p>
         </p:txBody>
       </p:sp>
@@ -1543,6 +1559,7 @@
               <a:rPr lang="zh-CN" altLang="en-US"/>
               <a:t>编辑母版文本样式</a:t>
             </a:r>
+            <a:endParaRPr lang="zh-CN" altLang="en-US"/>
           </a:p>
           <a:p>
             <a:pPr lvl="1"/>
@@ -1550,6 +1567,7 @@
               <a:rPr lang="zh-CN" altLang="en-US"/>
               <a:t>第二级</a:t>
             </a:r>
+            <a:endParaRPr lang="zh-CN" altLang="en-US"/>
           </a:p>
           <a:p>
             <a:pPr lvl="2"/>
@@ -1557,6 +1575,7 @@
               <a:rPr lang="zh-CN" altLang="en-US"/>
               <a:t>第三级</a:t>
             </a:r>
+            <a:endParaRPr lang="zh-CN" altLang="en-US"/>
           </a:p>
           <a:p>
             <a:pPr lvl="3"/>
@@ -1564,6 +1583,7 @@
               <a:rPr lang="zh-CN" altLang="en-US"/>
               <a:t>第四级</a:t>
             </a:r>
+            <a:endParaRPr lang="zh-CN" altLang="en-US"/>
           </a:p>
           <a:p>
             <a:pPr lvl="4"/>
@@ -1571,6 +1591,7 @@
               <a:rPr lang="zh-CN" altLang="en-US"/>
               <a:t>第五级</a:t>
             </a:r>
+            <a:endParaRPr lang="zh-CN" altLang="en-US"/>
           </a:p>
         </p:txBody>
       </p:sp>
@@ -1591,7 +1612,6 @@
           <a:p>
             <a:fld id="{C27F53A9-57EE-406C-A023-DBB63BF89924}" type="datetimeFigureOut">
               <a:rPr lang="zh-CN" altLang="en-US" smtClean="0"/>
-              <a:t>7/30/19</a:t>
             </a:fld>
             <a:endParaRPr lang="zh-CN" altLang="en-US"/>
           </a:p>
@@ -1633,7 +1653,6 @@
           <a:p>
             <a:fld id="{CD3A2B2C-52C8-448C-8221-BBE1A68BE789}" type="slidenum">
               <a:rPr lang="zh-CN" altLang="en-US" smtClean="0"/>
-              <a:t>‹#›</a:t>
             </a:fld>
             <a:endParaRPr lang="zh-CN" altLang="en-US"/>
           </a:p>
@@ -1688,6 +1707,7 @@
               <a:rPr lang="zh-CN" altLang="en-US"/>
               <a:t>单击此处编辑母版标题样式</a:t>
             </a:r>
+            <a:endParaRPr lang="zh-CN" altLang="en-US"/>
           </a:p>
         </p:txBody>
       </p:sp>
@@ -1753,6 +1773,7 @@
               <a:rPr lang="zh-CN" altLang="en-US"/>
               <a:t>编辑母版文本样式</a:t>
             </a:r>
+            <a:endParaRPr lang="zh-CN" altLang="en-US"/>
           </a:p>
         </p:txBody>
       </p:sp>
@@ -1781,6 +1802,7 @@
               <a:rPr lang="zh-CN" altLang="en-US"/>
               <a:t>编辑母版文本样式</a:t>
             </a:r>
+            <a:endParaRPr lang="zh-CN" altLang="en-US"/>
           </a:p>
           <a:p>
             <a:pPr lvl="1"/>
@@ -1788,6 +1810,7 @@
               <a:rPr lang="zh-CN" altLang="en-US"/>
               <a:t>第二级</a:t>
             </a:r>
+            <a:endParaRPr lang="zh-CN" altLang="en-US"/>
           </a:p>
           <a:p>
             <a:pPr lvl="2"/>
@@ -1795,6 +1818,7 @@
               <a:rPr lang="zh-CN" altLang="en-US"/>
               <a:t>第三级</a:t>
             </a:r>
+            <a:endParaRPr lang="zh-CN" altLang="en-US"/>
           </a:p>
           <a:p>
             <a:pPr lvl="3"/>
@@ -1802,6 +1826,7 @@
               <a:rPr lang="zh-CN" altLang="en-US"/>
               <a:t>第四级</a:t>
             </a:r>
+            <a:endParaRPr lang="zh-CN" altLang="en-US"/>
           </a:p>
           <a:p>
             <a:pPr lvl="4"/>
@@ -1809,6 +1834,7 @@
               <a:rPr lang="zh-CN" altLang="en-US"/>
               <a:t>第五级</a:t>
             </a:r>
+            <a:endParaRPr lang="zh-CN" altLang="en-US"/>
           </a:p>
         </p:txBody>
       </p:sp>
@@ -1874,6 +1900,7 @@
               <a:rPr lang="zh-CN" altLang="en-US"/>
               <a:t>编辑母版文本样式</a:t>
             </a:r>
+            <a:endParaRPr lang="zh-CN" altLang="en-US"/>
           </a:p>
         </p:txBody>
       </p:sp>
@@ -1902,6 +1929,7 @@
               <a:rPr lang="zh-CN" altLang="en-US"/>
               <a:t>编辑母版文本样式</a:t>
             </a:r>
+            <a:endParaRPr lang="zh-CN" altLang="en-US"/>
           </a:p>
           <a:p>
             <a:pPr lvl="1"/>
@@ -1909,6 +1937,7 @@
               <a:rPr lang="zh-CN" altLang="en-US"/>
               <a:t>第二级</a:t>
             </a:r>
+            <a:endParaRPr lang="zh-CN" altLang="en-US"/>
           </a:p>
           <a:p>
             <a:pPr lvl="2"/>
@@ -1916,6 +1945,7 @@
               <a:rPr lang="zh-CN" altLang="en-US"/>
               <a:t>第三级</a:t>
             </a:r>
+            <a:endParaRPr lang="zh-CN" altLang="en-US"/>
           </a:p>
           <a:p>
             <a:pPr lvl="3"/>
@@ -1923,6 +1953,7 @@
               <a:rPr lang="zh-CN" altLang="en-US"/>
               <a:t>第四级</a:t>
             </a:r>
+            <a:endParaRPr lang="zh-CN" altLang="en-US"/>
           </a:p>
           <a:p>
             <a:pPr lvl="4"/>
@@ -1930,6 +1961,7 @@
               <a:rPr lang="zh-CN" altLang="en-US"/>
               <a:t>第五级</a:t>
             </a:r>
+            <a:endParaRPr lang="zh-CN" altLang="en-US"/>
           </a:p>
         </p:txBody>
       </p:sp>
@@ -1950,7 +1982,6 @@
           <a:p>
             <a:fld id="{C27F53A9-57EE-406C-A023-DBB63BF89924}" type="datetimeFigureOut">
               <a:rPr lang="zh-CN" altLang="en-US" smtClean="0"/>
-              <a:t>7/30/19</a:t>
             </a:fld>
             <a:endParaRPr lang="zh-CN" altLang="en-US"/>
           </a:p>
@@ -1992,7 +2023,6 @@
           <a:p>
             <a:fld id="{CD3A2B2C-52C8-448C-8221-BBE1A68BE789}" type="slidenum">
               <a:rPr lang="zh-CN" altLang="en-US" smtClean="0"/>
-              <a:t>‹#›</a:t>
             </a:fld>
             <a:endParaRPr lang="zh-CN" altLang="en-US"/>
           </a:p>
@@ -2042,6 +2072,7 @@
               <a:rPr lang="zh-CN" altLang="en-US"/>
               <a:t>单击此处编辑母版标题样式</a:t>
             </a:r>
+            <a:endParaRPr lang="zh-CN" altLang="en-US"/>
           </a:p>
         </p:txBody>
       </p:sp>
@@ -2062,7 +2093,6 @@
           <a:p>
             <a:fld id="{C27F53A9-57EE-406C-A023-DBB63BF89924}" type="datetimeFigureOut">
               <a:rPr lang="zh-CN" altLang="en-US" smtClean="0"/>
-              <a:t>7/30/19</a:t>
             </a:fld>
             <a:endParaRPr lang="zh-CN" altLang="en-US"/>
           </a:p>
@@ -2104,7 +2134,6 @@
           <a:p>
             <a:fld id="{CD3A2B2C-52C8-448C-8221-BBE1A68BE789}" type="slidenum">
               <a:rPr lang="zh-CN" altLang="en-US" smtClean="0"/>
-              <a:t>‹#›</a:t>
             </a:fld>
             <a:endParaRPr lang="zh-CN" altLang="en-US"/>
           </a:p>
@@ -2152,7 +2181,6 @@
           <a:p>
             <a:fld id="{C27F53A9-57EE-406C-A023-DBB63BF89924}" type="datetimeFigureOut">
               <a:rPr lang="zh-CN" altLang="en-US" smtClean="0"/>
-              <a:t>7/30/19</a:t>
             </a:fld>
             <a:endParaRPr lang="zh-CN" altLang="en-US"/>
           </a:p>
@@ -2194,7 +2222,6 @@
           <a:p>
             <a:fld id="{CD3A2B2C-52C8-448C-8221-BBE1A68BE789}" type="slidenum">
               <a:rPr lang="zh-CN" altLang="en-US" smtClean="0"/>
-              <a:t>‹#›</a:t>
             </a:fld>
             <a:endParaRPr lang="zh-CN" altLang="en-US"/>
           </a:p>
@@ -2253,6 +2280,7 @@
               <a:rPr lang="zh-CN" altLang="en-US"/>
               <a:t>单击此处编辑母版标题样式</a:t>
             </a:r>
+            <a:endParaRPr lang="zh-CN" altLang="en-US"/>
           </a:p>
         </p:txBody>
       </p:sp>
@@ -2309,6 +2337,7 @@
               <a:rPr lang="zh-CN" altLang="en-US"/>
               <a:t>编辑母版文本样式</a:t>
             </a:r>
+            <a:endParaRPr lang="zh-CN" altLang="en-US"/>
           </a:p>
           <a:p>
             <a:pPr lvl="1"/>
@@ -2316,6 +2345,7 @@
               <a:rPr lang="zh-CN" altLang="en-US"/>
               <a:t>第二级</a:t>
             </a:r>
+            <a:endParaRPr lang="zh-CN" altLang="en-US"/>
           </a:p>
           <a:p>
             <a:pPr lvl="2"/>
@@ -2323,6 +2353,7 @@
               <a:rPr lang="zh-CN" altLang="en-US"/>
               <a:t>第三级</a:t>
             </a:r>
+            <a:endParaRPr lang="zh-CN" altLang="en-US"/>
           </a:p>
           <a:p>
             <a:pPr lvl="3"/>
@@ -2330,6 +2361,7 @@
               <a:rPr lang="zh-CN" altLang="en-US"/>
               <a:t>第四级</a:t>
             </a:r>
+            <a:endParaRPr lang="zh-CN" altLang="en-US"/>
           </a:p>
           <a:p>
             <a:pPr lvl="4"/>
@@ -2337,6 +2369,7 @@
               <a:rPr lang="zh-CN" altLang="en-US"/>
               <a:t>第五级</a:t>
             </a:r>
+            <a:endParaRPr lang="zh-CN" altLang="en-US"/>
           </a:p>
         </p:txBody>
       </p:sp>
@@ -2402,6 +2435,7 @@
               <a:rPr lang="zh-CN" altLang="en-US"/>
               <a:t>编辑母版文本样式</a:t>
             </a:r>
+            <a:endParaRPr lang="zh-CN" altLang="en-US"/>
           </a:p>
         </p:txBody>
       </p:sp>
@@ -2422,7 +2456,6 @@
           <a:p>
             <a:fld id="{C27F53A9-57EE-406C-A023-DBB63BF89924}" type="datetimeFigureOut">
               <a:rPr lang="zh-CN" altLang="en-US" smtClean="0"/>
-              <a:t>7/30/19</a:t>
             </a:fld>
             <a:endParaRPr lang="zh-CN" altLang="en-US"/>
           </a:p>
@@ -2464,7 +2497,6 @@
           <a:p>
             <a:fld id="{CD3A2B2C-52C8-448C-8221-BBE1A68BE789}" type="slidenum">
               <a:rPr lang="zh-CN" altLang="en-US" smtClean="0"/>
-              <a:t>‹#›</a:t>
             </a:fld>
             <a:endParaRPr lang="zh-CN" altLang="en-US"/>
           </a:p>
@@ -2523,6 +2555,7 @@
               <a:rPr lang="zh-CN" altLang="en-US"/>
               <a:t>单击此处编辑母版标题样式</a:t>
             </a:r>
+            <a:endParaRPr lang="zh-CN" altLang="en-US"/>
           </a:p>
         </p:txBody>
       </p:sp>
@@ -2649,6 +2682,7 @@
               <a:rPr lang="zh-CN" altLang="en-US"/>
               <a:t>编辑母版文本样式</a:t>
             </a:r>
+            <a:endParaRPr lang="zh-CN" altLang="en-US"/>
           </a:p>
         </p:txBody>
       </p:sp>
@@ -2669,7 +2703,6 @@
           <a:p>
             <a:fld id="{C27F53A9-57EE-406C-A023-DBB63BF89924}" type="datetimeFigureOut">
               <a:rPr lang="zh-CN" altLang="en-US" smtClean="0"/>
-              <a:t>7/30/19</a:t>
             </a:fld>
             <a:endParaRPr lang="zh-CN" altLang="en-US"/>
           </a:p>
@@ -2711,7 +2744,6 @@
           <a:p>
             <a:fld id="{CD3A2B2C-52C8-448C-8221-BBE1A68BE789}" type="slidenum">
               <a:rPr lang="zh-CN" altLang="en-US" smtClean="0"/>
-              <a:t>‹#›</a:t>
             </a:fld>
             <a:endParaRPr lang="zh-CN" altLang="en-US"/>
           </a:p>
@@ -2776,6 +2808,7 @@
               <a:rPr lang="zh-CN" altLang="en-US"/>
               <a:t>单击此处编辑母版标题样式</a:t>
             </a:r>
+            <a:endParaRPr lang="zh-CN" altLang="en-US"/>
           </a:p>
         </p:txBody>
       </p:sp>
@@ -2809,6 +2842,7 @@
               <a:rPr lang="zh-CN" altLang="en-US"/>
               <a:t>编辑母版文本样式</a:t>
             </a:r>
+            <a:endParaRPr lang="zh-CN" altLang="en-US"/>
           </a:p>
           <a:p>
             <a:pPr lvl="1"/>
@@ -2816,6 +2850,7 @@
               <a:rPr lang="zh-CN" altLang="en-US"/>
               <a:t>第二级</a:t>
             </a:r>
+            <a:endParaRPr lang="zh-CN" altLang="en-US"/>
           </a:p>
           <a:p>
             <a:pPr lvl="2"/>
@@ -2823,6 +2858,7 @@
               <a:rPr lang="zh-CN" altLang="en-US"/>
               <a:t>第三级</a:t>
             </a:r>
+            <a:endParaRPr lang="zh-CN" altLang="en-US"/>
           </a:p>
           <a:p>
             <a:pPr lvl="3"/>
@@ -2830,6 +2866,7 @@
               <a:rPr lang="zh-CN" altLang="en-US"/>
               <a:t>第四级</a:t>
             </a:r>
+            <a:endParaRPr lang="zh-CN" altLang="en-US"/>
           </a:p>
           <a:p>
             <a:pPr lvl="4"/>
@@ -2837,6 +2874,7 @@
               <a:rPr lang="zh-CN" altLang="en-US"/>
               <a:t>第五级</a:t>
             </a:r>
+            <a:endParaRPr lang="zh-CN" altLang="en-US"/>
           </a:p>
         </p:txBody>
       </p:sp>
@@ -2875,7 +2913,6 @@
           <a:p>
             <a:fld id="{C27F53A9-57EE-406C-A023-DBB63BF89924}" type="datetimeFigureOut">
               <a:rPr lang="zh-CN" altLang="en-US" smtClean="0"/>
-              <a:t>7/30/19</a:t>
             </a:fld>
             <a:endParaRPr lang="zh-CN" altLang="en-US"/>
           </a:p>
@@ -2953,7 +2990,6 @@
           <a:p>
             <a:fld id="{CD3A2B2C-52C8-448C-8221-BBE1A68BE789}" type="slidenum">
               <a:rPr lang="zh-CN" altLang="en-US" smtClean="0"/>
-              <a:t>‹#›</a:t>
             </a:fld>
             <a:endParaRPr lang="zh-CN" altLang="en-US"/>
           </a:p>
@@ -3330,7 +3366,7 @@
           <p:nvPr/>
         </p:nvPicPr>
         <p:blipFill>
-          <a:blip r:embed="rId2" cstate="print">
+          <a:blip r:embed="rId1" cstate="print">
             <a:extLst>
               <a:ext uri="{28A0092B-C50C-407E-A947-70E740481C1C}">
                 <a14:useLocalDpi xmlns:a14="http://schemas.microsoft.com/office/drawing/2010/main" val="0"/>
@@ -3826,6 +3862,14 @@
               </a:rPr>
               <a:t>Functions and Lambdas in Kotlin</a:t>
             </a:r>
+            <a:endParaRPr lang="en-US" sz="4000" dirty="0">
+              <a:solidFill>
+                <a:schemeClr val="bg1"/>
+              </a:solidFill>
+              <a:latin typeface="Montserrat Extra Bold" panose="00000900000000000000" pitchFamily="50" charset="0"/>
+              <a:cs typeface="+mn-ea"/>
+              <a:sym typeface="+mn-lt"/>
+            </a:endParaRPr>
           </a:p>
         </p:txBody>
       </p:sp>
@@ -3949,7 +3993,7 @@
           <p:nvPr/>
         </p:nvPicPr>
         <p:blipFill>
-          <a:blip r:embed="rId3"/>
+          <a:blip r:embed="rId2"/>
           <a:stretch>
             <a:fillRect/>
           </a:stretch>
@@ -3996,6 +4040,13 @@
               </a:rPr>
               <a:t>Nguyễn Chính Thọ  </a:t>
             </a:r>
+            <a:endParaRPr lang="en-US" altLang="en-US">
+              <a:solidFill>
+                <a:schemeClr val="bg1"/>
+              </a:solidFill>
+              <a:latin typeface="Times New Roman" panose="02020603050405020304" charset="0"/>
+              <a:cs typeface="Times New Roman" panose="02020603050405020304" charset="0"/>
+            </a:endParaRPr>
           </a:p>
           <a:p>
             <a:r>
@@ -4008,6 +4059,13 @@
               </a:rPr>
               <a:t>Đặng Quốc Việt  </a:t>
             </a:r>
+            <a:endParaRPr lang="en-US" altLang="en-US">
+              <a:solidFill>
+                <a:schemeClr val="bg1"/>
+              </a:solidFill>
+              <a:latin typeface="Times New Roman" panose="02020603050405020304" charset="0"/>
+              <a:cs typeface="Times New Roman" panose="02020603050405020304" charset="0"/>
+            </a:endParaRPr>
           </a:p>
         </p:txBody>
       </p:sp>
@@ -4019,7 +4077,7 @@
   <p:timing>
     <p:tnLst>
       <p:par>
-        <p:cTn xmlns:p14="http://schemas.microsoft.com/office/powerpoint/2010/main" id="1" dur="indefinite" restart="never" nodeType="tmRoot">
+        <p:cTn id="1" dur="indefinite" restart="never" nodeType="tmRoot">
           <p:childTnLst>
             <p:seq concurrent="1" nextAc="seek">
               <p:cTn id="2" dur="indefinite" nodeType="mainSeq">
@@ -4370,7 +4428,7 @@
           <p:nvPr/>
         </p:nvPicPr>
         <p:blipFill>
-          <a:blip r:embed="rId2" cstate="print">
+          <a:blip r:embed="rId1" cstate="print">
             <a:extLst>
               <a:ext uri="{28A0092B-C50C-407E-A947-70E740481C1C}">
                 <a14:useLocalDpi xmlns:a14="http://schemas.microsoft.com/office/drawing/2010/main" val="0"/>
@@ -4400,7 +4458,7 @@
           <p:nvPr/>
         </p:nvPicPr>
         <p:blipFill>
-          <a:blip r:embed="rId3"/>
+          <a:blip r:embed="rId2"/>
           <a:srcRect l="24142" r="14849"/>
           <a:stretch>
             <a:fillRect/>
@@ -5051,6 +5109,11 @@
               </a:rPr>
               <a:t> allowing a variable number of arguments to be passed to the function</a:t>
             </a:r>
+            <a:endParaRPr lang="en-US" b="1" dirty="0" smtClean="0">
+              <a:solidFill>
+                <a:srgbClr val="00B050"/>
+              </a:solidFill>
+            </a:endParaRPr>
           </a:p>
         </p:txBody>
       </p:sp>
@@ -5166,6 +5229,13 @@
               </a:rPr>
               <a:t> {</a:t>
             </a:r>
+            <a:endParaRPr lang="en-US" dirty="0">
+              <a:solidFill>
+                <a:schemeClr val="bg1"/>
+              </a:solidFill>
+              <a:latin typeface="Times New Roman" panose="02020603050405020304" charset="0"/>
+              <a:cs typeface="Times New Roman" panose="02020603050405020304" charset="0"/>
+            </a:endParaRPr>
           </a:p>
           <a:p>
             <a:r>
@@ -5198,6 +5268,13 @@
               </a:rPr>
               <a:t> sum = 0</a:t>
             </a:r>
+            <a:endParaRPr lang="en-US" dirty="0">
+              <a:solidFill>
+                <a:schemeClr val="bg1"/>
+              </a:solidFill>
+              <a:latin typeface="Times New Roman" panose="02020603050405020304" charset="0"/>
+              <a:cs typeface="Times New Roman" panose="02020603050405020304" charset="0"/>
+            </a:endParaRPr>
           </a:p>
           <a:p>
             <a:r>
@@ -5210,6 +5287,13 @@
               </a:rPr>
               <a:t>    for (n in numbers) {</a:t>
             </a:r>
+            <a:endParaRPr lang="en-US" dirty="0">
+              <a:solidFill>
+                <a:schemeClr val="bg1"/>
+              </a:solidFill>
+              <a:latin typeface="Times New Roman" panose="02020603050405020304" charset="0"/>
+              <a:cs typeface="Times New Roman" panose="02020603050405020304" charset="0"/>
+            </a:endParaRPr>
           </a:p>
           <a:p>
             <a:r>
@@ -5222,6 +5306,13 @@
               </a:rPr>
               <a:t>        sum = sum + n</a:t>
             </a:r>
+            <a:endParaRPr lang="en-US" dirty="0">
+              <a:solidFill>
+                <a:schemeClr val="bg1"/>
+              </a:solidFill>
+              <a:latin typeface="Times New Roman" panose="02020603050405020304" charset="0"/>
+              <a:cs typeface="Times New Roman" panose="02020603050405020304" charset="0"/>
+            </a:endParaRPr>
           </a:p>
           <a:p>
             <a:r>
@@ -5234,6 +5325,13 @@
               </a:rPr>
               <a:t>    }</a:t>
             </a:r>
+            <a:endParaRPr lang="en-US" dirty="0">
+              <a:solidFill>
+                <a:schemeClr val="bg1"/>
+              </a:solidFill>
+              <a:latin typeface="Times New Roman" panose="02020603050405020304" charset="0"/>
+              <a:cs typeface="Times New Roman" panose="02020603050405020304" charset="0"/>
+            </a:endParaRPr>
           </a:p>
           <a:p>
             <a:r>
@@ -5246,6 +5344,13 @@
               </a:rPr>
               <a:t>    return sum</a:t>
             </a:r>
+            <a:endParaRPr lang="en-US" dirty="0">
+              <a:solidFill>
+                <a:schemeClr val="bg1"/>
+              </a:solidFill>
+              <a:latin typeface="Times New Roman" panose="02020603050405020304" charset="0"/>
+              <a:cs typeface="Times New Roman" panose="02020603050405020304" charset="0"/>
+            </a:endParaRPr>
           </a:p>
           <a:p>
             <a:r>
@@ -5258,6 +5363,13 @@
               </a:rPr>
               <a:t>}</a:t>
             </a:r>
+            <a:endParaRPr lang="en-US" dirty="0">
+              <a:solidFill>
+                <a:schemeClr val="bg1"/>
+              </a:solidFill>
+              <a:latin typeface="Times New Roman" panose="02020603050405020304" charset="0"/>
+              <a:cs typeface="Times New Roman" panose="02020603050405020304" charset="0"/>
+            </a:endParaRPr>
           </a:p>
         </p:txBody>
       </p:sp>
@@ -5393,6 +5505,11 @@
               </a:rPr>
               <a:t>5</a:t>
             </a:r>
+            <a:endParaRPr lang="en-US" dirty="0">
+              <a:solidFill>
+                <a:srgbClr val="00B050"/>
+              </a:solidFill>
+            </a:endParaRPr>
           </a:p>
         </p:txBody>
       </p:sp>
@@ -5448,6 +5565,13 @@
               </a:rPr>
               <a:t>&gt;</a:t>
             </a:r>
+            <a:endParaRPr lang="en-US" sz="2000" b="1" dirty="0" smtClean="0">
+              <a:solidFill>
+                <a:srgbClr val="00B050"/>
+              </a:solidFill>
+              <a:latin typeface="Times New Roman" panose="02020603050405020304" charset="0"/>
+              <a:cs typeface="Times New Roman" panose="02020603050405020304" charset="0"/>
+            </a:endParaRPr>
           </a:p>
         </p:txBody>
       </p:sp>
@@ -5456,13 +5580,13 @@
   <p:clrMapOvr>
     <a:masterClrMapping/>
   </p:clrMapOvr>
-  <p:transition xmlns:p14="http://schemas.microsoft.com/office/powerpoint/2010/main">
+  <p:transition>
     <p:randomBar dir="vert"/>
   </p:transition>
   <p:timing>
     <p:tnLst>
       <p:par>
-        <p:cTn xmlns:p14="http://schemas.microsoft.com/office/powerpoint/2010/main" id="1" dur="indefinite" restart="never" nodeType="tmRoot">
+        <p:cTn id="1" dur="indefinite" restart="never" nodeType="tmRoot">
           <p:childTnLst>
             <p:seq concurrent="1" nextAc="seek">
               <p:cTn id="2" dur="indefinite" nodeType="mainSeq">
@@ -5736,7 +5860,7 @@
           <p:nvPr/>
         </p:nvPicPr>
         <p:blipFill>
-          <a:blip r:embed="rId2" cstate="print">
+          <a:blip r:embed="rId1" cstate="print">
             <a:extLst>
               <a:ext uri="{28A0092B-C50C-407E-A947-70E740481C1C}">
                 <a14:useLocalDpi xmlns:a14="http://schemas.microsoft.com/office/drawing/2010/main" val="0"/>
@@ -6258,6 +6382,11 @@
               </a:rPr>
               <a:t>varargs</a:t>
             </a:r>
+            <a:endParaRPr lang="en-US" b="1" dirty="0" err="1" smtClean="0">
+              <a:solidFill>
+                <a:srgbClr val="00B050"/>
+              </a:solidFill>
+            </a:endParaRPr>
           </a:p>
         </p:txBody>
       </p:sp>
@@ -6452,6 +6581,13 @@
               </a:rPr>
               <a:t> sum = 0</a:t>
             </a:r>
+            <a:endParaRPr lang="en-US" dirty="0">
+              <a:solidFill>
+                <a:schemeClr val="bg1"/>
+              </a:solidFill>
+              <a:latin typeface="Times New Roman" panose="02020603050405020304" charset="0"/>
+              <a:cs typeface="Times New Roman" panose="02020603050405020304" charset="0"/>
+            </a:endParaRPr>
           </a:p>
           <a:p>
             <a:r>
@@ -6464,6 +6600,13 @@
               </a:rPr>
               <a:t>    for (n in numbers) {</a:t>
             </a:r>
+            <a:endParaRPr lang="en-US" dirty="0">
+              <a:solidFill>
+                <a:schemeClr val="bg1"/>
+              </a:solidFill>
+              <a:latin typeface="Times New Roman" panose="02020603050405020304" charset="0"/>
+              <a:cs typeface="Times New Roman" panose="02020603050405020304" charset="0"/>
+            </a:endParaRPr>
           </a:p>
           <a:p>
             <a:r>
@@ -6476,6 +6619,13 @@
               </a:rPr>
               <a:t>        sum = sum + n</a:t>
             </a:r>
+            <a:endParaRPr lang="en-US" dirty="0">
+              <a:solidFill>
+                <a:schemeClr val="bg1"/>
+              </a:solidFill>
+              <a:latin typeface="Times New Roman" panose="02020603050405020304" charset="0"/>
+              <a:cs typeface="Times New Roman" panose="02020603050405020304" charset="0"/>
+            </a:endParaRPr>
           </a:p>
           <a:p>
             <a:r>
@@ -6488,6 +6638,13 @@
               </a:rPr>
               <a:t>    }</a:t>
             </a:r>
+            <a:endParaRPr lang="en-US" dirty="0">
+              <a:solidFill>
+                <a:schemeClr val="bg1"/>
+              </a:solidFill>
+              <a:latin typeface="Times New Roman" panose="02020603050405020304" charset="0"/>
+              <a:cs typeface="Times New Roman" panose="02020603050405020304" charset="0"/>
+            </a:endParaRPr>
           </a:p>
           <a:p>
             <a:r>
@@ -6500,6 +6657,13 @@
               </a:rPr>
               <a:t>    return sum</a:t>
             </a:r>
+            <a:endParaRPr lang="en-US" dirty="0">
+              <a:solidFill>
+                <a:schemeClr val="bg1"/>
+              </a:solidFill>
+              <a:latin typeface="Times New Roman" panose="02020603050405020304" charset="0"/>
+              <a:cs typeface="Times New Roman" panose="02020603050405020304" charset="0"/>
+            </a:endParaRPr>
           </a:p>
           <a:p>
             <a:r>
@@ -6512,6 +6676,13 @@
               </a:rPr>
               <a:t>}</a:t>
             </a:r>
+            <a:endParaRPr lang="en-US" dirty="0">
+              <a:solidFill>
+                <a:schemeClr val="bg1"/>
+              </a:solidFill>
+              <a:latin typeface="Times New Roman" panose="02020603050405020304" charset="0"/>
+              <a:cs typeface="Times New Roman" panose="02020603050405020304" charset="0"/>
+            </a:endParaRPr>
           </a:p>
           <a:p>
             <a:endParaRPr lang="en-US" dirty="0">
@@ -6531,7 +6702,7 @@
           <p:nvPr/>
         </p:nvPicPr>
         <p:blipFill>
-          <a:blip r:embed="rId3"/>
+          <a:blip r:embed="rId2"/>
           <a:srcRect l="24142" r="14849"/>
           <a:stretch>
             <a:fillRect/>
@@ -6560,13 +6731,13 @@
   <p:clrMapOvr>
     <a:masterClrMapping/>
   </p:clrMapOvr>
-  <p:transition xmlns:p14="http://schemas.microsoft.com/office/powerpoint/2010/main">
+  <p:transition>
     <p:cover dir="d"/>
   </p:transition>
   <p:timing>
     <p:tnLst>
       <p:par>
-        <p:cTn xmlns:p14="http://schemas.microsoft.com/office/powerpoint/2010/main" id="1" dur="indefinite" restart="never" nodeType="tmRoot">
+        <p:cTn id="1" dur="indefinite" restart="never" nodeType="tmRoot">
           <p:childTnLst>
             <p:seq concurrent="1" nextAc="seek">
               <p:cTn id="2" dur="indefinite" nodeType="mainSeq">
@@ -6778,7 +6949,7 @@
           <p:nvPr/>
         </p:nvPicPr>
         <p:blipFill>
-          <a:blip r:embed="rId2" cstate="print">
+          <a:blip r:embed="rId1" cstate="print">
             <a:extLst>
               <a:ext uri="{28A0092B-C50C-407E-A947-70E740481C1C}">
                 <a14:useLocalDpi xmlns:a14="http://schemas.microsoft.com/office/drawing/2010/main" val="0"/>
@@ -7363,6 +7534,11 @@
               </a:rPr>
               <a:t> parameter is not the last one, values for the following parameters can be passed using named argument syntax.</a:t>
             </a:r>
+            <a:endParaRPr lang="en-US" dirty="0" smtClean="0">
+              <a:solidFill>
+                <a:srgbClr val="00B050"/>
+              </a:solidFill>
+            </a:endParaRPr>
           </a:p>
         </p:txBody>
       </p:sp>
@@ -7597,6 +7773,13 @@
               </a:rPr>
               <a:t> sum = 0</a:t>
             </a:r>
+            <a:endParaRPr lang="en-US" dirty="0">
+              <a:solidFill>
+                <a:schemeClr val="bg1"/>
+              </a:solidFill>
+              <a:latin typeface="Times New Roman" panose="02020603050405020304" charset="0"/>
+              <a:cs typeface="Times New Roman" panose="02020603050405020304" charset="0"/>
+            </a:endParaRPr>
           </a:p>
           <a:p>
             <a:r>
@@ -7609,6 +7792,13 @@
               </a:rPr>
               <a:t>    for (n in numbers) {</a:t>
             </a:r>
+            <a:endParaRPr lang="en-US" dirty="0">
+              <a:solidFill>
+                <a:schemeClr val="bg1"/>
+              </a:solidFill>
+              <a:latin typeface="Times New Roman" panose="02020603050405020304" charset="0"/>
+              <a:cs typeface="Times New Roman" panose="02020603050405020304" charset="0"/>
+            </a:endParaRPr>
           </a:p>
           <a:p>
             <a:r>
@@ -7621,6 +7811,13 @@
               </a:rPr>
               <a:t>        sum = sum + n</a:t>
             </a:r>
+            <a:endParaRPr lang="en-US" dirty="0">
+              <a:solidFill>
+                <a:schemeClr val="bg1"/>
+              </a:solidFill>
+              <a:latin typeface="Times New Roman" panose="02020603050405020304" charset="0"/>
+              <a:cs typeface="Times New Roman" panose="02020603050405020304" charset="0"/>
+            </a:endParaRPr>
           </a:p>
           <a:p>
             <a:r>
@@ -7633,6 +7830,13 @@
               </a:rPr>
               <a:t>    }</a:t>
             </a:r>
+            <a:endParaRPr lang="en-US" dirty="0">
+              <a:solidFill>
+                <a:schemeClr val="bg1"/>
+              </a:solidFill>
+              <a:latin typeface="Times New Roman" panose="02020603050405020304" charset="0"/>
+              <a:cs typeface="Times New Roman" panose="02020603050405020304" charset="0"/>
+            </a:endParaRPr>
           </a:p>
           <a:p>
             <a:r>
@@ -7674,6 +7878,13 @@
               </a:rPr>
               <a:t>}</a:t>
             </a:r>
+            <a:endParaRPr lang="en-US" dirty="0" smtClean="0">
+              <a:solidFill>
+                <a:schemeClr val="bg1"/>
+              </a:solidFill>
+              <a:latin typeface="Times New Roman" panose="02020603050405020304" charset="0"/>
+              <a:cs typeface="Times New Roman" panose="02020603050405020304" charset="0"/>
+            </a:endParaRPr>
           </a:p>
           <a:p>
             <a:endParaRPr lang="en-US" dirty="0">
@@ -7804,6 +8015,13 @@
               </a:rPr>
               <a:t>print 11</a:t>
             </a:r>
+            <a:endParaRPr lang="en-US" dirty="0" smtClean="0">
+              <a:solidFill>
+                <a:srgbClr val="00B050"/>
+              </a:solidFill>
+              <a:latin typeface="Times New Roman" panose="02020603050405020304" charset="0"/>
+              <a:cs typeface="Times New Roman" panose="02020603050405020304" charset="0"/>
+            </a:endParaRPr>
           </a:p>
         </p:txBody>
       </p:sp>
@@ -7816,7 +8034,7 @@
           <p:nvPr/>
         </p:nvPicPr>
         <p:blipFill>
-          <a:blip r:embed="rId3"/>
+          <a:blip r:embed="rId2"/>
           <a:srcRect l="24142" r="14849"/>
           <a:stretch>
             <a:fillRect/>
@@ -7845,13 +8063,13 @@
   <p:clrMapOvr>
     <a:masterClrMapping/>
   </p:clrMapOvr>
-  <p:transition xmlns:p14="http://schemas.microsoft.com/office/powerpoint/2010/main">
+  <p:transition>
     <p:comb/>
   </p:transition>
   <p:timing>
     <p:tnLst>
       <p:par>
-        <p:cTn xmlns:p14="http://schemas.microsoft.com/office/powerpoint/2010/main" id="1" dur="indefinite" restart="never" nodeType="tmRoot">
+        <p:cTn id="1" dur="indefinite" restart="never" nodeType="tmRoot">
           <p:childTnLst>
             <p:seq concurrent="1" nextAc="seek">
               <p:cTn id="2" dur="indefinite" nodeType="mainSeq">
@@ -7999,7 +8217,7 @@
           <p:nvPr/>
         </p:nvPicPr>
         <p:blipFill>
-          <a:blip r:embed="rId2" cstate="print">
+          <a:blip r:embed="rId1" cstate="print">
             <a:extLst>
               <a:ext uri="{28A0092B-C50C-407E-A947-70E740481C1C}">
                 <a14:useLocalDpi xmlns:a14="http://schemas.microsoft.com/office/drawing/2010/main" val="0"/>
@@ -8596,22 +8814,17 @@
         </p:style>
       </p:cxnSp>
     </p:spTree>
-    <p:extLst>
-      <p:ext uri="{BB962C8B-B14F-4D97-AF65-F5344CB8AC3E}">
-        <p14:creationId xmlns:p14="http://schemas.microsoft.com/office/powerpoint/2010/main" val="2555972969"/>
-      </p:ext>
-    </p:extLst>
   </p:cSld>
   <p:clrMapOvr>
     <a:masterClrMapping/>
   </p:clrMapOvr>
-  <p:transition xmlns:p14="http://schemas.microsoft.com/office/powerpoint/2010/main">
+  <p:transition>
     <p:wipe/>
   </p:transition>
   <p:timing>
     <p:tnLst>
       <p:par>
-        <p:cTn xmlns:p14="http://schemas.microsoft.com/office/powerpoint/2010/main" id="1" dur="indefinite" restart="never" nodeType="tmRoot">
+        <p:cTn id="1" dur="indefinite" restart="never" nodeType="tmRoot">
           <p:childTnLst>
             <p:seq concurrent="1" nextAc="seek">
               <p:cTn id="2" dur="indefinite" nodeType="mainSeq">
@@ -8723,7 +8936,7 @@
           <p:nvPr/>
         </p:nvPicPr>
         <p:blipFill>
-          <a:blip r:embed="rId2" cstate="print">
+          <a:blip r:embed="rId1" cstate="print">
             <a:extLst>
               <a:ext uri="{28A0092B-C50C-407E-A947-70E740481C1C}">
                 <a14:useLocalDpi xmlns:a14="http://schemas.microsoft.com/office/drawing/2010/main" val="0"/>
@@ -9347,6 +9560,13 @@
               </a:rPr>
               <a:t>Infix functions must be satisfy the following requirements:</a:t>
             </a:r>
+            <a:endParaRPr lang="en-US" b="1" dirty="0" smtClean="0">
+              <a:solidFill>
+                <a:schemeClr val="bg1"/>
+              </a:solidFill>
+              <a:latin typeface="Times New Roman" panose="02020603050405020304" charset="0"/>
+              <a:cs typeface="Times New Roman" panose="02020603050405020304" charset="0"/>
+            </a:endParaRPr>
           </a:p>
           <a:p>
             <a:r>
@@ -9369,6 +9589,13 @@
               </a:rPr>
               <a:t>- Must be member function or extension functions</a:t>
             </a:r>
+            <a:endParaRPr lang="en-US" b="1" dirty="0" smtClean="0">
+              <a:solidFill>
+                <a:schemeClr val="bg1"/>
+              </a:solidFill>
+              <a:latin typeface="Times New Roman" panose="02020603050405020304" charset="0"/>
+              <a:cs typeface="Times New Roman" panose="02020603050405020304" charset="0"/>
+            </a:endParaRPr>
           </a:p>
           <a:p>
             <a:r>
@@ -9391,6 +9618,13 @@
               </a:rPr>
               <a:t>- Must have single parameter.</a:t>
             </a:r>
+            <a:endParaRPr lang="en-US" b="1" dirty="0" smtClean="0">
+              <a:solidFill>
+                <a:schemeClr val="bg1"/>
+              </a:solidFill>
+              <a:latin typeface="Times New Roman" panose="02020603050405020304" charset="0"/>
+              <a:cs typeface="Times New Roman" panose="02020603050405020304" charset="0"/>
+            </a:endParaRPr>
           </a:p>
           <a:p>
             <a:r>
@@ -9584,6 +9818,20 @@
               </a:rPr>
               <a:t>number</a:t>
             </a:r>
+            <a:endParaRPr lang="en-US" dirty="0" smtClean="0">
+              <a:ln w="18415" cmpd="sng">
+                <a:solidFill>
+                  <a:srgbClr val="FFFFFF"/>
+                </a:solidFill>
+                <a:prstDash val="solid"/>
+              </a:ln>
+              <a:solidFill>
+                <a:srgbClr val="FFFFFF"/>
+              </a:solidFill>
+              <a:effectLst/>
+              <a:latin typeface="Times New Roman" panose="02020603050405020304" charset="0"/>
+              <a:cs typeface="Times New Roman" panose="02020603050405020304" charset="0"/>
+            </a:endParaRPr>
           </a:p>
           <a:p>
             <a:endParaRPr lang="en-US" dirty="0">
@@ -9668,6 +9916,20 @@
               </a:rPr>
               <a:t>) // false</a:t>
             </a:r>
+            <a:endParaRPr lang="en-US" dirty="0" smtClean="0">
+              <a:ln w="18415" cmpd="sng">
+                <a:solidFill>
+                  <a:srgbClr val="FFFFFF"/>
+                </a:solidFill>
+                <a:prstDash val="solid"/>
+              </a:ln>
+              <a:solidFill>
+                <a:srgbClr val="FFFFFF"/>
+              </a:solidFill>
+              <a:effectLst/>
+              <a:latin typeface="Times New Roman" panose="02020603050405020304" charset="0"/>
+              <a:cs typeface="Times New Roman" panose="02020603050405020304" charset="0"/>
+            </a:endParaRPr>
           </a:p>
           <a:p>
             <a:r>
@@ -9758,13 +10020,13 @@
   <p:clrMapOvr>
     <a:masterClrMapping/>
   </p:clrMapOvr>
-  <p:transition xmlns:p14="http://schemas.microsoft.com/office/powerpoint/2010/main">
+  <p:transition>
     <p:pull/>
   </p:transition>
   <p:timing>
     <p:tnLst>
       <p:par>
-        <p:cTn xmlns:p14="http://schemas.microsoft.com/office/powerpoint/2010/main" id="1" dur="indefinite" restart="never" nodeType="tmRoot">
+        <p:cTn id="1" dur="indefinite" restart="never" nodeType="tmRoot">
           <p:childTnLst>
             <p:seq concurrent="1" nextAc="seek">
               <p:cTn id="2" dur="indefinite" nodeType="mainSeq">
@@ -10098,7 +10360,7 @@
           <p:nvPr/>
         </p:nvPicPr>
         <p:blipFill>
-          <a:blip r:embed="rId2" cstate="print">
+          <a:blip r:embed="rId1" cstate="print">
             <a:extLst>
               <a:ext uri="{28A0092B-C50C-407E-A947-70E740481C1C}">
                 <a14:useLocalDpi xmlns:a14="http://schemas.microsoft.com/office/drawing/2010/main" val="0"/>
@@ -10732,6 +10994,13 @@
               </a:rPr>
               <a:t> operator:</a:t>
             </a:r>
+            <a:endParaRPr lang="en-US" dirty="0">
+              <a:solidFill>
+                <a:srgbClr val="FF0000"/>
+              </a:solidFill>
+              <a:latin typeface="Times New Roman" panose="02020603050405020304" charset="0"/>
+              <a:cs typeface="Times New Roman" panose="02020603050405020304" charset="0"/>
+            </a:endParaRPr>
           </a:p>
         </p:txBody>
       </p:sp>
@@ -10744,7 +11013,7 @@
           <p:nvPr/>
         </p:nvPicPr>
         <p:blipFill>
-          <a:blip r:embed="rId3">
+          <a:blip r:embed="rId2">
             <a:extLst>
               <a:ext uri="{28A0092B-C50C-407E-A947-70E740481C1C}">
                 <a14:useLocalDpi xmlns:a14="http://schemas.microsoft.com/office/drawing/2010/main" val="0"/>
@@ -10773,7 +11042,7 @@
   <p:timing>
     <p:tnLst>
       <p:par>
-        <p:cTn xmlns:p14="http://schemas.microsoft.com/office/powerpoint/2010/main" id="1" dur="indefinite" restart="never" nodeType="tmRoot">
+        <p:cTn id="1" dur="indefinite" restart="never" nodeType="tmRoot">
           <p:childTnLst>
             <p:seq concurrent="1" nextAc="seek">
               <p:cTn id="2" dur="indefinite" nodeType="mainSeq">
@@ -11022,7 +11291,7 @@
           <p:nvPr/>
         </p:nvPicPr>
         <p:blipFill>
-          <a:blip r:embed="rId2" cstate="print">
+          <a:blip r:embed="rId1" cstate="print">
             <a:extLst>
               <a:ext uri="{28A0092B-C50C-407E-A947-70E740481C1C}">
                 <a14:useLocalDpi xmlns:a14="http://schemas.microsoft.com/office/drawing/2010/main" val="0"/>
@@ -11646,6 +11915,13 @@
               </a:rPr>
               <a:t>Type casts operator:</a:t>
             </a:r>
+            <a:endParaRPr lang="en-US" b="1" dirty="0" smtClean="0">
+              <a:solidFill>
+                <a:srgbClr val="FF0000"/>
+              </a:solidFill>
+              <a:latin typeface="Times New Roman" panose="02020603050405020304" charset="0"/>
+              <a:cs typeface="Times New Roman" panose="02020603050405020304" charset="0"/>
+            </a:endParaRPr>
           </a:p>
         </p:txBody>
       </p:sp>
@@ -11658,7 +11934,7 @@
           <p:nvPr/>
         </p:nvPicPr>
         <p:blipFill>
-          <a:blip r:embed="rId3">
+          <a:blip r:embed="rId2">
             <a:extLst>
               <a:ext uri="{28A0092B-C50C-407E-A947-70E740481C1C}">
                 <a14:useLocalDpi xmlns:a14="http://schemas.microsoft.com/office/drawing/2010/main" val="0"/>
@@ -11684,13 +11960,13 @@
   <p:clrMapOvr>
     <a:masterClrMapping/>
   </p:clrMapOvr>
-  <p:transition xmlns:p14="http://schemas.microsoft.com/office/powerpoint/2010/main">
+  <p:transition>
     <p:fade/>
   </p:transition>
   <p:timing>
     <p:tnLst>
       <p:par>
-        <p:cTn xmlns:p14="http://schemas.microsoft.com/office/powerpoint/2010/main" id="1" dur="indefinite" restart="never" nodeType="tmRoot">
+        <p:cTn id="1" dur="indefinite" restart="never" nodeType="tmRoot">
           <p:childTnLst>
             <p:seq concurrent="1" nextAc="seek">
               <p:cTn id="2" dur="indefinite" nodeType="mainSeq">
@@ -12128,7 +12404,7 @@
           <p:nvPr/>
         </p:nvPicPr>
         <p:blipFill>
-          <a:blip r:embed="rId2" cstate="print">
+          <a:blip r:embed="rId1" cstate="print">
             <a:extLst>
               <a:ext uri="{28A0092B-C50C-407E-A947-70E740481C1C}">
                 <a14:useLocalDpi xmlns:a14="http://schemas.microsoft.com/office/drawing/2010/main" val="0"/>
@@ -12689,6 +12965,11 @@
               </a:rPr>
               <a:t>||</a:t>
             </a:r>
+            <a:endParaRPr lang="en-US" dirty="0" smtClean="0">
+              <a:solidFill>
+                <a:srgbClr val="FF0000"/>
+              </a:solidFill>
+            </a:endParaRPr>
           </a:p>
         </p:txBody>
       </p:sp>
@@ -12701,7 +12982,7 @@
           <p:nvPr/>
         </p:nvPicPr>
         <p:blipFill>
-          <a:blip r:embed="rId3">
+          <a:blip r:embed="rId2">
             <a:extLst>
               <a:ext uri="{28A0092B-C50C-407E-A947-70E740481C1C}">
                 <a14:useLocalDpi xmlns:a14="http://schemas.microsoft.com/office/drawing/2010/main" val="0"/>
@@ -12727,13 +13008,13 @@
   <p:clrMapOvr>
     <a:masterClrMapping/>
   </p:clrMapOvr>
-  <p:transition xmlns:p14="http://schemas.microsoft.com/office/powerpoint/2010/main">
+  <p:transition>
     <p:push dir="u"/>
   </p:transition>
   <p:timing>
     <p:tnLst>
       <p:par>
-        <p:cTn xmlns:p14="http://schemas.microsoft.com/office/powerpoint/2010/main" id="1" dur="indefinite" restart="never" nodeType="tmRoot">
+        <p:cTn id="1" dur="indefinite" restart="never" nodeType="tmRoot">
           <p:childTnLst>
             <p:seq concurrent="1" nextAc="seek">
               <p:cTn id="2" dur="indefinite" nodeType="mainSeq">
@@ -12898,7 +13179,7 @@
           <p:nvPr/>
         </p:nvPicPr>
         <p:blipFill>
-          <a:blip r:embed="rId2" cstate="print">
+          <a:blip r:embed="rId1" cstate="print">
             <a:extLst>
               <a:ext uri="{28A0092B-C50C-407E-A947-70E740481C1C}">
                 <a14:useLocalDpi xmlns:a14="http://schemas.microsoft.com/office/drawing/2010/main" val="0"/>
@@ -13529,6 +13810,11 @@
               </a:rPr>
               <a:t>in</a:t>
             </a:r>
+            <a:endParaRPr lang="en-US" b="1" dirty="0" smtClean="0">
+              <a:solidFill>
+                <a:srgbClr val="FF0000"/>
+              </a:solidFill>
+            </a:endParaRPr>
           </a:p>
         </p:txBody>
       </p:sp>
@@ -13541,7 +13827,7 @@
           <p:nvPr/>
         </p:nvPicPr>
         <p:blipFill>
-          <a:blip r:embed="rId3">
+          <a:blip r:embed="rId2">
             <a:extLst>
               <a:ext uri="{28A0092B-C50C-407E-A947-70E740481C1C}">
                 <a14:useLocalDpi xmlns:a14="http://schemas.microsoft.com/office/drawing/2010/main" val="0"/>
@@ -13567,13 +13853,13 @@
   <p:clrMapOvr>
     <a:masterClrMapping/>
   </p:clrMapOvr>
-  <p:transition xmlns:p14="http://schemas.microsoft.com/office/powerpoint/2010/main">
+  <p:transition>
     <p:wheel spokes="8"/>
   </p:transition>
   <p:timing>
     <p:tnLst>
       <p:par>
-        <p:cTn xmlns:p14="http://schemas.microsoft.com/office/powerpoint/2010/main" id="1" dur="indefinite" restart="never" nodeType="tmRoot">
+        <p:cTn id="1" dur="indefinite" restart="never" nodeType="tmRoot">
           <p:childTnLst>
             <p:seq concurrent="1" nextAc="seek">
               <p:cTn id="2" dur="indefinite" nodeType="mainSeq">
@@ -13738,7 +14024,7 @@
           <p:nvPr/>
         </p:nvPicPr>
         <p:blipFill>
-          <a:blip r:embed="rId2" cstate="print">
+          <a:blip r:embed="rId1" cstate="print">
             <a:extLst>
               <a:ext uri="{28A0092B-C50C-407E-A947-70E740481C1C}">
                 <a14:useLocalDpi xmlns:a14="http://schemas.microsoft.com/office/drawing/2010/main" val="0"/>
@@ -14325,6 +14611,11 @@
               </a:rPr>
               <a:t>Local function</a:t>
             </a:r>
+            <a:endParaRPr lang="en-US" dirty="0" smtClean="0">
+              <a:solidFill>
+                <a:schemeClr val="bg1"/>
+              </a:solidFill>
+            </a:endParaRPr>
           </a:p>
           <a:p>
             <a:pPr marL="342900" indent="-342900">
@@ -14348,6 +14639,11 @@
               </a:rPr>
               <a:t>Member function</a:t>
             </a:r>
+            <a:endParaRPr lang="en-US" dirty="0" smtClean="0">
+              <a:solidFill>
+                <a:schemeClr val="bg1"/>
+              </a:solidFill>
+            </a:endParaRPr>
           </a:p>
           <a:p>
             <a:pPr marL="342900" indent="-342900">
@@ -14371,6 +14667,11 @@
               </a:rPr>
               <a:t>Generic function</a:t>
             </a:r>
+            <a:endParaRPr lang="en-US" dirty="0" smtClean="0">
+              <a:solidFill>
+                <a:schemeClr val="bg1"/>
+              </a:solidFill>
+            </a:endParaRPr>
           </a:p>
           <a:p>
             <a:pPr marL="342900" indent="-342900">
@@ -14395,6 +14696,11 @@
               </a:rPr>
               <a:t>Extension function</a:t>
             </a:r>
+            <a:endParaRPr lang="en-US" dirty="0" smtClean="0">
+              <a:solidFill>
+                <a:schemeClr val="bg1"/>
+              </a:solidFill>
+            </a:endParaRPr>
           </a:p>
           <a:p>
             <a:pPr marL="342900" indent="-342900">
@@ -14426,6 +14732,11 @@
               </a:rPr>
               <a:t>function</a:t>
             </a:r>
+            <a:endParaRPr lang="en-US" dirty="0" smtClean="0">
+              <a:solidFill>
+                <a:schemeClr val="bg1"/>
+              </a:solidFill>
+            </a:endParaRPr>
           </a:p>
           <a:p>
             <a:pPr marL="342900" indent="-342900">
@@ -14482,13 +14793,13 @@
   <p:clrMapOvr>
     <a:masterClrMapping/>
   </p:clrMapOvr>
-  <p:transition xmlns:p14="http://schemas.microsoft.com/office/powerpoint/2010/main">
+  <p:transition>
     <p:comb/>
   </p:transition>
   <p:timing>
     <p:tnLst>
       <p:par>
-        <p:cTn xmlns:p14="http://schemas.microsoft.com/office/powerpoint/2010/main" id="1" dur="indefinite" restart="never" nodeType="tmRoot">
+        <p:cTn id="1" dur="indefinite" restart="never" nodeType="tmRoot">
           <p:childTnLst>
             <p:seq concurrent="1" nextAc="seek">
               <p:cTn id="2" dur="indefinite" nodeType="mainSeq">
@@ -15165,7 +15476,7 @@
           <p:nvPr/>
         </p:nvPicPr>
         <p:blipFill>
-          <a:blip r:embed="rId2" cstate="print">
+          <a:blip r:embed="rId1" cstate="print">
             <a:extLst>
               <a:ext uri="{28A0092B-C50C-407E-A947-70E740481C1C}">
                 <a14:useLocalDpi xmlns:a14="http://schemas.microsoft.com/office/drawing/2010/main" val="0"/>
@@ -15908,6 +16219,14 @@
               </a:rPr>
               <a:t>Functions</a:t>
             </a:r>
+            <a:endParaRPr lang="en-US" sz="2400" dirty="0">
+              <a:solidFill>
+                <a:schemeClr val="bg1"/>
+              </a:solidFill>
+              <a:latin typeface="Montserrat Extra Bold" panose="00000900000000000000" pitchFamily="50" charset="0"/>
+              <a:cs typeface="+mn-ea"/>
+              <a:sym typeface="+mn-lt"/>
+            </a:endParaRPr>
           </a:p>
         </p:txBody>
       </p:sp>
@@ -15943,6 +16262,14 @@
               </a:rPr>
               <a:t>Lambdas </a:t>
             </a:r>
+            <a:endParaRPr lang="en-US" altLang="en-US" sz="2400" dirty="0">
+              <a:solidFill>
+                <a:schemeClr val="bg1"/>
+              </a:solidFill>
+              <a:latin typeface="Montserrat Extra Bold" panose="00000900000000000000" pitchFamily="50" charset="0"/>
+              <a:cs typeface="+mn-ea"/>
+              <a:sym typeface="+mn-lt"/>
+            </a:endParaRPr>
           </a:p>
         </p:txBody>
       </p:sp>
@@ -16072,13 +16399,13 @@
   <p:clrMapOvr>
     <a:masterClrMapping/>
   </p:clrMapOvr>
-  <p:transition xmlns:p14="http://schemas.microsoft.com/office/powerpoint/2010/main">
+  <p:transition>
     <p:fade/>
   </p:transition>
   <p:timing>
     <p:tnLst>
       <p:par>
-        <p:cTn xmlns:p14="http://schemas.microsoft.com/office/powerpoint/2010/main" id="1" dur="indefinite" restart="never" nodeType="tmRoot">
+        <p:cTn id="1" dur="indefinite" restart="never" nodeType="tmRoot">
           <p:childTnLst>
             <p:seq concurrent="1" nextAc="seek">
               <p:cTn id="2" dur="indefinite" nodeType="mainSeq">
@@ -16694,7 +17021,7 @@
           <p:nvPr/>
         </p:nvPicPr>
         <p:blipFill>
-          <a:blip r:embed="rId2" cstate="print">
+          <a:blip r:embed="rId1" cstate="print">
             <a:extLst>
               <a:ext uri="{28A0092B-C50C-407E-A947-70E740481C1C}">
                 <a14:useLocalDpi xmlns:a14="http://schemas.microsoft.com/office/drawing/2010/main" val="0"/>
@@ -17175,7 +17502,7 @@
           <p:nvPr/>
         </p:nvPicPr>
         <p:blipFill>
-          <a:blip r:embed="rId3">
+          <a:blip r:embed="rId2">
             <a:extLst>
               <a:ext uri="{28A0092B-C50C-407E-A947-70E740481C1C}">
                 <a14:useLocalDpi xmlns:a14="http://schemas.microsoft.com/office/drawing/2010/main" val="0"/>
@@ -17201,13 +17528,13 @@
   <p:clrMapOvr>
     <a:masterClrMapping/>
   </p:clrMapOvr>
-  <p:transition xmlns:p14="http://schemas.microsoft.com/office/powerpoint/2010/main">
+  <p:transition>
     <p:split orient="vert" dir="in"/>
   </p:transition>
   <p:timing>
     <p:tnLst>
       <p:par>
-        <p:cTn xmlns:p14="http://schemas.microsoft.com/office/powerpoint/2010/main" id="1" dur="indefinite" restart="never" nodeType="tmRoot">
+        <p:cTn id="1" dur="indefinite" restart="never" nodeType="tmRoot">
           <p:childTnLst>
             <p:seq concurrent="1" nextAc="seek">
               <p:cTn id="2" dur="indefinite" nodeType="mainSeq">
@@ -17372,7 +17699,7 @@
           <p:nvPr/>
         </p:nvPicPr>
         <p:blipFill>
-          <a:blip r:embed="rId2" cstate="print">
+          <a:blip r:embed="rId1" cstate="print">
             <a:extLst>
               <a:ext uri="{28A0092B-C50C-407E-A947-70E740481C1C}">
                 <a14:useLocalDpi xmlns:a14="http://schemas.microsoft.com/office/drawing/2010/main" val="0"/>
@@ -17837,7 +18164,7 @@
           <p:nvPr/>
         </p:nvPicPr>
         <p:blipFill>
-          <a:blip r:embed="rId3">
+          <a:blip r:embed="rId2">
             <a:extLst>
               <a:ext uri="{28A0092B-C50C-407E-A947-70E740481C1C}">
                 <a14:useLocalDpi xmlns:a14="http://schemas.microsoft.com/office/drawing/2010/main" val="0"/>
@@ -17866,7 +18193,7 @@
   <p:timing>
     <p:tnLst>
       <p:par>
-        <p:cTn xmlns:p14="http://schemas.microsoft.com/office/powerpoint/2010/main" id="1" dur="indefinite" restart="never" nodeType="tmRoot">
+        <p:cTn id="1" dur="indefinite" restart="never" nodeType="tmRoot">
           <p:childTnLst>
             <p:seq concurrent="1" nextAc="seek">
               <p:cTn id="2" dur="indefinite" nodeType="mainSeq">
@@ -18015,7 +18342,7 @@
           <p:nvPr/>
         </p:nvPicPr>
         <p:blipFill>
-          <a:blip r:embed="rId2" cstate="print">
+          <a:blip r:embed="rId1" cstate="print">
             <a:extLst>
               <a:ext uri="{28A0092B-C50C-407E-A947-70E740481C1C}">
                 <a14:useLocalDpi xmlns:a14="http://schemas.microsoft.com/office/drawing/2010/main" val="0"/>
@@ -18480,7 +18807,7 @@
           <p:nvPr/>
         </p:nvPicPr>
         <p:blipFill>
-          <a:blip r:embed="rId3">
+          <a:blip r:embed="rId2">
             <a:extLst>
               <a:ext uri="{28A0092B-C50C-407E-A947-70E740481C1C}">
                 <a14:useLocalDpi xmlns:a14="http://schemas.microsoft.com/office/drawing/2010/main" val="0"/>
@@ -18506,13 +18833,13 @@
   <p:clrMapOvr>
     <a:masterClrMapping/>
   </p:clrMapOvr>
-  <p:transition xmlns:p14="http://schemas.microsoft.com/office/powerpoint/2010/main">
+  <p:transition>
     <p:comb/>
   </p:transition>
   <p:timing>
     <p:tnLst>
       <p:par>
-        <p:cTn xmlns:p14="http://schemas.microsoft.com/office/powerpoint/2010/main" id="1" dur="indefinite" restart="never" nodeType="tmRoot">
+        <p:cTn id="1" dur="indefinite" restart="never" nodeType="tmRoot">
           <p:childTnLst>
             <p:seq concurrent="1" nextAc="seek">
               <p:cTn id="2" dur="indefinite" nodeType="mainSeq">
@@ -18621,7 +18948,7 @@
           <p:nvPr/>
         </p:nvPicPr>
         <p:blipFill>
-          <a:blip r:embed="rId2" cstate="print">
+          <a:blip r:embed="rId1" cstate="print">
             <a:extLst>
               <a:ext uri="{28A0092B-C50C-407E-A947-70E740481C1C}">
                 <a14:useLocalDpi xmlns:a14="http://schemas.microsoft.com/office/drawing/2010/main" val="0"/>
@@ -19071,6 +19398,13 @@
               </a:rPr>
               <a:t> provides the ability to extend a class with new functionality without having to inherit from the class or use any type of design pattern.</a:t>
             </a:r>
+            <a:endParaRPr lang="en-US" b="1" dirty="0" smtClean="0">
+              <a:solidFill>
+                <a:srgbClr val="00B050"/>
+              </a:solidFill>
+              <a:latin typeface="Times New Roman" panose="02020603050405020304" charset="0"/>
+              <a:cs typeface="Times New Roman" panose="02020603050405020304" charset="0"/>
+            </a:endParaRPr>
           </a:p>
         </p:txBody>
       </p:sp>
@@ -19083,7 +19417,7 @@
           <p:nvPr/>
         </p:nvPicPr>
         <p:blipFill>
-          <a:blip r:embed="rId3">
+          <a:blip r:embed="rId2">
             <a:extLst>
               <a:ext uri="{28A0092B-C50C-407E-A947-70E740481C1C}">
                 <a14:useLocalDpi xmlns:a14="http://schemas.microsoft.com/office/drawing/2010/main" val="0"/>
@@ -19109,13 +19443,13 @@
   <p:clrMapOvr>
     <a:masterClrMapping/>
   </p:clrMapOvr>
-  <p:transition xmlns:p14="http://schemas.microsoft.com/office/powerpoint/2010/main">
+  <p:transition>
     <p:comb/>
   </p:transition>
   <p:timing>
     <p:tnLst>
       <p:par>
-        <p:cTn xmlns:p14="http://schemas.microsoft.com/office/powerpoint/2010/main" id="1" dur="indefinite" restart="never" nodeType="tmRoot"/>
+        <p:cTn id="1" dur="indefinite" restart="never" nodeType="tmRoot"/>
       </p:par>
     </p:tnLst>
   </p:timing>
@@ -19148,7 +19482,7 @@
           <p:nvPr/>
         </p:nvPicPr>
         <p:blipFill>
-          <a:blip r:embed="rId2" cstate="print">
+          <a:blip r:embed="rId1" cstate="print">
             <a:extLst>
               <a:ext uri="{28A0092B-C50C-407E-A947-70E740481C1C}">
                 <a14:useLocalDpi xmlns:a14="http://schemas.microsoft.com/office/drawing/2010/main" val="0"/>
@@ -19586,12 +19920,47 @@
               </a:rPr>
               <a:t>Extensions do not add a new member function into a class. </a:t>
             </a:r>
+            <a:endParaRPr lang="en-US" b="1" dirty="0" smtClean="0">
+              <a:solidFill>
+                <a:srgbClr val="FFFF00"/>
+              </a:solidFill>
+            </a:endParaRPr>
           </a:p>
         </p:txBody>
       </p:sp>
       <p:pic>
         <p:nvPicPr>
           <p:cNvPr id="8" name="Picture 7" descr="Screen Shot 2019-07-17 at 10.09.34.png"/>
+          <p:cNvPicPr>
+            <a:picLocks noChangeAspect="1"/>
+          </p:cNvPicPr>
+          <p:nvPr/>
+        </p:nvPicPr>
+        <p:blipFill>
+          <a:blip r:embed="rId2">
+            <a:extLst>
+              <a:ext uri="{28A0092B-C50C-407E-A947-70E740481C1C}">
+                <a14:useLocalDpi xmlns:a14="http://schemas.microsoft.com/office/drawing/2010/main" val="0"/>
+              </a:ext>
+            </a:extLst>
+          </a:blip>
+          <a:stretch>
+            <a:fillRect/>
+          </a:stretch>
+        </p:blipFill>
+        <p:spPr>
+          <a:xfrm>
+            <a:off x="2175933" y="2228144"/>
+            <a:ext cx="4368800" cy="990600"/>
+          </a:xfrm>
+          <a:prstGeom prst="rect">
+            <a:avLst/>
+          </a:prstGeom>
+        </p:spPr>
+      </p:pic>
+      <p:pic>
+        <p:nvPicPr>
+          <p:cNvPr id="11" name="Picture 10" descr="Screen Shot 2019-07-17 at 10.10.06.png"/>
           <p:cNvPicPr>
             <a:picLocks noChangeAspect="1"/>
           </p:cNvPicPr>
@@ -19611,36 +19980,6 @@
         </p:blipFill>
         <p:spPr>
           <a:xfrm>
-            <a:off x="2175933" y="2228144"/>
-            <a:ext cx="4368800" cy="990600"/>
-          </a:xfrm>
-          <a:prstGeom prst="rect">
-            <a:avLst/>
-          </a:prstGeom>
-        </p:spPr>
-      </p:pic>
-      <p:pic>
-        <p:nvPicPr>
-          <p:cNvPr id="11" name="Picture 10" descr="Screen Shot 2019-07-17 at 10.10.06.png"/>
-          <p:cNvPicPr>
-            <a:picLocks noChangeAspect="1"/>
-          </p:cNvPicPr>
-          <p:nvPr/>
-        </p:nvPicPr>
-        <p:blipFill>
-          <a:blip r:embed="rId4">
-            <a:extLst>
-              <a:ext uri="{28A0092B-C50C-407E-A947-70E740481C1C}">
-                <a14:useLocalDpi xmlns:a14="http://schemas.microsoft.com/office/drawing/2010/main" val="0"/>
-              </a:ext>
-            </a:extLst>
-          </a:blip>
-          <a:stretch>
-            <a:fillRect/>
-          </a:stretch>
-        </p:blipFill>
-        <p:spPr>
-          <a:xfrm>
             <a:off x="2152650" y="4386439"/>
             <a:ext cx="5092700" cy="596900"/>
           </a:xfrm>
@@ -19654,13 +19993,13 @@
   <p:clrMapOvr>
     <a:masterClrMapping/>
   </p:clrMapOvr>
-  <p:transition xmlns:p14="http://schemas.microsoft.com/office/powerpoint/2010/main">
+  <p:transition>
     <p:comb/>
   </p:transition>
   <p:timing>
     <p:tnLst>
       <p:par>
-        <p:cTn xmlns:p14="http://schemas.microsoft.com/office/powerpoint/2010/main" id="1" dur="indefinite" restart="never" nodeType="tmRoot">
+        <p:cTn id="1" dur="indefinite" restart="never" nodeType="tmRoot">
           <p:childTnLst>
             <p:seq concurrent="1" nextAc="seek">
               <p:cTn id="2" dur="indefinite" nodeType="mainSeq">
@@ -19854,7 +20193,7 @@
           <p:nvPr/>
         </p:nvPicPr>
         <p:blipFill>
-          <a:blip r:embed="rId2" cstate="print">
+          <a:blip r:embed="rId1" cstate="print">
             <a:extLst>
               <a:ext uri="{28A0092B-C50C-407E-A947-70E740481C1C}">
                 <a14:useLocalDpi xmlns:a14="http://schemas.microsoft.com/office/drawing/2010/main" val="0"/>
@@ -20249,12 +20588,47 @@
               </a:rPr>
               <a:t>Extensions are resolved statically</a:t>
             </a:r>
+            <a:endParaRPr lang="en-US" sz="2000" b="1" dirty="0" smtClean="0">
+              <a:solidFill>
+                <a:srgbClr val="D41F86"/>
+              </a:solidFill>
+            </a:endParaRPr>
           </a:p>
         </p:txBody>
       </p:sp>
       <p:pic>
         <p:nvPicPr>
           <p:cNvPr id="3" name="Picture 2" descr="Screen Shot 2019-07-17 at 20.26.25.png"/>
+          <p:cNvPicPr>
+            <a:picLocks noChangeAspect="1"/>
+          </p:cNvPicPr>
+          <p:nvPr/>
+        </p:nvPicPr>
+        <p:blipFill>
+          <a:blip r:embed="rId2">
+            <a:extLst>
+              <a:ext uri="{28A0092B-C50C-407E-A947-70E740481C1C}">
+                <a14:useLocalDpi xmlns:a14="http://schemas.microsoft.com/office/drawing/2010/main" val="0"/>
+              </a:ext>
+            </a:extLst>
+          </a:blip>
+          <a:stretch>
+            <a:fillRect/>
+          </a:stretch>
+        </p:blipFill>
+        <p:spPr>
+          <a:xfrm>
+            <a:off x="2235906" y="1914172"/>
+            <a:ext cx="4559300" cy="2374900"/>
+          </a:xfrm>
+          <a:prstGeom prst="rect">
+            <a:avLst/>
+          </a:prstGeom>
+        </p:spPr>
+      </p:pic>
+      <p:pic>
+        <p:nvPicPr>
+          <p:cNvPr id="5" name="Picture 4" descr="Screen Shot 2019-07-17 at 20.26.43.png"/>
           <p:cNvPicPr>
             <a:picLocks noChangeAspect="1"/>
           </p:cNvPicPr>
@@ -20274,36 +20648,6 @@
         </p:blipFill>
         <p:spPr>
           <a:xfrm>
-            <a:off x="2235906" y="1914172"/>
-            <a:ext cx="4559300" cy="2374900"/>
-          </a:xfrm>
-          <a:prstGeom prst="rect">
-            <a:avLst/>
-          </a:prstGeom>
-        </p:spPr>
-      </p:pic>
-      <p:pic>
-        <p:nvPicPr>
-          <p:cNvPr id="5" name="Picture 4" descr="Screen Shot 2019-07-17 at 20.26.43.png"/>
-          <p:cNvPicPr>
-            <a:picLocks noChangeAspect="1"/>
-          </p:cNvPicPr>
-          <p:nvPr/>
-        </p:nvPicPr>
-        <p:blipFill>
-          <a:blip r:embed="rId4">
-            <a:extLst>
-              <a:ext uri="{28A0092B-C50C-407E-A947-70E740481C1C}">
-                <a14:useLocalDpi xmlns:a14="http://schemas.microsoft.com/office/drawing/2010/main" val="0"/>
-              </a:ext>
-            </a:extLst>
-          </a:blip>
-          <a:stretch>
-            <a:fillRect/>
-          </a:stretch>
-        </p:blipFill>
-        <p:spPr>
-          <a:xfrm>
             <a:off x="2221794" y="4809772"/>
             <a:ext cx="4051300" cy="596900"/>
           </a:xfrm>
@@ -20740,13 +21084,13 @@
   <p:clrMapOvr>
     <a:masterClrMapping/>
   </p:clrMapOvr>
-  <p:transition xmlns:p14="http://schemas.microsoft.com/office/powerpoint/2010/main">
+  <p:transition>
     <p:fade/>
   </p:transition>
   <p:timing>
     <p:tnLst>
       <p:par>
-        <p:cTn xmlns:p14="http://schemas.microsoft.com/office/powerpoint/2010/main" id="1" dur="indefinite" restart="never" nodeType="tmRoot">
+        <p:cTn id="1" dur="indefinite" restart="never" nodeType="tmRoot">
           <p:childTnLst>
             <p:seq concurrent="1" nextAc="seek">
               <p:cTn id="2" dur="indefinite" nodeType="mainSeq">
@@ -20964,7 +21308,7 @@
           <p:nvPr/>
         </p:nvPicPr>
         <p:blipFill>
-          <a:blip r:embed="rId2" cstate="print">
+          <a:blip r:embed="rId1" cstate="print">
             <a:extLst>
               <a:ext uri="{28A0092B-C50C-407E-A947-70E740481C1C}">
                 <a14:useLocalDpi xmlns:a14="http://schemas.microsoft.com/office/drawing/2010/main" val="0"/>
@@ -21611,6 +21955,13 @@
               </a:rPr>
               <a:t>Lambdas Expressions essentially anonymous functions that we can treat as values — we can, for example, pass them as arguments to methods, return them, or do any other thing we could do with a regular object</a:t>
             </a:r>
+            <a:endParaRPr lang="en-US" altLang="zh-CN" sz="1600" dirty="0">
+              <a:solidFill>
+                <a:schemeClr val="bg1"/>
+              </a:solidFill>
+              <a:cs typeface="+mn-ea"/>
+              <a:sym typeface="+mn-lt"/>
+            </a:endParaRPr>
           </a:p>
         </p:txBody>
       </p:sp>
@@ -21647,6 +21998,14 @@
               </a:rPr>
               <a:t>Lambdas</a:t>
             </a:r>
+            <a:endParaRPr lang="en-US" sz="3200" dirty="0">
+              <a:solidFill>
+                <a:schemeClr val="bg1"/>
+              </a:solidFill>
+              <a:latin typeface="Montserrat Extra Bold" panose="00000900000000000000" pitchFamily="50" charset="0"/>
+              <a:cs typeface="+mn-ea"/>
+              <a:sym typeface="+mn-lt"/>
+            </a:endParaRPr>
           </a:p>
         </p:txBody>
       </p:sp>
@@ -21655,13 +22014,13 @@
   <p:clrMapOvr>
     <a:masterClrMapping/>
   </p:clrMapOvr>
-  <p:transition xmlns:p14="http://schemas.microsoft.com/office/powerpoint/2010/main">
+  <p:transition>
     <p:wheel spokes="8"/>
   </p:transition>
   <p:timing>
     <p:tnLst>
       <p:par>
-        <p:cTn xmlns:p14="http://schemas.microsoft.com/office/powerpoint/2010/main" id="1" dur="indefinite" restart="never" nodeType="tmRoot">
+        <p:cTn id="1" dur="indefinite" restart="never" nodeType="tmRoot">
           <p:childTnLst>
             <p:seq concurrent="1" nextAc="seek">
               <p:cTn id="2" dur="indefinite" nodeType="mainSeq">
@@ -21987,7 +22346,7 @@
           <p:nvPr/>
         </p:nvPicPr>
         <p:blipFill>
-          <a:blip r:embed="rId2" cstate="print">
+          <a:blip r:embed="rId1" cstate="print">
             <a:extLst>
               <a:ext uri="{28A0092B-C50C-407E-A947-70E740481C1C}">
                 <a14:useLocalDpi xmlns:a14="http://schemas.microsoft.com/office/drawing/2010/main" val="0"/>
@@ -22439,7 +22798,7 @@
           <p:nvPr/>
         </p:nvPicPr>
         <p:blipFill>
-          <a:blip r:embed="rId3"/>
+          <a:blip r:embed="rId2"/>
           <a:stretch>
             <a:fillRect/>
           </a:stretch>
@@ -22463,7 +22822,7 @@
           <p:nvPr/>
         </p:nvPicPr>
         <p:blipFill>
-          <a:blip r:embed="rId4"/>
+          <a:blip r:embed="rId3"/>
           <a:stretch>
             <a:fillRect/>
           </a:stretch>
@@ -22487,6 +22846,30 @@
           <p:nvPr/>
         </p:nvPicPr>
         <p:blipFill>
+          <a:blip r:embed="rId4"/>
+          <a:stretch>
+            <a:fillRect/>
+          </a:stretch>
+        </p:blipFill>
+        <p:spPr>
+          <a:xfrm>
+            <a:off x="2489835" y="3978910"/>
+            <a:ext cx="3733800" cy="552450"/>
+          </a:xfrm>
+          <a:prstGeom prst="rect">
+            <a:avLst/>
+          </a:prstGeom>
+        </p:spPr>
+      </p:pic>
+      <p:pic>
+        <p:nvPicPr>
+          <p:cNvPr id="2" name="Picture 1"/>
+          <p:cNvPicPr>
+            <a:picLocks noChangeAspect="1"/>
+          </p:cNvPicPr>
+          <p:nvPr/>
+        </p:nvPicPr>
+        <p:blipFill>
           <a:blip r:embed="rId5"/>
           <a:stretch>
             <a:fillRect/>
@@ -22494,8 +22877,8 @@
         </p:blipFill>
         <p:spPr>
           <a:xfrm>
-            <a:off x="2489835" y="3978910"/>
-            <a:ext cx="3733800" cy="552450"/>
+            <a:off x="2508885" y="5461635"/>
+            <a:ext cx="3962400" cy="742950"/>
           </a:xfrm>
           <a:prstGeom prst="rect">
             <a:avLst/>
@@ -22507,13 +22890,13 @@
   <p:clrMapOvr>
     <a:masterClrMapping/>
   </p:clrMapOvr>
-  <p:transition xmlns:p14="http://schemas.microsoft.com/office/powerpoint/2010/main">
+  <p:transition>
     <p:randomBar dir="vert"/>
   </p:transition>
   <p:timing>
     <p:tnLst>
       <p:par>
-        <p:cTn xmlns:p14="http://schemas.microsoft.com/office/powerpoint/2010/main" id="1" dur="indefinite" restart="never" nodeType="tmRoot">
+        <p:cTn id="1" dur="indefinite" restart="never" nodeType="tmRoot">
           <p:childTnLst>
             <p:seq concurrent="1" nextAc="seek">
               <p:cTn id="2" dur="indefinite" nodeType="mainSeq">
@@ -22723,6 +23106,59 @@
                       </p:childTnLst>
                     </p:cTn>
                   </p:par>
+                  <p:par>
+                    <p:cTn id="20" fill="hold">
+                      <p:stCondLst>
+                        <p:cond delay="indefinite"/>
+                      </p:stCondLst>
+                      <p:childTnLst>
+                        <p:par>
+                          <p:cTn id="21" fill="hold">
+                            <p:stCondLst>
+                              <p:cond delay="0"/>
+                            </p:stCondLst>
+                            <p:childTnLst>
+                              <p:par>
+                                <p:cTn id="22" presetID="5" presetClass="entr" presetSubtype="10" fill="hold" nodeType="clickEffect">
+                                  <p:stCondLst>
+                                    <p:cond delay="0"/>
+                                  </p:stCondLst>
+                                  <p:childTnLst>
+                                    <p:set>
+                                      <p:cBhvr>
+                                        <p:cTn id="23" dur="1" fill="hold">
+                                          <p:stCondLst>
+                                            <p:cond delay="0"/>
+                                          </p:stCondLst>
+                                        </p:cTn>
+                                        <p:tgtEl>
+                                          <p:spTgt spid="2"/>
+                                        </p:tgtEl>
+                                        <p:attrNameLst>
+                                          <p:attrName>style.visibility</p:attrName>
+                                        </p:attrNameLst>
+                                      </p:cBhvr>
+                                      <p:to>
+                                        <p:strVal val="visible"/>
+                                      </p:to>
+                                    </p:set>
+                                    <p:animEffect transition="in" filter="checkerboard(across)">
+                                      <p:cBhvr>
+                                        <p:cTn id="24" dur="500"/>
+                                        <p:tgtEl>
+                                          <p:spTgt spid="2"/>
+                                        </p:tgtEl>
+                                      </p:cBhvr>
+                                    </p:animEffect>
+                                  </p:childTnLst>
+                                </p:cTn>
+                              </p:par>
+                            </p:childTnLst>
+                          </p:cTn>
+                        </p:par>
+                      </p:childTnLst>
+                    </p:cTn>
+                  </p:par>
                 </p:childTnLst>
               </p:cTn>
               <p:prevCondLst>
@@ -22774,7 +23210,7 @@
           <p:nvPr/>
         </p:nvPicPr>
         <p:blipFill>
-          <a:blip r:embed="rId2" cstate="print">
+          <a:blip r:embed="rId1" cstate="print">
             <a:extLst>
               <a:ext uri="{28A0092B-C50C-407E-A947-70E740481C1C}">
                 <a14:useLocalDpi xmlns:a14="http://schemas.microsoft.com/office/drawing/2010/main" val="0"/>
@@ -24266,6 +24702,13 @@
               </a:rPr>
               <a:t>val array = arrayOf(1, 2, 3, 4, 5, 6)</a:t>
             </a:r>
+            <a:endParaRPr lang="en-US" altLang="zh-CN" sz="1600" b="1" dirty="0">
+              <a:solidFill>
+                <a:srgbClr val="FF0000"/>
+              </a:solidFill>
+              <a:cs typeface="+mn-ea"/>
+              <a:sym typeface="+mn-lt"/>
+            </a:endParaRPr>
           </a:p>
         </p:txBody>
       </p:sp>
@@ -24341,6 +24784,14 @@
               </a:rPr>
               <a:t>array.forEach { item -&gt; println(item * 4) }</a:t>
             </a:r>
+            <a:endParaRPr lang="en-US" altLang="zh-CN" b="1" dirty="0">
+              <a:solidFill>
+                <a:srgbClr val="FF0000"/>
+              </a:solidFill>
+              <a:latin typeface="Times New Roman" panose="02020603050405020304" charset="0"/>
+              <a:cs typeface="Times New Roman" panose="02020603050405020304" charset="0"/>
+              <a:sym typeface="+mn-lt"/>
+            </a:endParaRPr>
           </a:p>
         </p:txBody>
       </p:sp>
@@ -24377,6 +24828,13 @@
               </a:rPr>
               <a:t>Longhand</a:t>
             </a:r>
+            <a:endParaRPr lang="en-US" dirty="0">
+              <a:solidFill>
+                <a:srgbClr val="19122F"/>
+              </a:solidFill>
+              <a:cs typeface="+mn-ea"/>
+              <a:sym typeface="+mn-lt"/>
+            </a:endParaRPr>
           </a:p>
         </p:txBody>
       </p:sp>
@@ -24452,6 +24910,14 @@
               </a:rPr>
               <a:t>array.forEach { println(it * 4) }</a:t>
             </a:r>
+            <a:endParaRPr lang="en-US" b="1" dirty="0">
+              <a:solidFill>
+                <a:srgbClr val="FF0000"/>
+              </a:solidFill>
+              <a:latin typeface="Times New Roman" panose="02020603050405020304" charset="0"/>
+              <a:cs typeface="Times New Roman" panose="02020603050405020304" charset="0"/>
+              <a:sym typeface="+mn-lt"/>
+            </a:endParaRPr>
           </a:p>
         </p:txBody>
       </p:sp>
@@ -24488,6 +24954,13 @@
               </a:rPr>
               <a:t>Shorthand</a:t>
             </a:r>
+            <a:endParaRPr lang="en-US" dirty="0">
+              <a:solidFill>
+                <a:srgbClr val="19122F"/>
+              </a:solidFill>
+              <a:cs typeface="+mn-ea"/>
+              <a:sym typeface="+mn-lt"/>
+            </a:endParaRPr>
           </a:p>
         </p:txBody>
       </p:sp>
@@ -24577,6 +25050,19 @@
               </a:rPr>
               <a:t>”</a:t>
             </a:r>
+            <a:endParaRPr kumimoji="0" lang="en-US" sz="2400" b="0" i="0" u="none" strike="noStrike" kern="1200" cap="none" spc="0" normalizeH="0" baseline="0" noProof="0" dirty="0">
+              <a:ln>
+                <a:noFill/>
+              </a:ln>
+              <a:solidFill>
+                <a:schemeClr val="bg1"/>
+              </a:solidFill>
+              <a:effectLst/>
+              <a:uLnTx/>
+              <a:uFillTx/>
+              <a:cs typeface="+mn-ea"/>
+              <a:sym typeface="+mn-lt"/>
+            </a:endParaRPr>
           </a:p>
         </p:txBody>
       </p:sp>
@@ -24611,6 +25097,11 @@
               </a:rPr>
               <a:t>This value represents any lone that argument we pass to the lambda function.</a:t>
             </a:r>
+            <a:endParaRPr lang="en-US" b="1">
+              <a:solidFill>
+                <a:srgbClr val="FFFF00"/>
+              </a:solidFill>
+            </a:endParaRPr>
           </a:p>
         </p:txBody>
       </p:sp>
@@ -24619,13 +25110,13 @@
   <p:clrMapOvr>
     <a:masterClrMapping/>
   </p:clrMapOvr>
-  <p:transition xmlns:p14="http://schemas.microsoft.com/office/powerpoint/2010/main">
+  <p:transition>
     <p:newsflash/>
   </p:transition>
   <p:timing>
     <p:tnLst>
       <p:par>
-        <p:cTn xmlns:p14="http://schemas.microsoft.com/office/powerpoint/2010/main" id="1" dur="indefinite" restart="never" nodeType="tmRoot">
+        <p:cTn id="1" dur="indefinite" restart="never" nodeType="tmRoot">
           <p:childTnLst>
             <p:seq concurrent="1" nextAc="seek">
               <p:cTn id="2" dur="indefinite" nodeType="mainSeq">
@@ -25409,7 +25900,7 @@
           <p:nvPr/>
         </p:nvPicPr>
         <p:blipFill>
-          <a:blip r:embed="rId2" cstate="print">
+          <a:blip r:embed="rId1" cstate="print">
             <a:extLst>
               <a:ext uri="{28A0092B-C50C-407E-A947-70E740481C1C}">
                 <a14:useLocalDpi xmlns:a14="http://schemas.microsoft.com/office/drawing/2010/main" val="0"/>
@@ -25847,6 +26338,20 @@
               </a:rPr>
               <a:t>RETURN IN LAMBDA</a:t>
             </a:r>
+            <a:endParaRPr kumimoji="0" lang="en-US" altLang="en-US" sz="2400" b="1" i="0" u="none" strike="noStrike" kern="1200" cap="none" spc="0" normalizeH="0" noProof="0" dirty="0">
+              <a:ln>
+                <a:noFill/>
+              </a:ln>
+              <a:solidFill>
+                <a:schemeClr val="bg1"/>
+              </a:solidFill>
+              <a:effectLst/>
+              <a:uLnTx/>
+              <a:uFillTx/>
+              <a:latin typeface="Times New Roman" panose="02020603050405020304" charset="0"/>
+              <a:cs typeface="Times New Roman" panose="02020603050405020304" charset="0"/>
+              <a:sym typeface="+mn-lt"/>
+            </a:endParaRPr>
           </a:p>
         </p:txBody>
       </p:sp>
@@ -25913,6 +26418,11 @@
               </a:rPr>
               <a:t>Nothing</a:t>
             </a:r>
+            <a:endParaRPr lang="en-US" altLang="en-US" b="1">
+              <a:solidFill>
+                <a:srgbClr val="FF0000"/>
+              </a:solidFill>
+            </a:endParaRPr>
           </a:p>
         </p:txBody>
       </p:sp>
@@ -25979,6 +26489,11 @@
               </a:rPr>
               <a:t>End of testRuturnFunction()</a:t>
             </a:r>
+            <a:endParaRPr lang="en-US" altLang="en-US" b="1">
+              <a:solidFill>
+                <a:srgbClr val="00B050"/>
+              </a:solidFill>
+            </a:endParaRPr>
           </a:p>
         </p:txBody>
       </p:sp>
@@ -25991,7 +26506,7 @@
           <p:nvPr/>
         </p:nvPicPr>
         <p:blipFill>
-          <a:blip r:embed="rId3"/>
+          <a:blip r:embed="rId2"/>
           <a:stretch>
             <a:fillRect/>
           </a:stretch>
@@ -26015,7 +26530,7 @@
           <p:nvPr/>
         </p:nvPicPr>
         <p:blipFill>
-          <a:blip r:embed="rId4"/>
+          <a:blip r:embed="rId3"/>
           <a:stretch>
             <a:fillRect/>
           </a:stretch>
@@ -26035,13 +26550,13 @@
   <p:clrMapOvr>
     <a:masterClrMapping/>
   </p:clrMapOvr>
-  <p:transition xmlns:p14="http://schemas.microsoft.com/office/powerpoint/2010/main">
+  <p:transition>
     <p:pull/>
   </p:transition>
   <p:timing>
     <p:tnLst>
       <p:par>
-        <p:cTn xmlns:p14="http://schemas.microsoft.com/office/powerpoint/2010/main" id="1" dur="indefinite" restart="never" nodeType="tmRoot">
+        <p:cTn id="1" dur="indefinite" restart="never" nodeType="tmRoot">
           <p:childTnLst>
             <p:seq concurrent="1" nextAc="seek">
               <p:cTn id="2" dur="indefinite" nodeType="mainSeq">
@@ -26571,7 +27086,7 @@
           <p:nvPr/>
         </p:nvPicPr>
         <p:blipFill>
-          <a:blip r:embed="rId2" cstate="print">
+          <a:blip r:embed="rId1" cstate="print">
             <a:extLst>
               <a:ext uri="{28A0092B-C50C-407E-A947-70E740481C1C}">
                 <a14:useLocalDpi xmlns:a14="http://schemas.microsoft.com/office/drawing/2010/main" val="0"/>
@@ -27231,6 +27746,14 @@
               </a:rPr>
               <a:t>Functions</a:t>
             </a:r>
+            <a:endParaRPr lang="en-US" sz="3200" dirty="0">
+              <a:solidFill>
+                <a:schemeClr val="bg1"/>
+              </a:solidFill>
+              <a:latin typeface="Montserrat Extra Bold" panose="00000900000000000000" pitchFamily="50" charset="0"/>
+              <a:cs typeface="+mn-ea"/>
+              <a:sym typeface="+mn-lt"/>
+            </a:endParaRPr>
           </a:p>
         </p:txBody>
       </p:sp>
@@ -27242,7 +27765,7 @@
   <p:timing>
     <p:tnLst>
       <p:par>
-        <p:cTn xmlns:p14="http://schemas.microsoft.com/office/powerpoint/2010/main" id="1" dur="indefinite" restart="never" nodeType="tmRoot"/>
+        <p:cTn id="1" dur="indefinite" restart="never" nodeType="tmRoot"/>
       </p:par>
     </p:tnLst>
   </p:timing>
@@ -27275,7 +27798,7 @@
           <p:nvPr/>
         </p:nvPicPr>
         <p:blipFill>
-          <a:blip r:embed="rId2" cstate="print">
+          <a:blip r:embed="rId1" cstate="print">
             <a:extLst>
               <a:ext uri="{28A0092B-C50C-407E-A947-70E740481C1C}">
                 <a14:useLocalDpi xmlns:a14="http://schemas.microsoft.com/office/drawing/2010/main" val="0"/>
@@ -27813,6 +28336,19 @@
               </a:rPr>
               <a:t>ANONYMOUS FUNCTIONS</a:t>
             </a:r>
+            <a:endParaRPr kumimoji="0" lang="en-US" sz="2400" b="0" i="0" u="none" strike="noStrike" kern="1200" cap="none" spc="0" normalizeH="0" baseline="0" noProof="0" dirty="0">
+              <a:ln>
+                <a:noFill/>
+              </a:ln>
+              <a:solidFill>
+                <a:schemeClr val="bg1"/>
+              </a:solidFill>
+              <a:effectLst/>
+              <a:uLnTx/>
+              <a:uFillTx/>
+              <a:cs typeface="+mn-ea"/>
+              <a:sym typeface="+mn-lt"/>
+            </a:endParaRPr>
           </a:p>
         </p:txBody>
       </p:sp>
@@ -27846,6 +28382,11 @@
               </a:rPr>
               <a:t>An anonymous function looks very much like a regular function declaration, except that its name is omitted. Its body can be either an expression  or a block:</a:t>
             </a:r>
+            <a:endParaRPr lang="en-US" b="1">
+              <a:solidFill>
+                <a:srgbClr val="00B050"/>
+              </a:solidFill>
+            </a:endParaRPr>
           </a:p>
         </p:txBody>
       </p:sp>
@@ -27858,7 +28399,7 @@
           <p:nvPr/>
         </p:nvPicPr>
         <p:blipFill>
-          <a:blip r:embed="rId3"/>
+          <a:blip r:embed="rId2"/>
           <a:stretch>
             <a:fillRect/>
           </a:stretch>
@@ -27878,13 +28419,13 @@
   <p:clrMapOvr>
     <a:masterClrMapping/>
   </p:clrMapOvr>
-  <p:transition xmlns:p14="http://schemas.microsoft.com/office/powerpoint/2010/main">
+  <p:transition>
     <p:wipe/>
   </p:transition>
   <p:timing>
     <p:tnLst>
       <p:par>
-        <p:cTn xmlns:p14="http://schemas.microsoft.com/office/powerpoint/2010/main" id="1" dur="indefinite" restart="never" nodeType="tmRoot">
+        <p:cTn id="1" dur="indefinite" restart="never" nodeType="tmRoot">
           <p:childTnLst>
             <p:seq concurrent="1" nextAc="seek">
               <p:cTn id="2" dur="indefinite" nodeType="mainSeq">
@@ -28087,7 +28628,7 @@
           <p:nvPr/>
         </p:nvPicPr>
         <p:blipFill>
-          <a:blip r:embed="rId2" cstate="print">
+          <a:blip r:embed="rId1" cstate="print">
             <a:extLst>
               <a:ext uri="{28A0092B-C50C-407E-A947-70E740481C1C}">
                 <a14:useLocalDpi xmlns:a14="http://schemas.microsoft.com/office/drawing/2010/main" val="0"/>
@@ -28479,7 +29020,7 @@
           <p:nvPr/>
         </p:nvPicPr>
         <p:blipFill>
-          <a:blip r:embed="rId3"/>
+          <a:blip r:embed="rId2"/>
           <a:stretch>
             <a:fillRect/>
           </a:stretch>
@@ -28524,6 +29065,11 @@
               </a:rPr>
               <a:t>Why does Kotlin have two syntaxes for lambdas / anonymous functions?</a:t>
             </a:r>
+            <a:endParaRPr lang="en-US" b="1">
+              <a:solidFill>
+                <a:srgbClr val="FF0000"/>
+              </a:solidFill>
+            </a:endParaRPr>
           </a:p>
         </p:txBody>
       </p:sp>
@@ -28536,7 +29082,7 @@
           <p:nvPr/>
         </p:nvPicPr>
         <p:blipFill>
-          <a:blip r:embed="rId4"/>
+          <a:blip r:embed="rId3"/>
           <a:stretch>
             <a:fillRect/>
           </a:stretch>
@@ -28560,7 +29106,7 @@
           <p:nvPr/>
         </p:nvPicPr>
         <p:blipFill>
-          <a:blip r:embed="rId5"/>
+          <a:blip r:embed="rId4"/>
           <a:stretch>
             <a:fillRect/>
           </a:stretch>
@@ -28584,7 +29130,7 @@
           <p:nvPr/>
         </p:nvPicPr>
         <p:blipFill>
-          <a:blip r:embed="rId6"/>
+          <a:blip r:embed="rId5"/>
           <a:stretch>
             <a:fillRect/>
           </a:stretch>
@@ -28604,13 +29150,13 @@
   <p:clrMapOvr>
     <a:masterClrMapping/>
   </p:clrMapOvr>
-  <p:transition xmlns:p14="http://schemas.microsoft.com/office/powerpoint/2010/main">
+  <p:transition>
     <p:wedge/>
   </p:transition>
   <p:timing>
     <p:tnLst>
       <p:par>
-        <p:cTn xmlns:p14="http://schemas.microsoft.com/office/powerpoint/2010/main" id="1" dur="indefinite" restart="never" nodeType="tmRoot">
+        <p:cTn id="1" dur="indefinite" restart="never" nodeType="tmRoot">
           <p:childTnLst>
             <p:seq concurrent="1" nextAc="seek">
               <p:cTn id="2" dur="indefinite" nodeType="mainSeq">
@@ -28900,7 +29446,7 @@
           <p:nvPr/>
         </p:nvPicPr>
         <p:blipFill>
-          <a:blip r:embed="rId2" cstate="print">
+          <a:blip r:embed="rId1" cstate="print">
             <a:extLst>
               <a:ext uri="{28A0092B-C50C-407E-A947-70E740481C1C}">
                 <a14:useLocalDpi xmlns:a14="http://schemas.microsoft.com/office/drawing/2010/main" val="0"/>
@@ -29292,7 +29838,7 @@
           <p:nvPr/>
         </p:nvPicPr>
         <p:blipFill>
-          <a:blip r:embed="rId3"/>
+          <a:blip r:embed="rId2"/>
           <a:stretch>
             <a:fillRect/>
           </a:stretch>
@@ -29316,7 +29862,7 @@
           <p:nvPr/>
         </p:nvPicPr>
         <p:blipFill>
-          <a:blip r:embed="rId4"/>
+          <a:blip r:embed="rId3"/>
           <a:stretch>
             <a:fillRect/>
           </a:stretch>
@@ -29340,7 +29886,7 @@
           <p:nvPr/>
         </p:nvPicPr>
         <p:blipFill>
-          <a:blip r:embed="rId5"/>
+          <a:blip r:embed="rId4"/>
           <a:stretch>
             <a:fillRect/>
           </a:stretch>
@@ -29364,7 +29910,7 @@
           <p:nvPr/>
         </p:nvPicPr>
         <p:blipFill>
-          <a:blip r:embed="rId6"/>
+          <a:blip r:embed="rId5"/>
           <a:stretch>
             <a:fillRect/>
           </a:stretch>
@@ -29387,7 +29933,7 @@
   <p:timing>
     <p:tnLst>
       <p:par>
-        <p:cTn xmlns:p14="http://schemas.microsoft.com/office/powerpoint/2010/main" id="1" dur="indefinite" restart="never" nodeType="tmRoot">
+        <p:cTn id="1" dur="indefinite" restart="never" nodeType="tmRoot">
           <p:childTnLst>
             <p:seq concurrent="1" nextAc="seek">
               <p:cTn id="2" dur="indefinite" nodeType="mainSeq">
@@ -29670,7 +30216,7 @@
           <p:nvPr/>
         </p:nvPicPr>
         <p:blipFill>
-          <a:blip r:embed="rId2" cstate="print">
+          <a:blip r:embed="rId1" cstate="print">
             <a:extLst>
               <a:ext uri="{28A0092B-C50C-407E-A947-70E740481C1C}">
                 <a14:useLocalDpi xmlns:a14="http://schemas.microsoft.com/office/drawing/2010/main" val="0"/>
@@ -30208,6 +30754,19 @@
               </a:rPr>
               <a:t>HIGHER-ODER FUNCTIONS</a:t>
             </a:r>
+            <a:endParaRPr kumimoji="0" lang="en-US" altLang="en-US" sz="2400" b="0" i="0" u="none" strike="noStrike" kern="1200" cap="none" spc="0" normalizeH="0" baseline="0" noProof="0" dirty="0">
+              <a:ln>
+                <a:noFill/>
+              </a:ln>
+              <a:solidFill>
+                <a:schemeClr val="bg1"/>
+              </a:solidFill>
+              <a:effectLst/>
+              <a:uLnTx/>
+              <a:uFillTx/>
+              <a:cs typeface="+mn-ea"/>
+              <a:sym typeface="+mn-lt"/>
+            </a:endParaRPr>
           </a:p>
         </p:txBody>
       </p:sp>
@@ -30241,34 +30800,14 @@
               </a:rPr>
               <a:t>A higher-order function is a function that takes functions as parameters, or returns a function.</a:t>
             </a:r>
+            <a:endParaRPr lang="en-US" b="1">
+              <a:solidFill>
+                <a:srgbClr val="FF0000"/>
+              </a:solidFill>
+            </a:endParaRPr>
           </a:p>
         </p:txBody>
       </p:sp>
-      <p:pic>
-        <p:nvPicPr>
-          <p:cNvPr id="3" name="Picture 2"/>
-          <p:cNvPicPr>
-            <a:picLocks noChangeAspect="1"/>
-          </p:cNvPicPr>
-          <p:nvPr/>
-        </p:nvPicPr>
-        <p:blipFill>
-          <a:blip r:embed="rId3"/>
-          <a:srcRect b="4908"/>
-          <a:stretch>
-            <a:fillRect/>
-          </a:stretch>
-        </p:blipFill>
-        <p:spPr>
-          <a:xfrm>
-            <a:off x="1873250" y="2905760"/>
-            <a:ext cx="4838700" cy="2350135"/>
-          </a:xfrm>
-          <a:prstGeom prst="rect">
-            <a:avLst/>
-          </a:prstGeom>
-        </p:spPr>
-      </p:pic>
       <p:cxnSp>
         <p:nvCxnSpPr>
           <p:cNvPr id="13" name="Straight Arrow Connector 12"/>
@@ -30334,6 +30873,11 @@
               </a:rPr>
               <a:t>Tata</a:t>
             </a:r>
+            <a:endParaRPr lang="en-US" altLang="en-US" b="1">
+              <a:solidFill>
+                <a:srgbClr val="00B050"/>
+              </a:solidFill>
+            </a:endParaRPr>
           </a:p>
           <a:p>
             <a:r>
@@ -30344,21 +30888,50 @@
               </a:rPr>
               <a:t>Say Hello Alan Đi Bộ</a:t>
             </a:r>
+            <a:endParaRPr lang="en-US" altLang="en-US" b="1">
+              <a:solidFill>
+                <a:srgbClr val="00B050"/>
+              </a:solidFill>
+            </a:endParaRPr>
           </a:p>
         </p:txBody>
       </p:sp>
+      <p:pic>
+        <p:nvPicPr>
+          <p:cNvPr id="11" name="Picture 10"/>
+          <p:cNvPicPr>
+            <a:picLocks noChangeAspect="1"/>
+          </p:cNvPicPr>
+          <p:nvPr/>
+        </p:nvPicPr>
+        <p:blipFill>
+          <a:blip r:embed="rId2"/>
+          <a:stretch>
+            <a:fillRect/>
+          </a:stretch>
+        </p:blipFill>
+        <p:spPr>
+          <a:xfrm>
+            <a:off x="2320925" y="2557145"/>
+            <a:ext cx="4391025" cy="2905125"/>
+          </a:xfrm>
+          <a:prstGeom prst="rect">
+            <a:avLst/>
+          </a:prstGeom>
+        </p:spPr>
+      </p:pic>
     </p:spTree>
   </p:cSld>
   <p:clrMapOvr>
     <a:masterClrMapping/>
   </p:clrMapOvr>
-  <p:transition xmlns:p14="http://schemas.microsoft.com/office/powerpoint/2010/main">
+  <p:transition>
     <p:dissolve/>
   </p:transition>
   <p:timing>
     <p:tnLst>
       <p:par>
-        <p:cTn xmlns:p14="http://schemas.microsoft.com/office/powerpoint/2010/main" id="1" dur="indefinite" restart="never" nodeType="tmRoot">
+        <p:cTn id="1" dur="indefinite" restart="never" nodeType="tmRoot">
           <p:childTnLst>
             <p:seq concurrent="1" nextAc="seek">
               <p:cTn id="2" dur="indefinite" nodeType="mainSeq">
@@ -30421,7 +30994,7 @@
                             </p:stCondLst>
                             <p:childTnLst>
                               <p:par>
-                                <p:cTn id="9" presetID="8" presetClass="entr" presetSubtype="16" fill="hold" nodeType="clickEffect">
+                                <p:cTn id="9" presetID="1" presetClass="entr" presetSubtype="0" fill="hold" nodeType="clickEffect">
                                   <p:stCondLst>
                                     <p:cond delay="0"/>
                                   </p:stCondLst>
@@ -30434,7 +31007,7 @@
                                           </p:stCondLst>
                                         </p:cTn>
                                         <p:tgtEl>
-                                          <p:spTgt spid="3"/>
+                                          <p:spTgt spid="11"/>
                                         </p:tgtEl>
                                         <p:attrNameLst>
                                           <p:attrName>style.visibility</p:attrName>
@@ -30444,14 +31017,6 @@
                                         <p:strVal val="visible"/>
                                       </p:to>
                                     </p:set>
-                                    <p:animEffect transition="in" filter="diamond(in)">
-                                      <p:cBhvr>
-                                        <p:cTn id="11" dur="2000"/>
-                                        <p:tgtEl>
-                                          <p:spTgt spid="3"/>
-                                        </p:tgtEl>
-                                      </p:cBhvr>
-                                    </p:animEffect>
                                   </p:childTnLst>
                                 </p:cTn>
                               </p:par>
@@ -30462,26 +31027,26 @@
                     </p:cTn>
                   </p:par>
                   <p:par>
-                    <p:cTn id="12" fill="hold">
+                    <p:cTn id="11" fill="hold">
                       <p:stCondLst>
                         <p:cond delay="indefinite"/>
                       </p:stCondLst>
                       <p:childTnLst>
                         <p:par>
-                          <p:cTn id="13" fill="hold">
+                          <p:cTn id="12" fill="hold">
                             <p:stCondLst>
                               <p:cond delay="0"/>
                             </p:stCondLst>
                             <p:childTnLst>
                               <p:par>
-                                <p:cTn id="14" presetID="2" presetClass="entr" presetSubtype="8" fill="hold" nodeType="clickEffect">
+                                <p:cTn id="13" presetID="2" presetClass="entr" presetSubtype="8" fill="hold" nodeType="clickEffect">
                                   <p:stCondLst>
                                     <p:cond delay="0"/>
                                   </p:stCondLst>
                                   <p:childTnLst>
                                     <p:set>
                                       <p:cBhvr>
-                                        <p:cTn id="15" dur="1" fill="hold">
+                                        <p:cTn id="14" dur="1" fill="hold">
                                           <p:stCondLst>
                                             <p:cond delay="0"/>
                                           </p:stCondLst>
@@ -30499,7 +31064,7 @@
                                     </p:set>
                                     <p:anim calcmode="lin" valueType="num">
                                       <p:cBhvr additive="base">
-                                        <p:cTn id="16" dur="500" fill="hold"/>
+                                        <p:cTn id="15" dur="500" fill="hold"/>
                                         <p:tgtEl>
                                           <p:spTgt spid="13"/>
                                         </p:tgtEl>
@@ -30522,7 +31087,7 @@
                                     </p:anim>
                                     <p:anim calcmode="lin" valueType="num">
                                       <p:cBhvr additive="base">
-                                        <p:cTn id="17" dur="500" fill="hold"/>
+                                        <p:cTn id="16" dur="500" fill="hold"/>
                                         <p:tgtEl>
                                           <p:spTgt spid="13"/>
                                         </p:tgtEl>
@@ -30553,26 +31118,26 @@
                     </p:cTn>
                   </p:par>
                   <p:par>
-                    <p:cTn id="18" fill="hold">
+                    <p:cTn id="17" fill="hold">
                       <p:stCondLst>
                         <p:cond delay="indefinite"/>
                       </p:stCondLst>
                       <p:childTnLst>
                         <p:par>
-                          <p:cTn id="19" fill="hold">
+                          <p:cTn id="18" fill="hold">
                             <p:stCondLst>
                               <p:cond delay="0"/>
                             </p:stCondLst>
                             <p:childTnLst>
                               <p:par>
-                                <p:cTn id="20" presetID="19" presetClass="entr" presetSubtype="10" fill="hold" grpId="0" nodeType="clickEffect">
+                                <p:cTn id="19" presetID="19" presetClass="entr" presetSubtype="10" fill="hold" grpId="0" nodeType="clickEffect">
                                   <p:stCondLst>
                                     <p:cond delay="0"/>
                                   </p:stCondLst>
                                   <p:childTnLst>
                                     <p:set>
                                       <p:cBhvr>
-                                        <p:cTn id="21" dur="1000" fill="hold">
+                                        <p:cTn id="20" dur="1000" fill="hold">
                                           <p:stCondLst>
                                             <p:cond delay="0"/>
                                           </p:stCondLst>
@@ -30590,7 +31155,7 @@
                                     </p:set>
                                     <p:anim calcmode="lin" valueType="num">
                                       <p:cBhvr>
-                                        <p:cTn id="22" dur="1000" fill="hold"/>
+                                        <p:cTn id="21" dur="1000" fill="hold"/>
                                         <p:tgtEl>
                                           <p:spTgt spid="14"/>
                                         </p:tgtEl>
@@ -30613,7 +31178,7 @@
                                     </p:anim>
                                     <p:anim calcmode="lin" valueType="num">
                                       <p:cBhvr>
-                                        <p:cTn id="23" dur="1000" fill="hold"/>
+                                        <p:cTn id="22" dur="1000" fill="hold"/>
                                         <p:tgtEl>
                                           <p:spTgt spid="14"/>
                                         </p:tgtEl>
@@ -30698,7 +31263,7 @@
           <p:nvPr/>
         </p:nvPicPr>
         <p:blipFill>
-          <a:blip r:embed="rId2" cstate="print">
+          <a:blip r:embed="rId1" cstate="print">
             <a:extLst>
               <a:ext uri="{28A0092B-C50C-407E-A947-70E740481C1C}">
                 <a14:useLocalDpi xmlns:a14="http://schemas.microsoft.com/office/drawing/2010/main" val="0"/>
@@ -31144,7 +31709,7 @@
           <p:nvPr/>
         </p:nvPicPr>
         <p:blipFill>
-          <a:blip r:embed="rId3"/>
+          <a:blip r:embed="rId2"/>
           <a:stretch>
             <a:fillRect/>
           </a:stretch>
@@ -31168,7 +31733,7 @@
           <p:nvPr/>
         </p:nvPicPr>
         <p:blipFill>
-          <a:blip r:embed="rId4"/>
+          <a:blip r:embed="rId3"/>
           <a:srcRect t="-1075" r="3728" b="1075"/>
           <a:stretch>
             <a:fillRect/>
@@ -31247,6 +31812,11 @@
               </a:rPr>
               <a:t>Sum of 10 and 10 is 20</a:t>
             </a:r>
+            <a:endParaRPr lang="en-US" sz="2000" b="1">
+              <a:solidFill>
+                <a:srgbClr val="FF0000"/>
+              </a:solidFill>
+            </a:endParaRPr>
           </a:p>
         </p:txBody>
       </p:sp>
@@ -31255,13 +31825,13 @@
   <p:clrMapOvr>
     <a:masterClrMapping/>
   </p:clrMapOvr>
-  <p:transition xmlns:p14="http://schemas.microsoft.com/office/powerpoint/2010/main">
+  <p:transition>
     <p:split orient="vert" dir="in"/>
   </p:transition>
   <p:timing>
     <p:tnLst>
       <p:par>
-        <p:cTn xmlns:p14="http://schemas.microsoft.com/office/powerpoint/2010/main" id="1" dur="indefinite" restart="never" nodeType="tmRoot">
+        <p:cTn id="1" dur="indefinite" restart="never" nodeType="tmRoot">
           <p:childTnLst>
             <p:seq concurrent="1" nextAc="seek">
               <p:cTn id="2" dur="indefinite" nodeType="mainSeq">
@@ -31684,7 +32254,7 @@
           <p:nvPr/>
         </p:nvPicPr>
         <p:blipFill>
-          <a:blip r:embed="rId2" cstate="print">
+          <a:blip r:embed="rId1" cstate="print">
             <a:extLst>
               <a:ext uri="{28A0092B-C50C-407E-A947-70E740481C1C}">
                 <a14:useLocalDpi xmlns:a14="http://schemas.microsoft.com/office/drawing/2010/main" val="0"/>
@@ -32561,6 +33131,13 @@
               </a:rPr>
               <a:t>Kotlin automatically assigns the type for the lambda function parameters to match the function declaration</a:t>
             </a:r>
+            <a:endParaRPr lang="en-US" altLang="zh-CN" sz="1400" b="1" dirty="0">
+              <a:solidFill>
+                <a:schemeClr val="bg1"/>
+              </a:solidFill>
+              <a:cs typeface="+mn-ea"/>
+              <a:sym typeface="+mn-lt"/>
+            </a:endParaRPr>
           </a:p>
         </p:txBody>
       </p:sp>
@@ -32650,6 +33227,19 @@
               </a:rPr>
               <a:t>ION </a:t>
             </a:r>
+            <a:endParaRPr kumimoji="0" lang="en-US" altLang="zh-CN" sz="2400" b="0" i="0" u="none" strike="noStrike" kern="1200" cap="none" spc="0" normalizeH="0" baseline="0" noProof="0" dirty="0">
+              <a:ln>
+                <a:noFill/>
+              </a:ln>
+              <a:solidFill>
+                <a:schemeClr val="bg1"/>
+              </a:solidFill>
+              <a:effectLst/>
+              <a:uLnTx/>
+              <a:uFillTx/>
+              <a:cs typeface="+mn-ea"/>
+              <a:sym typeface="+mn-lt"/>
+            </a:endParaRPr>
           </a:p>
         </p:txBody>
       </p:sp>
@@ -32662,7 +33252,7 @@
           <p:nvPr/>
         </p:nvPicPr>
         <p:blipFill>
-          <a:blip r:embed="rId3"/>
+          <a:blip r:embed="rId2"/>
           <a:stretch>
             <a:fillRect/>
           </a:stretch>
@@ -32686,7 +33276,7 @@
           <p:nvPr/>
         </p:nvPicPr>
         <p:blipFill>
-          <a:blip r:embed="rId4"/>
+          <a:blip r:embed="rId3"/>
           <a:stretch>
             <a:fillRect/>
           </a:stretch>
@@ -32710,7 +33300,7 @@
           <p:nvPr/>
         </p:nvPicPr>
         <p:blipFill>
-          <a:blip r:embed="rId5"/>
+          <a:blip r:embed="rId4"/>
           <a:stretch>
             <a:fillRect/>
           </a:stretch>
@@ -32730,13 +33320,13 @@
   <p:clrMapOvr>
     <a:masterClrMapping/>
   </p:clrMapOvr>
-  <p:transition xmlns:p14="http://schemas.microsoft.com/office/powerpoint/2010/main">
+  <p:transition>
     <p:blinds/>
   </p:transition>
   <p:timing>
     <p:tnLst>
       <p:par>
-        <p:cTn xmlns:p14="http://schemas.microsoft.com/office/powerpoint/2010/main" id="1" dur="indefinite" restart="never" nodeType="tmRoot">
+        <p:cTn id="1" dur="indefinite" restart="never" nodeType="tmRoot">
           <p:childTnLst>
             <p:seq concurrent="1" nextAc="seek">
               <p:cTn id="2" dur="indefinite" nodeType="mainSeq">
@@ -33255,7 +33845,7 @@
           <p:nvPr/>
         </p:nvPicPr>
         <p:blipFill>
-          <a:blip r:embed="rId2" cstate="print">
+          <a:blip r:embed="rId1" cstate="print">
             <a:extLst>
               <a:ext uri="{28A0092B-C50C-407E-A947-70E740481C1C}">
                 <a14:useLocalDpi xmlns:a14="http://schemas.microsoft.com/office/drawing/2010/main" val="0"/>
@@ -33676,14 +34266,6 @@
           </a:bodyPr>
           <a:lstStyle/>
           <a:p>
-            <a:r>
-              <a:rPr lang="en-US" b="1">
-                <a:solidFill>
-                  <a:schemeClr val="bg1"/>
-                </a:solidFill>
-              </a:rPr>
-              <a:t/>
-            </a:r>
             <a:br>
               <a:rPr lang="en-US" b="1">
                 <a:solidFill>
@@ -33723,6 +34305,11 @@
               </a:rPr>
               <a:t>keyword</a:t>
             </a:r>
+            <a:endParaRPr lang="en-US" b="1">
+              <a:solidFill>
+                <a:schemeClr val="bg1"/>
+              </a:solidFill>
+            </a:endParaRPr>
           </a:p>
           <a:p>
             <a:r>
@@ -33757,6 +34344,11 @@
               </a:rPr>
               <a:t>want</a:t>
             </a:r>
+            <a:endParaRPr lang="en-US" b="1">
+              <a:solidFill>
+                <a:schemeClr val="bg1"/>
+              </a:solidFill>
+            </a:endParaRPr>
           </a:p>
           <a:p>
             <a:r>
@@ -33775,6 +34367,11 @@
               </a:rPr>
               <a:t>et the final value as the return value of the function</a:t>
             </a:r>
+            <a:endParaRPr lang="en-US" b="1">
+              <a:solidFill>
+                <a:schemeClr val="bg1"/>
+              </a:solidFill>
+            </a:endParaRPr>
           </a:p>
         </p:txBody>
       </p:sp>
@@ -33787,7 +34384,7 @@
           <p:nvPr/>
         </p:nvPicPr>
         <p:blipFill>
-          <a:blip r:embed="rId3"/>
+          <a:blip r:embed="rId2"/>
           <a:stretch>
             <a:fillRect/>
           </a:stretch>
@@ -33871,6 +34468,11 @@
               </a:rPr>
               <a:t>Sum of 10 and 10 is 100</a:t>
             </a:r>
+            <a:endParaRPr lang="en-US" b="1">
+              <a:solidFill>
+                <a:srgbClr val="00B050"/>
+              </a:solidFill>
+            </a:endParaRPr>
           </a:p>
         </p:txBody>
       </p:sp>
@@ -33879,13 +34481,13 @@
   <p:clrMapOvr>
     <a:masterClrMapping/>
   </p:clrMapOvr>
-  <p:transition xmlns:p14="http://schemas.microsoft.com/office/powerpoint/2010/main">
+  <p:transition>
     <p:comb/>
   </p:transition>
   <p:timing>
     <p:tnLst>
       <p:par>
-        <p:cTn xmlns:p14="http://schemas.microsoft.com/office/powerpoint/2010/main" id="1" dur="indefinite" restart="never" nodeType="tmRoot">
+        <p:cTn id="1" dur="indefinite" restart="never" nodeType="tmRoot">
           <p:childTnLst>
             <p:seq concurrent="1" nextAc="seek">
               <p:cTn id="2" dur="indefinite" nodeType="mainSeq">
@@ -34264,7 +34866,7 @@
           <p:nvPr/>
         </p:nvPicPr>
         <p:blipFill>
-          <a:blip r:embed="rId2" cstate="print">
+          <a:blip r:embed="rId1" cstate="print">
             <a:extLst>
               <a:ext uri="{28A0092B-C50C-407E-A947-70E740481C1C}">
                 <a14:useLocalDpi xmlns:a14="http://schemas.microsoft.com/office/drawing/2010/main" val="0"/>
@@ -34701,6 +35303,11 @@
               </a:rPr>
               <a:t>()</a:t>
             </a:r>
+            <a:endParaRPr lang="en-US" b="1">
+              <a:solidFill>
+                <a:srgbClr val="FF0000"/>
+              </a:solidFill>
+            </a:endParaRPr>
           </a:p>
         </p:txBody>
       </p:sp>
@@ -34713,7 +35320,7 @@
           <p:nvPr/>
         </p:nvPicPr>
         <p:blipFill>
-          <a:blip r:embed="rId3"/>
+          <a:blip r:embed="rId2"/>
           <a:stretch>
             <a:fillRect/>
           </a:stretch>
@@ -34733,13 +35340,13 @@
   <p:clrMapOvr>
     <a:masterClrMapping/>
   </p:clrMapOvr>
-  <p:transition xmlns:p14="http://schemas.microsoft.com/office/powerpoint/2010/main">
+  <p:transition>
     <p:checker/>
   </p:transition>
   <p:timing>
     <p:tnLst>
       <p:par>
-        <p:cTn xmlns:p14="http://schemas.microsoft.com/office/powerpoint/2010/main" id="1" dur="indefinite" restart="never" nodeType="tmRoot">
+        <p:cTn id="1" dur="indefinite" restart="never" nodeType="tmRoot">
           <p:childTnLst>
             <p:seq concurrent="1" nextAc="seek">
               <p:cTn id="2" dur="indefinite" nodeType="mainSeq">
@@ -34904,7 +35511,1035 @@
           <p:nvPr/>
         </p:nvPicPr>
         <p:blipFill>
-          <a:blip r:embed="rId2" cstate="print">
+          <a:blip r:embed="rId1" cstate="print">
+            <a:extLst>
+              <a:ext uri="{28A0092B-C50C-407E-A947-70E740481C1C}">
+                <a14:useLocalDpi xmlns:a14="http://schemas.microsoft.com/office/drawing/2010/main" val="0"/>
+              </a:ext>
+            </a:extLst>
+          </a:blip>
+          <a:stretch>
+            <a:fillRect/>
+          </a:stretch>
+        </p:blipFill>
+        <p:spPr>
+          <a:xfrm>
+            <a:off x="635" y="0"/>
+            <a:ext cx="12192000" cy="6858000"/>
+          </a:xfrm>
+          <a:prstGeom prst="rect">
+            <a:avLst/>
+          </a:prstGeom>
+        </p:spPr>
+      </p:pic>
+      <p:sp>
+        <p:nvSpPr>
+          <p:cNvPr id="5" name="椭圆 4"/>
+          <p:cNvSpPr/>
+          <p:nvPr/>
+        </p:nvSpPr>
+        <p:spPr>
+          <a:xfrm>
+            <a:off x="-2217055" y="280405"/>
+            <a:ext cx="3774870" cy="3774870"/>
+          </a:xfrm>
+          <a:prstGeom prst="ellipse">
+            <a:avLst/>
+          </a:prstGeom>
+          <a:gradFill flip="none" rotWithShape="1">
+            <a:gsLst>
+              <a:gs pos="0">
+                <a:srgbClr val="31F0FA"/>
+              </a:gs>
+              <a:gs pos="46000">
+                <a:srgbClr val="5753C9"/>
+              </a:gs>
+              <a:gs pos="100000">
+                <a:srgbClr val="D41F86"/>
+              </a:gs>
+            </a:gsLst>
+            <a:path path="circle">
+              <a:fillToRect r="100000" b="100000"/>
+            </a:path>
+            <a:tileRect l="-100000" t="-100000"/>
+          </a:gradFill>
+          <a:ln>
+            <a:noFill/>
+          </a:ln>
+        </p:spPr>
+        <p:style>
+          <a:lnRef idx="2">
+            <a:schemeClr val="accent1">
+              <a:shade val="50000"/>
+            </a:schemeClr>
+          </a:lnRef>
+          <a:fillRef idx="1">
+            <a:schemeClr val="accent1"/>
+          </a:fillRef>
+          <a:effectRef idx="0">
+            <a:schemeClr val="accent1"/>
+          </a:effectRef>
+          <a:fontRef idx="minor">
+            <a:schemeClr val="lt1"/>
+          </a:fontRef>
+        </p:style>
+        <p:txBody>
+          <a:bodyPr rtlCol="0" anchor="ctr"/>
+          <a:lstStyle/>
+          <a:p>
+            <a:pPr algn="ctr"/>
+            <a:endParaRPr lang="zh-CN" altLang="en-US">
+              <a:cs typeface="+mn-ea"/>
+              <a:sym typeface="+mn-lt"/>
+            </a:endParaRPr>
+          </a:p>
+        </p:txBody>
+      </p:sp>
+      <p:sp>
+        <p:nvSpPr>
+          <p:cNvPr id="6" name="椭圆 5"/>
+          <p:cNvSpPr/>
+          <p:nvPr/>
+        </p:nvSpPr>
+        <p:spPr>
+          <a:xfrm>
+            <a:off x="9875345" y="4599162"/>
+            <a:ext cx="3138689" cy="3138689"/>
+          </a:xfrm>
+          <a:prstGeom prst="ellipse">
+            <a:avLst/>
+          </a:prstGeom>
+          <a:gradFill flip="none" rotWithShape="1">
+            <a:gsLst>
+              <a:gs pos="0">
+                <a:srgbClr val="31F0FA"/>
+              </a:gs>
+              <a:gs pos="46000">
+                <a:srgbClr val="5753C9"/>
+              </a:gs>
+              <a:gs pos="100000">
+                <a:srgbClr val="D41F86"/>
+              </a:gs>
+            </a:gsLst>
+            <a:path path="circle">
+              <a:fillToRect r="100000" b="100000"/>
+            </a:path>
+            <a:tileRect l="-100000" t="-100000"/>
+          </a:gradFill>
+          <a:ln>
+            <a:noFill/>
+          </a:ln>
+        </p:spPr>
+        <p:style>
+          <a:lnRef idx="2">
+            <a:schemeClr val="accent1">
+              <a:shade val="50000"/>
+            </a:schemeClr>
+          </a:lnRef>
+          <a:fillRef idx="1">
+            <a:schemeClr val="accent1"/>
+          </a:fillRef>
+          <a:effectRef idx="0">
+            <a:schemeClr val="accent1"/>
+          </a:effectRef>
+          <a:fontRef idx="minor">
+            <a:schemeClr val="lt1"/>
+          </a:fontRef>
+        </p:style>
+        <p:txBody>
+          <a:bodyPr rtlCol="0" anchor="ctr"/>
+          <a:lstStyle/>
+          <a:p>
+            <a:pPr algn="ctr"/>
+            <a:endParaRPr lang="zh-CN" altLang="en-US">
+              <a:cs typeface="+mn-ea"/>
+              <a:sym typeface="+mn-lt"/>
+            </a:endParaRPr>
+          </a:p>
+        </p:txBody>
+      </p:sp>
+      <p:sp>
+        <p:nvSpPr>
+          <p:cNvPr id="7" name="椭圆 6"/>
+          <p:cNvSpPr/>
+          <p:nvPr/>
+        </p:nvSpPr>
+        <p:spPr>
+          <a:xfrm>
+            <a:off x="9400052" y="-990277"/>
+            <a:ext cx="2008240" cy="2008240"/>
+          </a:xfrm>
+          <a:prstGeom prst="ellipse">
+            <a:avLst/>
+          </a:prstGeom>
+          <a:gradFill flip="none" rotWithShape="1">
+            <a:gsLst>
+              <a:gs pos="0">
+                <a:srgbClr val="31F0FA"/>
+              </a:gs>
+              <a:gs pos="46000">
+                <a:srgbClr val="5753C9"/>
+              </a:gs>
+              <a:gs pos="100000">
+                <a:srgbClr val="D41F86"/>
+              </a:gs>
+            </a:gsLst>
+            <a:path path="circle">
+              <a:fillToRect r="100000" b="100000"/>
+            </a:path>
+            <a:tileRect l="-100000" t="-100000"/>
+          </a:gradFill>
+          <a:ln>
+            <a:noFill/>
+          </a:ln>
+        </p:spPr>
+        <p:style>
+          <a:lnRef idx="2">
+            <a:schemeClr val="accent1">
+              <a:shade val="50000"/>
+            </a:schemeClr>
+          </a:lnRef>
+          <a:fillRef idx="1">
+            <a:schemeClr val="accent1"/>
+          </a:fillRef>
+          <a:effectRef idx="0">
+            <a:schemeClr val="accent1"/>
+          </a:effectRef>
+          <a:fontRef idx="minor">
+            <a:schemeClr val="lt1"/>
+          </a:fontRef>
+        </p:style>
+        <p:txBody>
+          <a:bodyPr rtlCol="0" anchor="ctr"/>
+          <a:lstStyle/>
+          <a:p>
+            <a:pPr algn="ctr"/>
+            <a:endParaRPr lang="zh-CN" altLang="en-US">
+              <a:cs typeface="+mn-ea"/>
+              <a:sym typeface="+mn-lt"/>
+            </a:endParaRPr>
+          </a:p>
+        </p:txBody>
+      </p:sp>
+      <p:sp>
+        <p:nvSpPr>
+          <p:cNvPr id="8" name="椭圆 7"/>
+          <p:cNvSpPr/>
+          <p:nvPr/>
+        </p:nvSpPr>
+        <p:spPr>
+          <a:xfrm>
+            <a:off x="745390" y="5877486"/>
+            <a:ext cx="667476" cy="667476"/>
+          </a:xfrm>
+          <a:prstGeom prst="ellipse">
+            <a:avLst/>
+          </a:prstGeom>
+          <a:gradFill flip="none" rotWithShape="1">
+            <a:gsLst>
+              <a:gs pos="0">
+                <a:srgbClr val="31F0FA"/>
+              </a:gs>
+              <a:gs pos="46000">
+                <a:srgbClr val="5753C9"/>
+              </a:gs>
+              <a:gs pos="100000">
+                <a:srgbClr val="D41F86"/>
+              </a:gs>
+            </a:gsLst>
+            <a:path path="circle">
+              <a:fillToRect r="100000" b="100000"/>
+            </a:path>
+            <a:tileRect l="-100000" t="-100000"/>
+          </a:gradFill>
+          <a:ln>
+            <a:noFill/>
+          </a:ln>
+        </p:spPr>
+        <p:style>
+          <a:lnRef idx="2">
+            <a:schemeClr val="accent1">
+              <a:shade val="50000"/>
+            </a:schemeClr>
+          </a:lnRef>
+          <a:fillRef idx="1">
+            <a:schemeClr val="accent1"/>
+          </a:fillRef>
+          <a:effectRef idx="0">
+            <a:schemeClr val="accent1"/>
+          </a:effectRef>
+          <a:fontRef idx="minor">
+            <a:schemeClr val="lt1"/>
+          </a:fontRef>
+        </p:style>
+        <p:txBody>
+          <a:bodyPr rtlCol="0" anchor="ctr"/>
+          <a:lstStyle/>
+          <a:p>
+            <a:pPr algn="ctr"/>
+            <a:endParaRPr lang="zh-CN" altLang="en-US">
+              <a:cs typeface="+mn-ea"/>
+              <a:sym typeface="+mn-lt"/>
+            </a:endParaRPr>
+          </a:p>
+        </p:txBody>
+      </p:sp>
+      <p:sp>
+        <p:nvSpPr>
+          <p:cNvPr id="9" name="椭圆 8"/>
+          <p:cNvSpPr/>
+          <p:nvPr/>
+        </p:nvSpPr>
+        <p:spPr>
+          <a:xfrm>
+            <a:off x="10404172" y="2035926"/>
+            <a:ext cx="263828" cy="263828"/>
+          </a:xfrm>
+          <a:prstGeom prst="ellipse">
+            <a:avLst/>
+          </a:prstGeom>
+          <a:gradFill flip="none" rotWithShape="1">
+            <a:gsLst>
+              <a:gs pos="0">
+                <a:srgbClr val="31F0FA"/>
+              </a:gs>
+              <a:gs pos="46000">
+                <a:srgbClr val="5753C9"/>
+              </a:gs>
+              <a:gs pos="100000">
+                <a:srgbClr val="D41F86"/>
+              </a:gs>
+            </a:gsLst>
+            <a:path path="circle">
+              <a:fillToRect r="100000" b="100000"/>
+            </a:path>
+            <a:tileRect l="-100000" t="-100000"/>
+          </a:gradFill>
+          <a:ln>
+            <a:noFill/>
+          </a:ln>
+        </p:spPr>
+        <p:style>
+          <a:lnRef idx="2">
+            <a:schemeClr val="accent1">
+              <a:shade val="50000"/>
+            </a:schemeClr>
+          </a:lnRef>
+          <a:fillRef idx="1">
+            <a:schemeClr val="accent1"/>
+          </a:fillRef>
+          <a:effectRef idx="0">
+            <a:schemeClr val="accent1"/>
+          </a:effectRef>
+          <a:fontRef idx="minor">
+            <a:schemeClr val="lt1"/>
+          </a:fontRef>
+        </p:style>
+        <p:txBody>
+          <a:bodyPr rtlCol="0" anchor="ctr"/>
+          <a:lstStyle/>
+          <a:p>
+            <a:pPr algn="ctr"/>
+            <a:endParaRPr lang="zh-CN" altLang="en-US">
+              <a:cs typeface="+mn-ea"/>
+              <a:sym typeface="+mn-lt"/>
+            </a:endParaRPr>
+          </a:p>
+        </p:txBody>
+      </p:sp>
+      <p:sp>
+        <p:nvSpPr>
+          <p:cNvPr id="10" name="椭圆 9"/>
+          <p:cNvSpPr/>
+          <p:nvPr/>
+        </p:nvSpPr>
+        <p:spPr>
+          <a:xfrm>
+            <a:off x="7821765" y="5610510"/>
+            <a:ext cx="263828" cy="263828"/>
+          </a:xfrm>
+          <a:prstGeom prst="ellipse">
+            <a:avLst/>
+          </a:prstGeom>
+          <a:gradFill flip="none" rotWithShape="1">
+            <a:gsLst>
+              <a:gs pos="0">
+                <a:srgbClr val="31F0FA"/>
+              </a:gs>
+              <a:gs pos="46000">
+                <a:srgbClr val="5753C9"/>
+              </a:gs>
+              <a:gs pos="100000">
+                <a:srgbClr val="D41F86"/>
+              </a:gs>
+            </a:gsLst>
+            <a:path path="circle">
+              <a:fillToRect r="100000" b="100000"/>
+            </a:path>
+            <a:tileRect l="-100000" t="-100000"/>
+          </a:gradFill>
+          <a:ln>
+            <a:noFill/>
+          </a:ln>
+        </p:spPr>
+        <p:style>
+          <a:lnRef idx="2">
+            <a:schemeClr val="accent1">
+              <a:shade val="50000"/>
+            </a:schemeClr>
+          </a:lnRef>
+          <a:fillRef idx="1">
+            <a:schemeClr val="accent1"/>
+          </a:fillRef>
+          <a:effectRef idx="0">
+            <a:schemeClr val="accent1"/>
+          </a:effectRef>
+          <a:fontRef idx="minor">
+            <a:schemeClr val="lt1"/>
+          </a:fontRef>
+        </p:style>
+        <p:txBody>
+          <a:bodyPr rtlCol="0" anchor="ctr"/>
+          <a:lstStyle/>
+          <a:p>
+            <a:pPr algn="ctr"/>
+            <a:endParaRPr lang="zh-CN" altLang="en-US">
+              <a:cs typeface="+mn-ea"/>
+              <a:sym typeface="+mn-lt"/>
+            </a:endParaRPr>
+          </a:p>
+        </p:txBody>
+      </p:sp>
+      <p:sp>
+        <p:nvSpPr>
+          <p:cNvPr id="13" name="文本框 12"/>
+          <p:cNvSpPr txBox="1"/>
+          <p:nvPr/>
+        </p:nvSpPr>
+        <p:spPr>
+          <a:xfrm>
+            <a:off x="4772888" y="1758719"/>
+            <a:ext cx="2646219" cy="1198880"/>
+          </a:xfrm>
+          <a:prstGeom prst="rect">
+            <a:avLst/>
+          </a:prstGeom>
+          <a:noFill/>
+        </p:spPr>
+        <p:txBody>
+          <a:bodyPr wrap="square" rtlCol="0">
+            <a:spAutoFit/>
+          </a:bodyPr>
+          <a:lstStyle/>
+          <a:p>
+            <a:pPr algn="ctr"/>
+            <a:r>
+              <a:rPr lang="en-US" altLang="zh-CN" sz="7200" dirty="0">
+                <a:solidFill>
+                  <a:schemeClr val="bg1"/>
+                </a:solidFill>
+                <a:cs typeface="+mn-ea"/>
+                <a:sym typeface="+mn-lt"/>
+              </a:rPr>
+              <a:t>0</a:t>
+            </a:r>
+            <a:r>
+              <a:rPr lang="" altLang="en-US" sz="7200" dirty="0">
+                <a:solidFill>
+                  <a:schemeClr val="bg1"/>
+                </a:solidFill>
+                <a:cs typeface="+mn-ea"/>
+                <a:sym typeface="+mn-lt"/>
+              </a:rPr>
+              <a:t>3</a:t>
+            </a:r>
+            <a:r>
+              <a:rPr lang="en-US" altLang="zh-CN" sz="7200" dirty="0">
+                <a:solidFill>
+                  <a:schemeClr val="bg1"/>
+                </a:solidFill>
+                <a:cs typeface="+mn-ea"/>
+                <a:sym typeface="+mn-lt"/>
+              </a:rPr>
+              <a:t> </a:t>
+            </a:r>
+            <a:endParaRPr lang="zh-CN" altLang="en-US" sz="7200" dirty="0">
+              <a:solidFill>
+                <a:schemeClr val="bg1"/>
+              </a:solidFill>
+              <a:cs typeface="+mn-ea"/>
+              <a:sym typeface="+mn-lt"/>
+            </a:endParaRPr>
+          </a:p>
+        </p:txBody>
+      </p:sp>
+      <p:sp>
+        <p:nvSpPr>
+          <p:cNvPr id="24" name="等腰三角形 23"/>
+          <p:cNvSpPr/>
+          <p:nvPr/>
+        </p:nvSpPr>
+        <p:spPr>
+          <a:xfrm flipV="1">
+            <a:off x="4670643" y="1448438"/>
+            <a:ext cx="2850714" cy="2168361"/>
+          </a:xfrm>
+          <a:prstGeom prst="triangle">
+            <a:avLst/>
+          </a:prstGeom>
+          <a:noFill/>
+          <a:ln w="38100">
+            <a:gradFill>
+              <a:gsLst>
+                <a:gs pos="0">
+                  <a:srgbClr val="31F0FA"/>
+                </a:gs>
+                <a:gs pos="62000">
+                  <a:srgbClr val="5753C9"/>
+                </a:gs>
+                <a:gs pos="100000">
+                  <a:srgbClr val="D41F86"/>
+                </a:gs>
+              </a:gsLst>
+              <a:lin ang="5400000" scaled="1"/>
+            </a:gradFill>
+          </a:ln>
+        </p:spPr>
+        <p:style>
+          <a:lnRef idx="2">
+            <a:schemeClr val="accent1">
+              <a:shade val="50000"/>
+            </a:schemeClr>
+          </a:lnRef>
+          <a:fillRef idx="1">
+            <a:schemeClr val="accent1"/>
+          </a:fillRef>
+          <a:effectRef idx="0">
+            <a:schemeClr val="accent1"/>
+          </a:effectRef>
+          <a:fontRef idx="minor">
+            <a:schemeClr val="lt1"/>
+          </a:fontRef>
+        </p:style>
+        <p:txBody>
+          <a:bodyPr rtlCol="0" anchor="ctr"/>
+          <a:lstStyle/>
+          <a:p>
+            <a:pPr algn="ctr"/>
+            <a:endParaRPr lang="zh-CN" altLang="en-US">
+              <a:cs typeface="+mn-ea"/>
+              <a:sym typeface="+mn-lt"/>
+            </a:endParaRPr>
+          </a:p>
+        </p:txBody>
+      </p:sp>
+      <p:sp>
+        <p:nvSpPr>
+          <p:cNvPr id="25" name="等腰三角形 24"/>
+          <p:cNvSpPr/>
+          <p:nvPr/>
+        </p:nvSpPr>
+        <p:spPr>
+          <a:xfrm>
+            <a:off x="4886657" y="1341935"/>
+            <a:ext cx="2418682" cy="1955989"/>
+          </a:xfrm>
+          <a:prstGeom prst="triangle">
+            <a:avLst/>
+          </a:prstGeom>
+          <a:noFill/>
+          <a:ln>
+            <a:solidFill>
+              <a:schemeClr val="bg1">
+                <a:alpha val="21000"/>
+              </a:schemeClr>
+            </a:solidFill>
+          </a:ln>
+        </p:spPr>
+        <p:style>
+          <a:lnRef idx="2">
+            <a:schemeClr val="accent1">
+              <a:shade val="50000"/>
+            </a:schemeClr>
+          </a:lnRef>
+          <a:fillRef idx="1">
+            <a:schemeClr val="accent1"/>
+          </a:fillRef>
+          <a:effectRef idx="0">
+            <a:schemeClr val="accent1"/>
+          </a:effectRef>
+          <a:fontRef idx="minor">
+            <a:schemeClr val="lt1"/>
+          </a:fontRef>
+        </p:style>
+        <p:txBody>
+          <a:bodyPr rtlCol="0" anchor="ctr"/>
+          <a:lstStyle/>
+          <a:p>
+            <a:pPr algn="ctr"/>
+            <a:endParaRPr lang="zh-CN" altLang="en-US">
+              <a:cs typeface="+mn-ea"/>
+              <a:sym typeface="+mn-lt"/>
+            </a:endParaRPr>
+          </a:p>
+        </p:txBody>
+      </p:sp>
+      <p:cxnSp>
+        <p:nvCxnSpPr>
+          <p:cNvPr id="19" name="直接连接符 18"/>
+          <p:cNvCxnSpPr/>
+          <p:nvPr/>
+        </p:nvCxnSpPr>
+        <p:spPr>
+          <a:xfrm>
+            <a:off x="5479493" y="4594790"/>
+            <a:ext cx="1117600" cy="0"/>
+          </a:xfrm>
+          <a:prstGeom prst="line">
+            <a:avLst/>
+          </a:prstGeom>
+          <a:ln>
+            <a:solidFill>
+              <a:schemeClr val="tx1">
+                <a:lumMod val="50000"/>
+                <a:lumOff val="50000"/>
+              </a:schemeClr>
+            </a:solidFill>
+          </a:ln>
+        </p:spPr>
+        <p:style>
+          <a:lnRef idx="1">
+            <a:schemeClr val="accent1"/>
+          </a:lnRef>
+          <a:fillRef idx="0">
+            <a:schemeClr val="accent1"/>
+          </a:fillRef>
+          <a:effectRef idx="0">
+            <a:schemeClr val="accent1"/>
+          </a:effectRef>
+          <a:fontRef idx="minor">
+            <a:schemeClr val="tx1"/>
+          </a:fontRef>
+        </p:style>
+      </p:cxnSp>
+      <p:sp>
+        <p:nvSpPr>
+          <p:cNvPr id="20" name="矩形 19"/>
+          <p:cNvSpPr/>
+          <p:nvPr/>
+        </p:nvSpPr>
+        <p:spPr>
+          <a:xfrm>
+            <a:off x="1926092" y="4712382"/>
+            <a:ext cx="8339809" cy="460375"/>
+          </a:xfrm>
+          <a:prstGeom prst="rect">
+            <a:avLst/>
+          </a:prstGeom>
+        </p:spPr>
+        <p:txBody>
+          <a:bodyPr wrap="square">
+            <a:spAutoFit/>
+          </a:bodyPr>
+          <a:lstStyle/>
+          <a:p>
+            <a:pPr algn="ctr">
+              <a:lnSpc>
+                <a:spcPct val="150000"/>
+              </a:lnSpc>
+            </a:pPr>
+            <a:endParaRPr lang="en-US" altLang="zh-CN" sz="1600" dirty="0">
+              <a:solidFill>
+                <a:schemeClr val="bg1"/>
+              </a:solidFill>
+              <a:cs typeface="+mn-ea"/>
+              <a:sym typeface="+mn-lt"/>
+            </a:endParaRPr>
+          </a:p>
+        </p:txBody>
+      </p:sp>
+      <p:sp>
+        <p:nvSpPr>
+          <p:cNvPr id="15" name="矩形 14"/>
+          <p:cNvSpPr/>
+          <p:nvPr/>
+        </p:nvSpPr>
+        <p:spPr>
+          <a:xfrm>
+            <a:off x="4146095" y="3820171"/>
+            <a:ext cx="3899811" cy="583565"/>
+          </a:xfrm>
+          <a:prstGeom prst="rect">
+            <a:avLst/>
+          </a:prstGeom>
+        </p:spPr>
+        <p:txBody>
+          <a:bodyPr wrap="square">
+            <a:spAutoFit/>
+          </a:bodyPr>
+          <a:lstStyle/>
+          <a:p>
+            <a:pPr algn="ctr"/>
+            <a:r>
+              <a:rPr lang="" altLang="en-US" sz="3200" dirty="0">
+                <a:solidFill>
+                  <a:schemeClr val="bg1"/>
+                </a:solidFill>
+                <a:latin typeface="Montserrat Extra Bold" panose="00000900000000000000" pitchFamily="50" charset="0"/>
+                <a:cs typeface="+mn-ea"/>
+                <a:sym typeface="+mn-lt"/>
+              </a:rPr>
+              <a:t>Inlilne</a:t>
+            </a:r>
+            <a:endParaRPr lang="" altLang="en-US" sz="3200" dirty="0">
+              <a:solidFill>
+                <a:schemeClr val="bg1"/>
+              </a:solidFill>
+              <a:latin typeface="Montserrat Extra Bold" panose="00000900000000000000" pitchFamily="50" charset="0"/>
+              <a:cs typeface="+mn-ea"/>
+              <a:sym typeface="+mn-lt"/>
+            </a:endParaRPr>
+          </a:p>
+        </p:txBody>
+      </p:sp>
+    </p:spTree>
+  </p:cSld>
+  <p:clrMapOvr>
+    <a:masterClrMapping/>
+  </p:clrMapOvr>
+  <p:transition>
+    <p:wheel spokes="8"/>
+  </p:transition>
+  <p:timing>
+    <p:tnLst>
+      <p:par>
+        <p:cTn id="1" dur="indefinite" restart="never" nodeType="tmRoot">
+          <p:childTnLst>
+            <p:seq concurrent="1" nextAc="seek">
+              <p:cTn id="2" dur="indefinite" nodeType="mainSeq">
+                <p:childTnLst>
+                  <p:par>
+                    <p:cTn id="3" fill="hold">
+                      <p:stCondLst>
+                        <p:cond delay="indefinite"/>
+                      </p:stCondLst>
+                      <p:childTnLst>
+                        <p:par>
+                          <p:cTn id="4" fill="hold">
+                            <p:stCondLst>
+                              <p:cond delay="0"/>
+                            </p:stCondLst>
+                            <p:childTnLst>
+                              <p:par>
+                                <p:cTn id="5" presetID="5" presetClass="path" presetSubtype="0" accel="50000" decel="50000" fill="hold" grpId="0" nodeType="clickEffect">
+                                  <p:stCondLst>
+                                    <p:cond delay="0"/>
+                                  </p:stCondLst>
+                                  <p:childTnLst>
+                                    <p:animMotion origin="layout" path="M 0 0 L 0.029 0.091 L 0.125 0.091 L 0.048 0.147 L 0.077 0.238 L 0 0.182 L -0.077 0.238 L -0.048 0.147 L -0.125 0.091 L -0.029 0.091 L 0 0 Z" pathEditMode="relative" ptsTypes="">
+                                      <p:cBhvr>
+                                        <p:cTn id="6" dur="2000" fill="hold"/>
+                                        <p:tgtEl>
+                                          <p:spTgt spid="24"/>
+                                        </p:tgtEl>
+                                        <p:attrNameLst>
+                                          <p:attrName>ppt_x</p:attrName>
+                                          <p:attrName>ppt_y</p:attrName>
+                                        </p:attrNameLst>
+                                      </p:cBhvr>
+                                    </p:animMotion>
+                                  </p:childTnLst>
+                                </p:cTn>
+                              </p:par>
+                              <p:par>
+                                <p:cTn id="7" presetID="5" presetClass="path" presetSubtype="0" accel="50000" decel="50000" fill="hold" grpId="0" nodeType="withEffect">
+                                  <p:stCondLst>
+                                    <p:cond delay="0"/>
+                                  </p:stCondLst>
+                                  <p:childTnLst>
+                                    <p:animMotion origin="layout" path="M 0 0 L 0.029 0.091 L 0.125 0.091 L 0.048 0.147 L 0.077 0.238 L 0 0.182 L -0.077 0.238 L -0.048 0.147 L -0.125 0.091 L -0.029 0.091 L 0 0 Z" pathEditMode="relative" ptsTypes="">
+                                      <p:cBhvr>
+                                        <p:cTn id="8" dur="2000" fill="hold"/>
+                                        <p:tgtEl>
+                                          <p:spTgt spid="25"/>
+                                        </p:tgtEl>
+                                        <p:attrNameLst>
+                                          <p:attrName>ppt_x</p:attrName>
+                                          <p:attrName>ppt_y</p:attrName>
+                                        </p:attrNameLst>
+                                      </p:cBhvr>
+                                    </p:animMotion>
+                                  </p:childTnLst>
+                                </p:cTn>
+                              </p:par>
+                              <p:par>
+                                <p:cTn id="9" presetID="5" presetClass="path" presetSubtype="0" accel="50000" decel="50000" fill="hold" grpId="0" nodeType="withEffect">
+                                  <p:stCondLst>
+                                    <p:cond delay="0"/>
+                                  </p:stCondLst>
+                                  <p:childTnLst>
+                                    <p:animMotion origin="layout" path="M 0 0 L 0.029 0.091 L 0.125 0.091 L 0.048 0.147 L 0.077 0.238 L 0 0.182 L -0.077 0.238 L -0.048 0.147 L -0.125 0.091 L -0.029 0.091 L 0 0 Z" pathEditMode="relative" ptsTypes="">
+                                      <p:cBhvr>
+                                        <p:cTn id="10" dur="2000" fill="hold"/>
+                                        <p:tgtEl>
+                                          <p:spTgt spid="13"/>
+                                        </p:tgtEl>
+                                        <p:attrNameLst>
+                                          <p:attrName>ppt_x</p:attrName>
+                                          <p:attrName>ppt_y</p:attrName>
+                                        </p:attrNameLst>
+                                      </p:cBhvr>
+                                    </p:animMotion>
+                                  </p:childTnLst>
+                                </p:cTn>
+                              </p:par>
+                            </p:childTnLst>
+                          </p:cTn>
+                        </p:par>
+                      </p:childTnLst>
+                    </p:cTn>
+                  </p:par>
+                  <p:par>
+                    <p:cTn id="11" fill="hold">
+                      <p:stCondLst>
+                        <p:cond delay="indefinite"/>
+                      </p:stCondLst>
+                      <p:childTnLst>
+                        <p:par>
+                          <p:cTn id="12" fill="hold">
+                            <p:stCondLst>
+                              <p:cond delay="0"/>
+                            </p:stCondLst>
+                            <p:childTnLst>
+                              <p:par>
+                                <p:cTn id="13" presetID="12" presetClass="entr" presetSubtype="4" fill="hold" grpId="0" nodeType="clickEffect">
+                                  <p:stCondLst>
+                                    <p:cond delay="0"/>
+                                  </p:stCondLst>
+                                  <p:childTnLst>
+                                    <p:set>
+                                      <p:cBhvr>
+                                        <p:cTn id="14" dur="1" fill="hold">
+                                          <p:stCondLst>
+                                            <p:cond delay="0"/>
+                                          </p:stCondLst>
+                                        </p:cTn>
+                                        <p:tgtEl>
+                                          <p:spTgt spid="15"/>
+                                        </p:tgtEl>
+                                        <p:attrNameLst>
+                                          <p:attrName>style.visibility</p:attrName>
+                                        </p:attrNameLst>
+                                      </p:cBhvr>
+                                      <p:to>
+                                        <p:strVal val="visible"/>
+                                      </p:to>
+                                    </p:set>
+                                    <p:anim calcmode="lin" valueType="num">
+                                      <p:cBhvr additive="base">
+                                        <p:cTn id="15" dur="500"/>
+                                        <p:tgtEl>
+                                          <p:spTgt spid="15"/>
+                                        </p:tgtEl>
+                                        <p:attrNameLst>
+                                          <p:attrName>ppt_y</p:attrName>
+                                        </p:attrNameLst>
+                                      </p:cBhvr>
+                                      <p:tavLst>
+                                        <p:tav tm="0">
+                                          <p:val>
+                                            <p:strVal val="#ppt_y+#ppt_h*1.125000"/>
+                                          </p:val>
+                                        </p:tav>
+                                        <p:tav tm="100000">
+                                          <p:val>
+                                            <p:strVal val="#ppt_y"/>
+                                          </p:val>
+                                        </p:tav>
+                                      </p:tavLst>
+                                    </p:anim>
+                                    <p:animEffect transition="in" filter="wipe(up)">
+                                      <p:cBhvr>
+                                        <p:cTn id="16" dur="500"/>
+                                        <p:tgtEl>
+                                          <p:spTgt spid="15"/>
+                                        </p:tgtEl>
+                                      </p:cBhvr>
+                                    </p:animEffect>
+                                  </p:childTnLst>
+                                </p:cTn>
+                              </p:par>
+                              <p:par>
+                                <p:cTn id="17" presetID="12" presetClass="entr" presetSubtype="4" fill="hold" nodeType="withEffect">
+                                  <p:stCondLst>
+                                    <p:cond delay="0"/>
+                                  </p:stCondLst>
+                                  <p:childTnLst>
+                                    <p:set>
+                                      <p:cBhvr>
+                                        <p:cTn id="18" dur="1" fill="hold">
+                                          <p:stCondLst>
+                                            <p:cond delay="0"/>
+                                          </p:stCondLst>
+                                        </p:cTn>
+                                        <p:tgtEl>
+                                          <p:spTgt spid="19"/>
+                                        </p:tgtEl>
+                                        <p:attrNameLst>
+                                          <p:attrName>style.visibility</p:attrName>
+                                        </p:attrNameLst>
+                                      </p:cBhvr>
+                                      <p:to>
+                                        <p:strVal val="visible"/>
+                                      </p:to>
+                                    </p:set>
+                                    <p:anim calcmode="lin" valueType="num">
+                                      <p:cBhvr additive="base">
+                                        <p:cTn id="19" dur="500"/>
+                                        <p:tgtEl>
+                                          <p:spTgt spid="19"/>
+                                        </p:tgtEl>
+                                        <p:attrNameLst>
+                                          <p:attrName>ppt_y</p:attrName>
+                                        </p:attrNameLst>
+                                      </p:cBhvr>
+                                      <p:tavLst>
+                                        <p:tav tm="0">
+                                          <p:val>
+                                            <p:strVal val="#ppt_y+#ppt_h*1.125000"/>
+                                          </p:val>
+                                        </p:tav>
+                                        <p:tav tm="100000">
+                                          <p:val>
+                                            <p:strVal val="#ppt_y"/>
+                                          </p:val>
+                                        </p:tav>
+                                      </p:tavLst>
+                                    </p:anim>
+                                    <p:animEffect transition="in" filter="wipe(up)">
+                                      <p:cBhvr>
+                                        <p:cTn id="20" dur="500"/>
+                                        <p:tgtEl>
+                                          <p:spTgt spid="19"/>
+                                        </p:tgtEl>
+                                      </p:cBhvr>
+                                    </p:animEffect>
+                                  </p:childTnLst>
+                                </p:cTn>
+                              </p:par>
+                            </p:childTnLst>
+                          </p:cTn>
+                        </p:par>
+                      </p:childTnLst>
+                    </p:cTn>
+                  </p:par>
+                  <p:par>
+                    <p:cTn id="21" fill="hold">
+                      <p:stCondLst>
+                        <p:cond delay="indefinite"/>
+                      </p:stCondLst>
+                      <p:childTnLst>
+                        <p:par>
+                          <p:cTn id="22" fill="hold">
+                            <p:stCondLst>
+                              <p:cond delay="0"/>
+                            </p:stCondLst>
+                            <p:childTnLst>
+                              <p:par>
+                                <p:cTn id="23" presetID="1" presetClass="entr" presetSubtype="0" fill="hold" nodeType="clickEffect">
+                                  <p:stCondLst>
+                                    <p:cond delay="0"/>
+                                  </p:stCondLst>
+                                  <p:childTnLst>
+                                    <p:set>
+                                      <p:cBhvr>
+                                        <p:cTn id="24" dur="1" fill="hold">
+                                          <p:stCondLst>
+                                            <p:cond delay="0"/>
+                                          </p:stCondLst>
+                                        </p:cTn>
+                                        <p:tgtEl>
+                                          <p:spTgt spid="20">
+                                            <p:txEl>
+                                              <p:pRg st="0" end="0"/>
+                                            </p:txEl>
+                                          </p:spTgt>
+                                        </p:tgtEl>
+                                        <p:attrNameLst>
+                                          <p:attrName>style.visibility</p:attrName>
+                                        </p:attrNameLst>
+                                      </p:cBhvr>
+                                      <p:to>
+                                        <p:strVal val="visible"/>
+                                      </p:to>
+                                    </p:set>
+                                  </p:childTnLst>
+                                </p:cTn>
+                              </p:par>
+                            </p:childTnLst>
+                          </p:cTn>
+                        </p:par>
+                      </p:childTnLst>
+                    </p:cTn>
+                  </p:par>
+                </p:childTnLst>
+              </p:cTn>
+              <p:prevCondLst>
+                <p:cond evt="onPrev" delay="0">
+                  <p:tgtEl>
+                    <p:sldTgt/>
+                  </p:tgtEl>
+                </p:cond>
+              </p:prevCondLst>
+              <p:nextCondLst>
+                <p:cond evt="onNext" delay="0">
+                  <p:tgtEl>
+                    <p:sldTgt/>
+                  </p:tgtEl>
+                </p:cond>
+              </p:nextCondLst>
+            </p:seq>
+          </p:childTnLst>
+        </p:cTn>
+      </p:par>
+    </p:tnLst>
+    <p:bldLst>
+      <p:bldP spid="13" grpId="0"/>
+      <p:bldP spid="24" grpId="0" bldLvl="0" animBg="1"/>
+      <p:bldP spid="25" grpId="0" bldLvl="0" animBg="1"/>
+      <p:bldP spid="15" grpId="0"/>
+    </p:bldLst>
+  </p:timing>
+</p:sld>
+</file>
+
+<file path=ppt/slides/slide39.xml><?xml version="1.0" encoding="utf-8"?>
+<p:sld xmlns:a="http://schemas.openxmlformats.org/drawingml/2006/main" xmlns:r="http://schemas.openxmlformats.org/officeDocument/2006/relationships" xmlns:p="http://schemas.openxmlformats.org/presentationml/2006/main">
+  <p:cSld>
+    <p:spTree>
+      <p:nvGrpSpPr>
+        <p:cNvPr id="1" name=""/>
+        <p:cNvGrpSpPr/>
+        <p:nvPr/>
+      </p:nvGrpSpPr>
+      <p:grpSpPr>
+        <a:xfrm>
+          <a:off x="0" y="0"/>
+          <a:ext cx="0" cy="0"/>
+          <a:chOff x="0" y="0"/>
+          <a:chExt cx="0" cy="0"/>
+        </a:xfrm>
+      </p:grpSpPr>
+      <p:pic>
+        <p:nvPicPr>
+          <p:cNvPr id="4" name="图片 3"/>
+          <p:cNvPicPr>
+            <a:picLocks noChangeAspect="1"/>
+          </p:cNvPicPr>
+          <p:nvPr/>
+        </p:nvPicPr>
+        <p:blipFill>
+          <a:blip r:embed="rId1" cstate="print">
             <a:extLst>
               <a:ext uri="{28A0092B-C50C-407E-A947-70E740481C1C}">
                 <a14:useLocalDpi xmlns:a14="http://schemas.microsoft.com/office/drawing/2010/main" val="0"/>
@@ -35352,6 +36987,11 @@
               </a:rPr>
               <a:t>Using higher-order functions impose certain runtime penalties: each function is an object, and it captures a closure, such as those variable, another function,… </a:t>
             </a:r>
+            <a:endParaRPr lang="en-US" dirty="0" smtClean="0">
+              <a:solidFill>
+                <a:srgbClr val="D41F86"/>
+              </a:solidFill>
+            </a:endParaRPr>
           </a:p>
         </p:txBody>
       </p:sp>
@@ -35404,12 +37044,48 @@
               </a:rPr>
               <a:t> modifier affects both function itself and lambdas pass to it.</a:t>
             </a:r>
+            <a:endParaRPr lang="en-US" dirty="0" smtClean="0">
+              <a:solidFill>
+                <a:srgbClr val="D41F86"/>
+              </a:solidFill>
+              <a:effectLst/>
+            </a:endParaRPr>
           </a:p>
         </p:txBody>
       </p:sp>
       <p:pic>
         <p:nvPicPr>
           <p:cNvPr id="3" name="Picture 2" descr="Screen Shot 2019-07-17 at 18.40.58.png"/>
+          <p:cNvPicPr>
+            <a:picLocks noChangeAspect="1"/>
+          </p:cNvPicPr>
+          <p:nvPr/>
+        </p:nvPicPr>
+        <p:blipFill>
+          <a:blip r:embed="rId2">
+            <a:extLst>
+              <a:ext uri="{28A0092B-C50C-407E-A947-70E740481C1C}">
+                <a14:useLocalDpi xmlns:a14="http://schemas.microsoft.com/office/drawing/2010/main" val="0"/>
+              </a:ext>
+            </a:extLst>
+          </a:blip>
+          <a:stretch>
+            <a:fillRect/>
+          </a:stretch>
+        </p:blipFill>
+        <p:spPr>
+          <a:xfrm>
+            <a:off x="2272687" y="4384316"/>
+            <a:ext cx="5372100" cy="647700"/>
+          </a:xfrm>
+          <a:prstGeom prst="rect">
+            <a:avLst/>
+          </a:prstGeom>
+        </p:spPr>
+      </p:pic>
+      <p:pic>
+        <p:nvPicPr>
+          <p:cNvPr id="5" name="Picture 4" descr="Screen Shot 2019-07-17 at 18.43.18.png"/>
           <p:cNvPicPr>
             <a:picLocks noChangeAspect="1"/>
           </p:cNvPicPr>
@@ -35429,36 +37105,6 @@
         </p:blipFill>
         <p:spPr>
           <a:xfrm>
-            <a:off x="2272687" y="4384316"/>
-            <a:ext cx="5372100" cy="647700"/>
-          </a:xfrm>
-          <a:prstGeom prst="rect">
-            <a:avLst/>
-          </a:prstGeom>
-        </p:spPr>
-      </p:pic>
-      <p:pic>
-        <p:nvPicPr>
-          <p:cNvPr id="5" name="Picture 4" descr="Screen Shot 2019-07-17 at 18.43.18.png"/>
-          <p:cNvPicPr>
-            <a:picLocks noChangeAspect="1"/>
-          </p:cNvPicPr>
-          <p:nvPr/>
-        </p:nvPicPr>
-        <p:blipFill>
-          <a:blip r:embed="rId4">
-            <a:extLst>
-              <a:ext uri="{28A0092B-C50C-407E-A947-70E740481C1C}">
-                <a14:useLocalDpi xmlns:a14="http://schemas.microsoft.com/office/drawing/2010/main" val="0"/>
-              </a:ext>
-            </a:extLst>
-          </a:blip>
-          <a:stretch>
-            <a:fillRect/>
-          </a:stretch>
-        </p:blipFill>
-        <p:spPr>
-          <a:xfrm>
             <a:off x="2314770" y="3427788"/>
             <a:ext cx="3733800" cy="609600"/>
           </a:xfrm>
@@ -35497,6 +37143,11 @@
               </a:rPr>
               <a:t>Inline may cause the generated code to grow.</a:t>
             </a:r>
+            <a:endParaRPr lang="en-US" dirty="0" smtClean="0">
+              <a:solidFill>
+                <a:srgbClr val="00B050"/>
+              </a:solidFill>
+            </a:endParaRPr>
           </a:p>
         </p:txBody>
       </p:sp>
@@ -36347,22 +37998,17 @@
         </p:txBody>
       </p:sp>
     </p:spTree>
-    <p:extLst>
-      <p:ext uri="{BB962C8B-B14F-4D97-AF65-F5344CB8AC3E}">
-        <p14:creationId xmlns:p14="http://schemas.microsoft.com/office/powerpoint/2010/main" val="1988269414"/>
-      </p:ext>
-    </p:extLst>
   </p:cSld>
   <p:clrMapOvr>
     <a:masterClrMapping/>
   </p:clrMapOvr>
-  <p:transition xmlns:p14="http://schemas.microsoft.com/office/powerpoint/2010/main">
+  <p:transition>
     <p:fade/>
   </p:transition>
   <p:timing>
     <p:tnLst>
       <p:par>
-        <p:cTn xmlns:p14="http://schemas.microsoft.com/office/powerpoint/2010/main" id="1" dur="indefinite" restart="never" nodeType="tmRoot">
+        <p:cTn id="1" dur="indefinite" restart="never" nodeType="tmRoot">
           <p:childTnLst>
             <p:seq concurrent="1" nextAc="seek">
               <p:cTn id="2" dur="indefinite" nodeType="mainSeq">
@@ -36662,1089 +38308,6 @@
 </p:sld>
 </file>
 
-<file path=ppt/slides/slide39.xml><?xml version="1.0" encoding="utf-8"?>
-<p:sld xmlns:a="http://schemas.openxmlformats.org/drawingml/2006/main" xmlns:r="http://schemas.openxmlformats.org/officeDocument/2006/relationships" xmlns:p="http://schemas.openxmlformats.org/presentationml/2006/main">
-  <p:cSld>
-    <p:spTree>
-      <p:nvGrpSpPr>
-        <p:cNvPr id="1" name=""/>
-        <p:cNvGrpSpPr/>
-        <p:nvPr/>
-      </p:nvGrpSpPr>
-      <p:grpSpPr>
-        <a:xfrm>
-          <a:off x="0" y="0"/>
-          <a:ext cx="0" cy="0"/>
-          <a:chOff x="0" y="0"/>
-          <a:chExt cx="0" cy="0"/>
-        </a:xfrm>
-      </p:grpSpPr>
-      <p:pic>
-        <p:nvPicPr>
-          <p:cNvPr id="4" name="图片 3"/>
-          <p:cNvPicPr>
-            <a:picLocks noChangeAspect="1"/>
-          </p:cNvPicPr>
-          <p:nvPr/>
-        </p:nvPicPr>
-        <p:blipFill>
-          <a:blip r:embed="rId2" cstate="print">
-            <a:extLst>
-              <a:ext uri="{28A0092B-C50C-407E-A947-70E740481C1C}">
-                <a14:useLocalDpi xmlns:a14="http://schemas.microsoft.com/office/drawing/2010/main" val="0"/>
-              </a:ext>
-            </a:extLst>
-          </a:blip>
-          <a:stretch>
-            <a:fillRect/>
-          </a:stretch>
-        </p:blipFill>
-        <p:spPr>
-          <a:xfrm>
-            <a:off x="0" y="-152482"/>
-            <a:ext cx="12192000" cy="6858000"/>
-          </a:xfrm>
-          <a:prstGeom prst="rect">
-            <a:avLst/>
-          </a:prstGeom>
-        </p:spPr>
-      </p:pic>
-      <p:sp>
-        <p:nvSpPr>
-          <p:cNvPr id="7" name="椭圆 6"/>
-          <p:cNvSpPr/>
-          <p:nvPr/>
-        </p:nvSpPr>
-        <p:spPr>
-          <a:xfrm>
-            <a:off x="9400052" y="-990277"/>
-            <a:ext cx="2008240" cy="2008240"/>
-          </a:xfrm>
-          <a:prstGeom prst="ellipse">
-            <a:avLst/>
-          </a:prstGeom>
-          <a:gradFill flip="none" rotWithShape="1">
-            <a:gsLst>
-              <a:gs pos="0">
-                <a:srgbClr val="31F0FA"/>
-              </a:gs>
-              <a:gs pos="46000">
-                <a:srgbClr val="5753C9"/>
-              </a:gs>
-              <a:gs pos="100000">
-                <a:srgbClr val="D41F86"/>
-              </a:gs>
-            </a:gsLst>
-            <a:path path="circle">
-              <a:fillToRect r="100000" b="100000"/>
-            </a:path>
-            <a:tileRect l="-100000" t="-100000"/>
-          </a:gradFill>
-          <a:ln>
-            <a:noFill/>
-          </a:ln>
-        </p:spPr>
-        <p:style>
-          <a:lnRef idx="2">
-            <a:schemeClr val="accent1">
-              <a:shade val="50000"/>
-            </a:schemeClr>
-          </a:lnRef>
-          <a:fillRef idx="1">
-            <a:schemeClr val="accent1"/>
-          </a:fillRef>
-          <a:effectRef idx="0">
-            <a:schemeClr val="accent1"/>
-          </a:effectRef>
-          <a:fontRef idx="minor">
-            <a:schemeClr val="lt1"/>
-          </a:fontRef>
-        </p:style>
-        <p:txBody>
-          <a:bodyPr rtlCol="0" anchor="ctr"/>
-          <a:lstStyle/>
-          <a:p>
-            <a:pPr algn="ctr"/>
-            <a:endParaRPr lang="zh-CN" altLang="en-US">
-              <a:cs typeface="+mn-ea"/>
-              <a:sym typeface="+mn-lt"/>
-            </a:endParaRPr>
-          </a:p>
-        </p:txBody>
-      </p:sp>
-      <p:sp>
-        <p:nvSpPr>
-          <p:cNvPr id="9" name="椭圆 8"/>
-          <p:cNvSpPr/>
-          <p:nvPr/>
-        </p:nvSpPr>
-        <p:spPr>
-          <a:xfrm>
-            <a:off x="10404172" y="2035926"/>
-            <a:ext cx="263828" cy="263828"/>
-          </a:xfrm>
-          <a:prstGeom prst="ellipse">
-            <a:avLst/>
-          </a:prstGeom>
-          <a:gradFill flip="none" rotWithShape="1">
-            <a:gsLst>
-              <a:gs pos="0">
-                <a:srgbClr val="31F0FA"/>
-              </a:gs>
-              <a:gs pos="46000">
-                <a:srgbClr val="5753C9"/>
-              </a:gs>
-              <a:gs pos="100000">
-                <a:srgbClr val="D41F86"/>
-              </a:gs>
-            </a:gsLst>
-            <a:path path="circle">
-              <a:fillToRect r="100000" b="100000"/>
-            </a:path>
-            <a:tileRect l="-100000" t="-100000"/>
-          </a:gradFill>
-          <a:ln>
-            <a:noFill/>
-          </a:ln>
-        </p:spPr>
-        <p:style>
-          <a:lnRef idx="2">
-            <a:schemeClr val="accent1">
-              <a:shade val="50000"/>
-            </a:schemeClr>
-          </a:lnRef>
-          <a:fillRef idx="1">
-            <a:schemeClr val="accent1"/>
-          </a:fillRef>
-          <a:effectRef idx="0">
-            <a:schemeClr val="accent1"/>
-          </a:effectRef>
-          <a:fontRef idx="minor">
-            <a:schemeClr val="lt1"/>
-          </a:fontRef>
-        </p:style>
-        <p:txBody>
-          <a:bodyPr rtlCol="0" anchor="ctr"/>
-          <a:lstStyle/>
-          <a:p>
-            <a:pPr algn="ctr"/>
-            <a:endParaRPr lang="zh-CN" altLang="en-US">
-              <a:cs typeface="+mn-ea"/>
-              <a:sym typeface="+mn-lt"/>
-            </a:endParaRPr>
-          </a:p>
-        </p:txBody>
-      </p:sp>
-      <p:sp>
-        <p:nvSpPr>
-          <p:cNvPr id="10" name="椭圆 9"/>
-          <p:cNvSpPr/>
-          <p:nvPr/>
-        </p:nvSpPr>
-        <p:spPr>
-          <a:xfrm>
-            <a:off x="7821765" y="5610510"/>
-            <a:ext cx="263828" cy="263828"/>
-          </a:xfrm>
-          <a:prstGeom prst="ellipse">
-            <a:avLst/>
-          </a:prstGeom>
-          <a:gradFill flip="none" rotWithShape="1">
-            <a:gsLst>
-              <a:gs pos="0">
-                <a:srgbClr val="31F0FA"/>
-              </a:gs>
-              <a:gs pos="46000">
-                <a:srgbClr val="5753C9"/>
-              </a:gs>
-              <a:gs pos="100000">
-                <a:srgbClr val="D41F86"/>
-              </a:gs>
-            </a:gsLst>
-            <a:path path="circle">
-              <a:fillToRect r="100000" b="100000"/>
-            </a:path>
-            <a:tileRect l="-100000" t="-100000"/>
-          </a:gradFill>
-          <a:ln>
-            <a:noFill/>
-          </a:ln>
-        </p:spPr>
-        <p:style>
-          <a:lnRef idx="2">
-            <a:schemeClr val="accent1">
-              <a:shade val="50000"/>
-            </a:schemeClr>
-          </a:lnRef>
-          <a:fillRef idx="1">
-            <a:schemeClr val="accent1"/>
-          </a:fillRef>
-          <a:effectRef idx="0">
-            <a:schemeClr val="accent1"/>
-          </a:effectRef>
-          <a:fontRef idx="minor">
-            <a:schemeClr val="lt1"/>
-          </a:fontRef>
-        </p:style>
-        <p:txBody>
-          <a:bodyPr rtlCol="0" anchor="ctr"/>
-          <a:lstStyle/>
-          <a:p>
-            <a:pPr algn="ctr"/>
-            <a:endParaRPr lang="zh-CN" altLang="en-US">
-              <a:cs typeface="+mn-ea"/>
-              <a:sym typeface="+mn-lt"/>
-            </a:endParaRPr>
-          </a:p>
-        </p:txBody>
-      </p:sp>
-      <p:cxnSp>
-        <p:nvCxnSpPr>
-          <p:cNvPr id="19" name="直接连接符 18"/>
-          <p:cNvCxnSpPr/>
-          <p:nvPr/>
-        </p:nvCxnSpPr>
-        <p:spPr>
-          <a:xfrm>
-            <a:off x="5479493" y="4594790"/>
-            <a:ext cx="1117600" cy="0"/>
-          </a:xfrm>
-          <a:prstGeom prst="line">
-            <a:avLst/>
-          </a:prstGeom>
-          <a:ln>
-            <a:solidFill>
-              <a:schemeClr val="tx1">
-                <a:lumMod val="50000"/>
-                <a:lumOff val="50000"/>
-              </a:schemeClr>
-            </a:solidFill>
-          </a:ln>
-        </p:spPr>
-        <p:style>
-          <a:lnRef idx="1">
-            <a:schemeClr val="accent1"/>
-          </a:lnRef>
-          <a:fillRef idx="0">
-            <a:schemeClr val="accent1"/>
-          </a:fillRef>
-          <a:effectRef idx="0">
-            <a:schemeClr val="accent1"/>
-          </a:effectRef>
-          <a:fontRef idx="minor">
-            <a:schemeClr val="tx1"/>
-          </a:fontRef>
-        </p:style>
-      </p:cxnSp>
-      <p:cxnSp>
-        <p:nvCxnSpPr>
-          <p:cNvPr id="12" name="直接连接符 11"/>
-          <p:cNvCxnSpPr/>
-          <p:nvPr/>
-        </p:nvCxnSpPr>
-        <p:spPr>
-          <a:xfrm>
-            <a:off x="5867400" y="1008644"/>
-            <a:ext cx="457200" cy="0"/>
-          </a:xfrm>
-          <a:prstGeom prst="line">
-            <a:avLst/>
-          </a:prstGeom>
-          <a:ln w="28575">
-            <a:gradFill flip="none" rotWithShape="1">
-              <a:gsLst>
-                <a:gs pos="0">
-                  <a:srgbClr val="31F0FA"/>
-                </a:gs>
-                <a:gs pos="46000">
-                  <a:srgbClr val="5753C9"/>
-                </a:gs>
-                <a:gs pos="100000">
-                  <a:srgbClr val="D41F86"/>
-                </a:gs>
-              </a:gsLst>
-              <a:lin ang="0" scaled="1"/>
-              <a:tileRect/>
-            </a:gradFill>
-          </a:ln>
-        </p:spPr>
-        <p:style>
-          <a:lnRef idx="1">
-            <a:schemeClr val="accent1"/>
-          </a:lnRef>
-          <a:fillRef idx="0">
-            <a:schemeClr val="accent1"/>
-          </a:fillRef>
-          <a:effectRef idx="0">
-            <a:schemeClr val="accent1"/>
-          </a:effectRef>
-          <a:fontRef idx="minor">
-            <a:schemeClr val="tx1"/>
-          </a:fontRef>
-        </p:style>
-      </p:cxnSp>
-      <p:sp>
-        <p:nvSpPr>
-          <p:cNvPr id="47" name="文本框 46"/>
-          <p:cNvSpPr txBox="1"/>
-          <p:nvPr/>
-        </p:nvSpPr>
-        <p:spPr>
-          <a:xfrm>
-            <a:off x="2977444" y="294569"/>
-            <a:ext cx="5686778" cy="461665"/>
-          </a:xfrm>
-          <a:prstGeom prst="rect">
-            <a:avLst/>
-          </a:prstGeom>
-          <a:noFill/>
-        </p:spPr>
-        <p:txBody>
-          <a:bodyPr wrap="square" rtlCol="0">
-            <a:spAutoFit/>
-          </a:bodyPr>
-          <a:lstStyle/>
-          <a:p>
-            <a:pPr marL="0" marR="0" lvl="0" indent="0" algn="ctr" defTabSz="914400" rtl="0" eaLnBrk="1" fontAlgn="auto" latinLnBrk="0" hangingPunct="1">
-              <a:lnSpc>
-                <a:spcPct val="100000"/>
-              </a:lnSpc>
-              <a:spcBef>
-                <a:spcPts val="0"/>
-              </a:spcBef>
-              <a:spcAft>
-                <a:spcPts val="0"/>
-              </a:spcAft>
-              <a:buClrTx/>
-              <a:buSzTx/>
-              <a:buFontTx/>
-              <a:buNone/>
-              <a:defRPr/>
-            </a:pPr>
-            <a:r>
-              <a:rPr kumimoji="0" lang="en-US" sz="2400" b="0" i="0" u="none" strike="noStrike" kern="1200" cap="none" spc="0" normalizeH="0" baseline="0" noProof="0" dirty="0" err="1" smtClean="0">
-                <a:ln>
-                  <a:noFill/>
-                </a:ln>
-                <a:solidFill>
-                  <a:schemeClr val="bg1"/>
-                </a:solidFill>
-                <a:effectLst/>
-                <a:uLnTx/>
-                <a:uFillTx/>
-                <a:cs typeface="+mn-ea"/>
-                <a:sym typeface="+mn-lt"/>
-              </a:rPr>
-              <a:t>Noinline</a:t>
-            </a:r>
-            <a:endParaRPr kumimoji="0" lang="x-none" sz="2400" b="0" i="0" u="none" strike="noStrike" kern="1200" cap="none" spc="0" normalizeH="0" baseline="0" noProof="0" dirty="0">
-              <a:ln>
-                <a:noFill/>
-              </a:ln>
-              <a:solidFill>
-                <a:schemeClr val="bg1"/>
-              </a:solidFill>
-              <a:effectLst/>
-              <a:uLnTx/>
-              <a:uFillTx/>
-              <a:cs typeface="+mn-ea"/>
-              <a:sym typeface="+mn-lt"/>
-            </a:endParaRPr>
-          </a:p>
-        </p:txBody>
-      </p:sp>
-      <p:sp>
-        <p:nvSpPr>
-          <p:cNvPr id="2" name="Text Box 1"/>
-          <p:cNvSpPr txBox="1"/>
-          <p:nvPr/>
-        </p:nvSpPr>
-        <p:spPr>
-          <a:xfrm>
-            <a:off x="1854129" y="1413580"/>
-            <a:ext cx="6791325" cy="646331"/>
-          </a:xfrm>
-          <a:prstGeom prst="rect">
-            <a:avLst/>
-          </a:prstGeom>
-          <a:noFill/>
-        </p:spPr>
-        <p:txBody>
-          <a:bodyPr wrap="square" rtlCol="0">
-            <a:spAutoFit/>
-          </a:bodyPr>
-          <a:lstStyle/>
-          <a:p>
-            <a:pPr marL="342900" indent="-342900">
-              <a:buAutoNum type="arabicPeriod"/>
-            </a:pPr>
-            <a:endParaRPr lang="en-US" dirty="0">
-              <a:solidFill>
-                <a:schemeClr val="bg1"/>
-              </a:solidFill>
-            </a:endParaRPr>
-          </a:p>
-          <a:p>
-            <a:pPr marL="342900" indent="-342900">
-              <a:buAutoNum type="arabicPeriod"/>
-            </a:pPr>
-            <a:endParaRPr lang="en-US" dirty="0" smtClean="0">
-              <a:solidFill>
-                <a:schemeClr val="bg1"/>
-              </a:solidFill>
-            </a:endParaRPr>
-          </a:p>
-        </p:txBody>
-      </p:sp>
-      <p:sp>
-        <p:nvSpPr>
-          <p:cNvPr id="14" name="Text Box 1"/>
-          <p:cNvSpPr txBox="1"/>
-          <p:nvPr/>
-        </p:nvSpPr>
-        <p:spPr>
-          <a:xfrm>
-            <a:off x="2108200" y="1182370"/>
-            <a:ext cx="7056755" cy="645160"/>
-          </a:xfrm>
-          <a:prstGeom prst="rect">
-            <a:avLst/>
-          </a:prstGeom>
-          <a:noFill/>
-        </p:spPr>
-        <p:txBody>
-          <a:bodyPr wrap="square" rtlCol="0">
-            <a:spAutoFit/>
-          </a:bodyPr>
-          <a:lstStyle/>
-          <a:p>
-            <a:r>
-              <a:rPr lang="en-US" b="1" dirty="0" err="1" smtClean="0">
-                <a:solidFill>
-                  <a:srgbClr val="D41F86"/>
-                </a:solidFill>
-              </a:rPr>
-              <a:t>Noinline</a:t>
-            </a:r>
-            <a:r>
-              <a:rPr lang="en-US" b="1" dirty="0" smtClean="0">
-                <a:solidFill>
-                  <a:srgbClr val="D41F86"/>
-                </a:solidFill>
-              </a:rPr>
-              <a:t> would be used in case you want to pass a no-inline lambdas in a inline function. </a:t>
-            </a:r>
-          </a:p>
-        </p:txBody>
-      </p:sp>
-      <p:pic>
-        <p:nvPicPr>
-          <p:cNvPr id="6" name="Picture 5" descr="Screen Shot 2019-07-17 at 18.55.27.png"/>
-          <p:cNvPicPr>
-            <a:picLocks noChangeAspect="1"/>
-          </p:cNvPicPr>
-          <p:nvPr/>
-        </p:nvPicPr>
-        <p:blipFill>
-          <a:blip r:embed="rId3">
-            <a:extLst>
-              <a:ext uri="{28A0092B-C50C-407E-A947-70E740481C1C}">
-                <a14:useLocalDpi xmlns:a14="http://schemas.microsoft.com/office/drawing/2010/main" val="0"/>
-              </a:ext>
-            </a:extLst>
-          </a:blip>
-          <a:stretch>
-            <a:fillRect/>
-          </a:stretch>
-        </p:blipFill>
-        <p:spPr>
-          <a:xfrm>
-            <a:off x="2177115" y="2293383"/>
-            <a:ext cx="6134100" cy="711200"/>
-          </a:xfrm>
-          <a:prstGeom prst="rect">
-            <a:avLst/>
-          </a:prstGeom>
-        </p:spPr>
-      </p:pic>
-      <p:sp>
-        <p:nvSpPr>
-          <p:cNvPr id="18" name="Shape 4233"/>
-          <p:cNvSpPr/>
-          <p:nvPr/>
-        </p:nvSpPr>
-        <p:spPr>
-          <a:xfrm>
-            <a:off x="1814195" y="1182370"/>
-            <a:ext cx="294005" cy="365125"/>
-          </a:xfrm>
-          <a:custGeom>
-            <a:avLst/>
-            <a:gdLst/>
-            <a:ahLst/>
-            <a:cxnLst/>
-            <a:rect l="0" t="0" r="0" b="0"/>
-            <a:pathLst>
-              <a:path w="5961" h="5960" extrusionOk="0">
-                <a:moveTo>
-                  <a:pt x="652" y="4330"/>
-                </a:moveTo>
-                <a:lnTo>
-                  <a:pt x="512" y="4377"/>
-                </a:lnTo>
-                <a:lnTo>
-                  <a:pt x="373" y="4470"/>
-                </a:lnTo>
-                <a:lnTo>
-                  <a:pt x="233" y="4563"/>
-                </a:lnTo>
-                <a:lnTo>
-                  <a:pt x="140" y="4703"/>
-                </a:lnTo>
-                <a:lnTo>
-                  <a:pt x="47" y="4842"/>
-                </a:lnTo>
-                <a:lnTo>
-                  <a:pt x="0" y="4982"/>
-                </a:lnTo>
-                <a:lnTo>
-                  <a:pt x="0" y="5122"/>
-                </a:lnTo>
-                <a:lnTo>
-                  <a:pt x="0" y="5308"/>
-                </a:lnTo>
-                <a:lnTo>
-                  <a:pt x="47" y="5448"/>
-                </a:lnTo>
-                <a:lnTo>
-                  <a:pt x="140" y="5587"/>
-                </a:lnTo>
-                <a:lnTo>
-                  <a:pt x="233" y="5727"/>
-                </a:lnTo>
-                <a:lnTo>
-                  <a:pt x="373" y="5820"/>
-                </a:lnTo>
-                <a:lnTo>
-                  <a:pt x="512" y="5913"/>
-                </a:lnTo>
-                <a:lnTo>
-                  <a:pt x="652" y="5913"/>
-                </a:lnTo>
-                <a:lnTo>
-                  <a:pt x="792" y="5960"/>
-                </a:lnTo>
-                <a:lnTo>
-                  <a:pt x="978" y="5913"/>
-                </a:lnTo>
-                <a:lnTo>
-                  <a:pt x="1118" y="5913"/>
-                </a:lnTo>
-                <a:lnTo>
-                  <a:pt x="1257" y="5820"/>
-                </a:lnTo>
-                <a:lnTo>
-                  <a:pt x="1397" y="5727"/>
-                </a:lnTo>
-                <a:lnTo>
-                  <a:pt x="1490" y="5587"/>
-                </a:lnTo>
-                <a:lnTo>
-                  <a:pt x="1537" y="5448"/>
-                </a:lnTo>
-                <a:lnTo>
-                  <a:pt x="1583" y="5308"/>
-                </a:lnTo>
-                <a:lnTo>
-                  <a:pt x="1630" y="5122"/>
-                </a:lnTo>
-                <a:lnTo>
-                  <a:pt x="1583" y="4982"/>
-                </a:lnTo>
-                <a:lnTo>
-                  <a:pt x="1537" y="4842"/>
-                </a:lnTo>
-                <a:lnTo>
-                  <a:pt x="1490" y="4703"/>
-                </a:lnTo>
-                <a:lnTo>
-                  <a:pt x="1397" y="4563"/>
-                </a:lnTo>
-                <a:lnTo>
-                  <a:pt x="1257" y="4470"/>
-                </a:lnTo>
-                <a:lnTo>
-                  <a:pt x="1118" y="4377"/>
-                </a:lnTo>
-                <a:lnTo>
-                  <a:pt x="978" y="4330"/>
-                </a:lnTo>
-                <a:close/>
-                <a:moveTo>
-                  <a:pt x="280" y="2142"/>
-                </a:moveTo>
-                <a:lnTo>
-                  <a:pt x="186" y="2188"/>
-                </a:lnTo>
-                <a:lnTo>
-                  <a:pt x="93" y="2235"/>
-                </a:lnTo>
-                <a:lnTo>
-                  <a:pt x="0" y="2328"/>
-                </a:lnTo>
-                <a:lnTo>
-                  <a:pt x="0" y="2421"/>
-                </a:lnTo>
-                <a:lnTo>
-                  <a:pt x="0" y="2980"/>
-                </a:lnTo>
-                <a:lnTo>
-                  <a:pt x="0" y="3120"/>
-                </a:lnTo>
-                <a:lnTo>
-                  <a:pt x="47" y="3166"/>
-                </a:lnTo>
-                <a:lnTo>
-                  <a:pt x="140" y="3259"/>
-                </a:lnTo>
-                <a:lnTo>
-                  <a:pt x="233" y="3259"/>
-                </a:lnTo>
-                <a:lnTo>
-                  <a:pt x="699" y="3353"/>
-                </a:lnTo>
-                <a:lnTo>
-                  <a:pt x="1118" y="3492"/>
-                </a:lnTo>
-                <a:lnTo>
-                  <a:pt x="1537" y="3725"/>
-                </a:lnTo>
-                <a:lnTo>
-                  <a:pt x="1909" y="4051"/>
-                </a:lnTo>
-                <a:lnTo>
-                  <a:pt x="2189" y="4423"/>
-                </a:lnTo>
-                <a:lnTo>
-                  <a:pt x="2421" y="4796"/>
-                </a:lnTo>
-                <a:lnTo>
-                  <a:pt x="2608" y="5215"/>
-                </a:lnTo>
-                <a:lnTo>
-                  <a:pt x="2654" y="5727"/>
-                </a:lnTo>
-                <a:lnTo>
-                  <a:pt x="2701" y="5820"/>
-                </a:lnTo>
-                <a:lnTo>
-                  <a:pt x="2747" y="5867"/>
-                </a:lnTo>
-                <a:lnTo>
-                  <a:pt x="2840" y="5913"/>
-                </a:lnTo>
-                <a:lnTo>
-                  <a:pt x="2934" y="5960"/>
-                </a:lnTo>
-                <a:lnTo>
-                  <a:pt x="3492" y="5960"/>
-                </a:lnTo>
-                <a:lnTo>
-                  <a:pt x="3632" y="5913"/>
-                </a:lnTo>
-                <a:lnTo>
-                  <a:pt x="3725" y="5867"/>
-                </a:lnTo>
-                <a:lnTo>
-                  <a:pt x="3772" y="5774"/>
-                </a:lnTo>
-                <a:lnTo>
-                  <a:pt x="3772" y="5681"/>
-                </a:lnTo>
-                <a:lnTo>
-                  <a:pt x="3725" y="5308"/>
-                </a:lnTo>
-                <a:lnTo>
-                  <a:pt x="3679" y="4982"/>
-                </a:lnTo>
-                <a:lnTo>
-                  <a:pt x="3585" y="4656"/>
-                </a:lnTo>
-                <a:lnTo>
-                  <a:pt x="3446" y="4377"/>
-                </a:lnTo>
-                <a:lnTo>
-                  <a:pt x="3306" y="4051"/>
-                </a:lnTo>
-                <a:lnTo>
-                  <a:pt x="3120" y="3772"/>
-                </a:lnTo>
-                <a:lnTo>
-                  <a:pt x="2887" y="3492"/>
-                </a:lnTo>
-                <a:lnTo>
-                  <a:pt x="2654" y="3259"/>
-                </a:lnTo>
-                <a:lnTo>
-                  <a:pt x="2421" y="3027"/>
-                </a:lnTo>
-                <a:lnTo>
-                  <a:pt x="2142" y="2840"/>
-                </a:lnTo>
-                <a:lnTo>
-                  <a:pt x="1863" y="2654"/>
-                </a:lnTo>
-                <a:lnTo>
-                  <a:pt x="1583" y="2514"/>
-                </a:lnTo>
-                <a:lnTo>
-                  <a:pt x="1257" y="2375"/>
-                </a:lnTo>
-                <a:lnTo>
-                  <a:pt x="931" y="2282"/>
-                </a:lnTo>
-                <a:lnTo>
-                  <a:pt x="605" y="2188"/>
-                </a:lnTo>
-                <a:lnTo>
-                  <a:pt x="280" y="2142"/>
-                </a:lnTo>
-                <a:close/>
-                <a:moveTo>
-                  <a:pt x="140" y="0"/>
-                </a:moveTo>
-                <a:lnTo>
-                  <a:pt x="93" y="47"/>
-                </a:lnTo>
-                <a:lnTo>
-                  <a:pt x="0" y="140"/>
-                </a:lnTo>
-                <a:lnTo>
-                  <a:pt x="0" y="279"/>
-                </a:lnTo>
-                <a:lnTo>
-                  <a:pt x="0" y="885"/>
-                </a:lnTo>
-                <a:lnTo>
-                  <a:pt x="0" y="978"/>
-                </a:lnTo>
-                <a:lnTo>
-                  <a:pt x="47" y="1071"/>
-                </a:lnTo>
-                <a:lnTo>
-                  <a:pt x="140" y="1118"/>
-                </a:lnTo>
-                <a:lnTo>
-                  <a:pt x="233" y="1118"/>
-                </a:lnTo>
-                <a:lnTo>
-                  <a:pt x="699" y="1164"/>
-                </a:lnTo>
-                <a:lnTo>
-                  <a:pt x="1118" y="1257"/>
-                </a:lnTo>
-                <a:lnTo>
-                  <a:pt x="1583" y="1397"/>
-                </a:lnTo>
-                <a:lnTo>
-                  <a:pt x="1956" y="1583"/>
-                </a:lnTo>
-                <a:lnTo>
-                  <a:pt x="2375" y="1769"/>
-                </a:lnTo>
-                <a:lnTo>
-                  <a:pt x="2747" y="2002"/>
-                </a:lnTo>
-                <a:lnTo>
-                  <a:pt x="3073" y="2235"/>
-                </a:lnTo>
-                <a:lnTo>
-                  <a:pt x="3399" y="2561"/>
-                </a:lnTo>
-                <a:lnTo>
-                  <a:pt x="3679" y="2840"/>
-                </a:lnTo>
-                <a:lnTo>
-                  <a:pt x="3958" y="3213"/>
-                </a:lnTo>
-                <a:lnTo>
-                  <a:pt x="4191" y="3585"/>
-                </a:lnTo>
-                <a:lnTo>
-                  <a:pt x="4377" y="3958"/>
-                </a:lnTo>
-                <a:lnTo>
-                  <a:pt x="4563" y="4377"/>
-                </a:lnTo>
-                <a:lnTo>
-                  <a:pt x="4656" y="4796"/>
-                </a:lnTo>
-                <a:lnTo>
-                  <a:pt x="4749" y="5262"/>
-                </a:lnTo>
-                <a:lnTo>
-                  <a:pt x="4796" y="5681"/>
-                </a:lnTo>
-                <a:lnTo>
-                  <a:pt x="4843" y="5774"/>
-                </a:lnTo>
-                <a:lnTo>
-                  <a:pt x="4889" y="5867"/>
-                </a:lnTo>
-                <a:lnTo>
-                  <a:pt x="4982" y="5913"/>
-                </a:lnTo>
-                <a:lnTo>
-                  <a:pt x="5075" y="5960"/>
-                </a:lnTo>
-                <a:lnTo>
-                  <a:pt x="5681" y="5960"/>
-                </a:lnTo>
-                <a:lnTo>
-                  <a:pt x="5774" y="5913"/>
-                </a:lnTo>
-                <a:lnTo>
-                  <a:pt x="5867" y="5867"/>
-                </a:lnTo>
-                <a:lnTo>
-                  <a:pt x="5960" y="5774"/>
-                </a:lnTo>
-                <a:lnTo>
-                  <a:pt x="5960" y="5681"/>
-                </a:lnTo>
-                <a:lnTo>
-                  <a:pt x="5914" y="5122"/>
-                </a:lnTo>
-                <a:lnTo>
-                  <a:pt x="5820" y="4563"/>
-                </a:lnTo>
-                <a:lnTo>
-                  <a:pt x="5634" y="4051"/>
-                </a:lnTo>
-                <a:lnTo>
-                  <a:pt x="5448" y="3539"/>
-                </a:lnTo>
-                <a:lnTo>
-                  <a:pt x="5215" y="3073"/>
-                </a:lnTo>
-                <a:lnTo>
-                  <a:pt x="4889" y="2608"/>
-                </a:lnTo>
-                <a:lnTo>
-                  <a:pt x="4563" y="2142"/>
-                </a:lnTo>
-                <a:lnTo>
-                  <a:pt x="4191" y="1723"/>
-                </a:lnTo>
-                <a:lnTo>
-                  <a:pt x="3772" y="1350"/>
-                </a:lnTo>
-                <a:lnTo>
-                  <a:pt x="3353" y="1024"/>
-                </a:lnTo>
-                <a:lnTo>
-                  <a:pt x="2887" y="745"/>
-                </a:lnTo>
-                <a:lnTo>
-                  <a:pt x="2421" y="512"/>
-                </a:lnTo>
-                <a:lnTo>
-                  <a:pt x="1909" y="279"/>
-                </a:lnTo>
-                <a:lnTo>
-                  <a:pt x="1350" y="140"/>
-                </a:lnTo>
-                <a:lnTo>
-                  <a:pt x="838" y="47"/>
-                </a:lnTo>
-                <a:lnTo>
-                  <a:pt x="280" y="0"/>
-                </a:lnTo>
-                <a:close/>
-              </a:path>
-            </a:pathLst>
-          </a:custGeom>
-          <a:solidFill>
-            <a:srgbClr val="D41F86"/>
-          </a:solidFill>
-          <a:ln>
-            <a:noFill/>
-          </a:ln>
-        </p:spPr>
-        <p:txBody>
-          <a:bodyPr lIns="91425" tIns="91425" rIns="91425" bIns="91425" anchor="ctr" anchorCtr="0">
-            <a:noAutofit/>
-          </a:bodyPr>
-          <a:lstStyle/>
-          <a:p>
-            <a:pPr lvl="0">
-              <a:spcBef>
-                <a:spcPts val="0"/>
-              </a:spcBef>
-              <a:buNone/>
-            </a:pPr>
-            <a:endParaRPr>
-              <a:cs typeface="+mn-ea"/>
-              <a:sym typeface="+mn-lt"/>
-            </a:endParaRPr>
-          </a:p>
-        </p:txBody>
-      </p:sp>
-    </p:spTree>
-    <p:extLst>
-      <p:ext uri="{BB962C8B-B14F-4D97-AF65-F5344CB8AC3E}">
-        <p14:creationId xmlns:p14="http://schemas.microsoft.com/office/powerpoint/2010/main" val="3190305218"/>
-      </p:ext>
-    </p:extLst>
-  </p:cSld>
-  <p:clrMapOvr>
-    <a:masterClrMapping/>
-  </p:clrMapOvr>
-  <p:transition xmlns:p14="http://schemas.microsoft.com/office/powerpoint/2010/main">
-    <p:comb/>
-  </p:transition>
-  <p:timing>
-    <p:tnLst>
-      <p:par>
-        <p:cTn xmlns:p14="http://schemas.microsoft.com/office/powerpoint/2010/main" id="1" dur="indefinite" restart="never" nodeType="tmRoot">
-          <p:childTnLst>
-            <p:seq concurrent="1" nextAc="seek">
-              <p:cTn id="2" dur="indefinite" nodeType="mainSeq">
-                <p:childTnLst>
-                  <p:par>
-                    <p:cTn id="3" fill="hold">
-                      <p:stCondLst>
-                        <p:cond delay="indefinite"/>
-                      </p:stCondLst>
-                      <p:childTnLst>
-                        <p:par>
-                          <p:cTn id="4" fill="hold">
-                            <p:stCondLst>
-                              <p:cond delay="0"/>
-                            </p:stCondLst>
-                            <p:childTnLst>
-                              <p:par>
-                                <p:cTn id="5" presetID="8" presetClass="entr" presetSubtype="16" fill="hold" grpId="0" nodeType="clickEffect">
-                                  <p:stCondLst>
-                                    <p:cond delay="0"/>
-                                  </p:stCondLst>
-                                  <p:childTnLst>
-                                    <p:set>
-                                      <p:cBhvr>
-                                        <p:cTn id="6" dur="2000" fill="hold">
-                                          <p:stCondLst>
-                                            <p:cond delay="0"/>
-                                          </p:stCondLst>
-                                        </p:cTn>
-                                        <p:tgtEl>
-                                          <p:spTgt spid="14"/>
-                                        </p:tgtEl>
-                                        <p:attrNameLst>
-                                          <p:attrName>style.visibility</p:attrName>
-                                        </p:attrNameLst>
-                                      </p:cBhvr>
-                                      <p:to>
-                                        <p:strVal val="visible"/>
-                                      </p:to>
-                                    </p:set>
-                                    <p:animEffect transition="in" filter="diamond(in)">
-                                      <p:cBhvr>
-                                        <p:cTn id="7" dur="2000"/>
-                                        <p:tgtEl>
-                                          <p:spTgt spid="14"/>
-                                        </p:tgtEl>
-                                      </p:cBhvr>
-                                    </p:animEffect>
-                                  </p:childTnLst>
-                                </p:cTn>
-                              </p:par>
-                            </p:childTnLst>
-                          </p:cTn>
-                        </p:par>
-                      </p:childTnLst>
-                    </p:cTn>
-                  </p:par>
-                  <p:par>
-                    <p:cTn id="8" fill="hold">
-                      <p:stCondLst>
-                        <p:cond delay="indefinite"/>
-                      </p:stCondLst>
-                      <p:childTnLst>
-                        <p:par>
-                          <p:cTn id="9" fill="hold">
-                            <p:stCondLst>
-                              <p:cond delay="0"/>
-                            </p:stCondLst>
-                            <p:childTnLst>
-                              <p:par>
-                                <p:cTn id="10" presetID="8" presetClass="entr" presetSubtype="16" fill="hold" nodeType="clickEffect">
-                                  <p:stCondLst>
-                                    <p:cond delay="0"/>
-                                  </p:stCondLst>
-                                  <p:childTnLst>
-                                    <p:set>
-                                      <p:cBhvr>
-                                        <p:cTn id="11" dur="2000" fill="hold">
-                                          <p:stCondLst>
-                                            <p:cond delay="0"/>
-                                          </p:stCondLst>
-                                        </p:cTn>
-                                        <p:tgtEl>
-                                          <p:spTgt spid="6"/>
-                                        </p:tgtEl>
-                                        <p:attrNameLst>
-                                          <p:attrName>style.visibility</p:attrName>
-                                        </p:attrNameLst>
-                                      </p:cBhvr>
-                                      <p:to>
-                                        <p:strVal val="visible"/>
-                                      </p:to>
-                                    </p:set>
-                                    <p:animEffect transition="in" filter="diamond(in)">
-                                      <p:cBhvr>
-                                        <p:cTn id="12" dur="2000"/>
-                                        <p:tgtEl>
-                                          <p:spTgt spid="6"/>
-                                        </p:tgtEl>
-                                      </p:cBhvr>
-                                    </p:animEffect>
-                                  </p:childTnLst>
-                                </p:cTn>
-                              </p:par>
-                            </p:childTnLst>
-                          </p:cTn>
-                        </p:par>
-                      </p:childTnLst>
-                    </p:cTn>
-                  </p:par>
-                </p:childTnLst>
-              </p:cTn>
-              <p:prevCondLst>
-                <p:cond evt="onPrev" delay="0">
-                  <p:tgtEl>
-                    <p:sldTgt/>
-                  </p:tgtEl>
-                </p:cond>
-              </p:prevCondLst>
-              <p:nextCondLst>
-                <p:cond evt="onNext" delay="0">
-                  <p:tgtEl>
-                    <p:sldTgt/>
-                  </p:tgtEl>
-                </p:cond>
-              </p:nextCondLst>
-            </p:seq>
-          </p:childTnLst>
-        </p:cTn>
-      </p:par>
-    </p:tnLst>
-    <p:bldLst>
-      <p:bldP spid="14" grpId="0"/>
-    </p:bldLst>
-  </p:timing>
-</p:sld>
-</file>
-
 <file path=ppt/slides/slide4.xml><?xml version="1.0" encoding="utf-8"?>
 <p:sld xmlns:a="http://schemas.openxmlformats.org/drawingml/2006/main" xmlns:r="http://schemas.openxmlformats.org/officeDocument/2006/relationships" xmlns:p="http://schemas.openxmlformats.org/presentationml/2006/main">
   <p:cSld>
@@ -37771,7 +38334,7 @@
           <p:nvPr/>
         </p:nvPicPr>
         <p:blipFill>
-          <a:blip r:embed="rId2" cstate="print">
+          <a:blip r:embed="rId1" cstate="print">
             <a:extLst>
               <a:ext uri="{28A0092B-C50C-407E-A947-70E740481C1C}">
                 <a14:useLocalDpi xmlns:a14="http://schemas.microsoft.com/office/drawing/2010/main" val="0"/>
@@ -38994,6 +39557,13 @@
               </a:rPr>
               <a:t>Declaration</a:t>
             </a:r>
+            <a:endParaRPr lang="en-US" sz="1600" b="1" dirty="0" smtClean="0">
+              <a:solidFill>
+                <a:srgbClr val="00B050"/>
+              </a:solidFill>
+              <a:cs typeface="+mn-ea"/>
+              <a:sym typeface="+mn-lt"/>
+            </a:endParaRPr>
           </a:p>
         </p:txBody>
       </p:sp>
@@ -39082,6 +39652,13 @@
                 </a:rPr>
                 <a:t>fun getSum(x : Int, y : Int) : Int{</a:t>
               </a:r>
+              <a:endParaRPr lang="en-US" altLang="zh-CN" sz="1300" b="1" dirty="0">
+                <a:solidFill>
+                  <a:schemeClr val="bg1"/>
+                </a:solidFill>
+                <a:cs typeface="+mn-ea"/>
+                <a:sym typeface="+mn-lt"/>
+              </a:endParaRPr>
             </a:p>
             <a:p>
               <a:pPr algn="l">
@@ -39099,6 +39676,13 @@
                 </a:rPr>
                 <a:t>	return x+y</a:t>
               </a:r>
+              <a:endParaRPr lang="en-US" altLang="zh-CN" sz="1300" b="1" dirty="0">
+                <a:solidFill>
+                  <a:schemeClr val="bg1"/>
+                </a:solidFill>
+                <a:cs typeface="+mn-ea"/>
+                <a:sym typeface="+mn-lt"/>
+              </a:endParaRPr>
             </a:p>
             <a:p>
               <a:pPr algn="l">
@@ -39116,6 +39700,13 @@
                 </a:rPr>
                 <a:t>} </a:t>
               </a:r>
+              <a:endParaRPr lang="en-US" altLang="zh-CN" sz="1300" b="1" dirty="0">
+                <a:solidFill>
+                  <a:schemeClr val="bg1"/>
+                </a:solidFill>
+                <a:cs typeface="+mn-ea"/>
+                <a:sym typeface="+mn-lt"/>
+              </a:endParaRPr>
             </a:p>
           </p:txBody>
         </p:sp>
@@ -39153,6 +39744,13 @@
               </a:rPr>
               <a:t>Example</a:t>
             </a:r>
+            <a:endParaRPr lang="x-none" sz="1600" b="1" dirty="0">
+              <a:solidFill>
+                <a:srgbClr val="FF0000"/>
+              </a:solidFill>
+              <a:cs typeface="+mn-ea"/>
+              <a:sym typeface="+mn-lt"/>
+            </a:endParaRPr>
           </a:p>
         </p:txBody>
       </p:sp>
@@ -39295,6 +39893,13 @@
               </a:rPr>
               <a:t>Parameter</a:t>
             </a:r>
+            <a:endParaRPr lang="en-US" altLang="zh-CN" sz="1600" b="1" dirty="0" smtClean="0">
+              <a:solidFill>
+                <a:srgbClr val="FFFF00"/>
+              </a:solidFill>
+              <a:cs typeface="+mn-ea"/>
+              <a:sym typeface="+mn-lt"/>
+            </a:endParaRPr>
           </a:p>
         </p:txBody>
       </p:sp>
@@ -39392,7 +39997,7 @@
   <p:timing>
     <p:tnLst>
       <p:par>
-        <p:cTn xmlns:p14="http://schemas.microsoft.com/office/powerpoint/2010/main" id="1" dur="indefinite" restart="never" nodeType="tmRoot">
+        <p:cTn id="1" dur="indefinite" restart="never" nodeType="tmRoot">
           <p:childTnLst>
             <p:seq concurrent="1" nextAc="seek">
               <p:cTn id="2" dur="indefinite" nodeType="mainSeq">
@@ -39948,7 +40553,1090 @@
           <p:nvPr/>
         </p:nvPicPr>
         <p:blipFill>
-          <a:blip r:embed="rId2" cstate="print">
+          <a:blip r:embed="rId1" cstate="print">
+            <a:extLst>
+              <a:ext uri="{28A0092B-C50C-407E-A947-70E740481C1C}">
+                <a14:useLocalDpi xmlns:a14="http://schemas.microsoft.com/office/drawing/2010/main" val="0"/>
+              </a:ext>
+            </a:extLst>
+          </a:blip>
+          <a:stretch>
+            <a:fillRect/>
+          </a:stretch>
+        </p:blipFill>
+        <p:spPr>
+          <a:xfrm>
+            <a:off x="0" y="-152482"/>
+            <a:ext cx="12192000" cy="6858000"/>
+          </a:xfrm>
+          <a:prstGeom prst="rect">
+            <a:avLst/>
+          </a:prstGeom>
+        </p:spPr>
+      </p:pic>
+      <p:sp>
+        <p:nvSpPr>
+          <p:cNvPr id="7" name="椭圆 6"/>
+          <p:cNvSpPr/>
+          <p:nvPr/>
+        </p:nvSpPr>
+        <p:spPr>
+          <a:xfrm>
+            <a:off x="9400052" y="-990277"/>
+            <a:ext cx="2008240" cy="2008240"/>
+          </a:xfrm>
+          <a:prstGeom prst="ellipse">
+            <a:avLst/>
+          </a:prstGeom>
+          <a:gradFill flip="none" rotWithShape="1">
+            <a:gsLst>
+              <a:gs pos="0">
+                <a:srgbClr val="31F0FA"/>
+              </a:gs>
+              <a:gs pos="46000">
+                <a:srgbClr val="5753C9"/>
+              </a:gs>
+              <a:gs pos="100000">
+                <a:srgbClr val="D41F86"/>
+              </a:gs>
+            </a:gsLst>
+            <a:path path="circle">
+              <a:fillToRect r="100000" b="100000"/>
+            </a:path>
+            <a:tileRect l="-100000" t="-100000"/>
+          </a:gradFill>
+          <a:ln>
+            <a:noFill/>
+          </a:ln>
+        </p:spPr>
+        <p:style>
+          <a:lnRef idx="2">
+            <a:schemeClr val="accent1">
+              <a:shade val="50000"/>
+            </a:schemeClr>
+          </a:lnRef>
+          <a:fillRef idx="1">
+            <a:schemeClr val="accent1"/>
+          </a:fillRef>
+          <a:effectRef idx="0">
+            <a:schemeClr val="accent1"/>
+          </a:effectRef>
+          <a:fontRef idx="minor">
+            <a:schemeClr val="lt1"/>
+          </a:fontRef>
+        </p:style>
+        <p:txBody>
+          <a:bodyPr rtlCol="0" anchor="ctr"/>
+          <a:lstStyle/>
+          <a:p>
+            <a:pPr algn="ctr"/>
+            <a:endParaRPr lang="zh-CN" altLang="en-US">
+              <a:cs typeface="+mn-ea"/>
+              <a:sym typeface="+mn-lt"/>
+            </a:endParaRPr>
+          </a:p>
+        </p:txBody>
+      </p:sp>
+      <p:sp>
+        <p:nvSpPr>
+          <p:cNvPr id="9" name="椭圆 8"/>
+          <p:cNvSpPr/>
+          <p:nvPr/>
+        </p:nvSpPr>
+        <p:spPr>
+          <a:xfrm>
+            <a:off x="10404172" y="2035926"/>
+            <a:ext cx="263828" cy="263828"/>
+          </a:xfrm>
+          <a:prstGeom prst="ellipse">
+            <a:avLst/>
+          </a:prstGeom>
+          <a:gradFill flip="none" rotWithShape="1">
+            <a:gsLst>
+              <a:gs pos="0">
+                <a:srgbClr val="31F0FA"/>
+              </a:gs>
+              <a:gs pos="46000">
+                <a:srgbClr val="5753C9"/>
+              </a:gs>
+              <a:gs pos="100000">
+                <a:srgbClr val="D41F86"/>
+              </a:gs>
+            </a:gsLst>
+            <a:path path="circle">
+              <a:fillToRect r="100000" b="100000"/>
+            </a:path>
+            <a:tileRect l="-100000" t="-100000"/>
+          </a:gradFill>
+          <a:ln>
+            <a:noFill/>
+          </a:ln>
+        </p:spPr>
+        <p:style>
+          <a:lnRef idx="2">
+            <a:schemeClr val="accent1">
+              <a:shade val="50000"/>
+            </a:schemeClr>
+          </a:lnRef>
+          <a:fillRef idx="1">
+            <a:schemeClr val="accent1"/>
+          </a:fillRef>
+          <a:effectRef idx="0">
+            <a:schemeClr val="accent1"/>
+          </a:effectRef>
+          <a:fontRef idx="minor">
+            <a:schemeClr val="lt1"/>
+          </a:fontRef>
+        </p:style>
+        <p:txBody>
+          <a:bodyPr rtlCol="0" anchor="ctr"/>
+          <a:lstStyle/>
+          <a:p>
+            <a:pPr algn="ctr"/>
+            <a:endParaRPr lang="zh-CN" altLang="en-US">
+              <a:cs typeface="+mn-ea"/>
+              <a:sym typeface="+mn-lt"/>
+            </a:endParaRPr>
+          </a:p>
+        </p:txBody>
+      </p:sp>
+      <p:sp>
+        <p:nvSpPr>
+          <p:cNvPr id="10" name="椭圆 9"/>
+          <p:cNvSpPr/>
+          <p:nvPr/>
+        </p:nvSpPr>
+        <p:spPr>
+          <a:xfrm>
+            <a:off x="7821765" y="5610510"/>
+            <a:ext cx="263828" cy="263828"/>
+          </a:xfrm>
+          <a:prstGeom prst="ellipse">
+            <a:avLst/>
+          </a:prstGeom>
+          <a:gradFill flip="none" rotWithShape="1">
+            <a:gsLst>
+              <a:gs pos="0">
+                <a:srgbClr val="31F0FA"/>
+              </a:gs>
+              <a:gs pos="46000">
+                <a:srgbClr val="5753C9"/>
+              </a:gs>
+              <a:gs pos="100000">
+                <a:srgbClr val="D41F86"/>
+              </a:gs>
+            </a:gsLst>
+            <a:path path="circle">
+              <a:fillToRect r="100000" b="100000"/>
+            </a:path>
+            <a:tileRect l="-100000" t="-100000"/>
+          </a:gradFill>
+          <a:ln>
+            <a:noFill/>
+          </a:ln>
+        </p:spPr>
+        <p:style>
+          <a:lnRef idx="2">
+            <a:schemeClr val="accent1">
+              <a:shade val="50000"/>
+            </a:schemeClr>
+          </a:lnRef>
+          <a:fillRef idx="1">
+            <a:schemeClr val="accent1"/>
+          </a:fillRef>
+          <a:effectRef idx="0">
+            <a:schemeClr val="accent1"/>
+          </a:effectRef>
+          <a:fontRef idx="minor">
+            <a:schemeClr val="lt1"/>
+          </a:fontRef>
+        </p:style>
+        <p:txBody>
+          <a:bodyPr rtlCol="0" anchor="ctr"/>
+          <a:lstStyle/>
+          <a:p>
+            <a:pPr algn="ctr"/>
+            <a:endParaRPr lang="zh-CN" altLang="en-US">
+              <a:cs typeface="+mn-ea"/>
+              <a:sym typeface="+mn-lt"/>
+            </a:endParaRPr>
+          </a:p>
+        </p:txBody>
+      </p:sp>
+      <p:cxnSp>
+        <p:nvCxnSpPr>
+          <p:cNvPr id="19" name="直接连接符 18"/>
+          <p:cNvCxnSpPr/>
+          <p:nvPr/>
+        </p:nvCxnSpPr>
+        <p:spPr>
+          <a:xfrm>
+            <a:off x="5479493" y="4594790"/>
+            <a:ext cx="1117600" cy="0"/>
+          </a:xfrm>
+          <a:prstGeom prst="line">
+            <a:avLst/>
+          </a:prstGeom>
+          <a:ln>
+            <a:solidFill>
+              <a:schemeClr val="tx1">
+                <a:lumMod val="50000"/>
+                <a:lumOff val="50000"/>
+              </a:schemeClr>
+            </a:solidFill>
+          </a:ln>
+        </p:spPr>
+        <p:style>
+          <a:lnRef idx="1">
+            <a:schemeClr val="accent1"/>
+          </a:lnRef>
+          <a:fillRef idx="0">
+            <a:schemeClr val="accent1"/>
+          </a:fillRef>
+          <a:effectRef idx="0">
+            <a:schemeClr val="accent1"/>
+          </a:effectRef>
+          <a:fontRef idx="minor">
+            <a:schemeClr val="tx1"/>
+          </a:fontRef>
+        </p:style>
+      </p:cxnSp>
+      <p:cxnSp>
+        <p:nvCxnSpPr>
+          <p:cNvPr id="12" name="直接连接符 11"/>
+          <p:cNvCxnSpPr/>
+          <p:nvPr/>
+        </p:nvCxnSpPr>
+        <p:spPr>
+          <a:xfrm>
+            <a:off x="5867400" y="1008644"/>
+            <a:ext cx="457200" cy="0"/>
+          </a:xfrm>
+          <a:prstGeom prst="line">
+            <a:avLst/>
+          </a:prstGeom>
+          <a:ln w="28575">
+            <a:gradFill flip="none" rotWithShape="1">
+              <a:gsLst>
+                <a:gs pos="0">
+                  <a:srgbClr val="31F0FA"/>
+                </a:gs>
+                <a:gs pos="46000">
+                  <a:srgbClr val="5753C9"/>
+                </a:gs>
+                <a:gs pos="100000">
+                  <a:srgbClr val="D41F86"/>
+                </a:gs>
+              </a:gsLst>
+              <a:lin ang="0" scaled="1"/>
+              <a:tileRect/>
+            </a:gradFill>
+          </a:ln>
+        </p:spPr>
+        <p:style>
+          <a:lnRef idx="1">
+            <a:schemeClr val="accent1"/>
+          </a:lnRef>
+          <a:fillRef idx="0">
+            <a:schemeClr val="accent1"/>
+          </a:fillRef>
+          <a:effectRef idx="0">
+            <a:schemeClr val="accent1"/>
+          </a:effectRef>
+          <a:fontRef idx="minor">
+            <a:schemeClr val="tx1"/>
+          </a:fontRef>
+        </p:style>
+      </p:cxnSp>
+      <p:sp>
+        <p:nvSpPr>
+          <p:cNvPr id="47" name="文本框 46"/>
+          <p:cNvSpPr txBox="1"/>
+          <p:nvPr/>
+        </p:nvSpPr>
+        <p:spPr>
+          <a:xfrm>
+            <a:off x="2977444" y="294569"/>
+            <a:ext cx="5686778" cy="461665"/>
+          </a:xfrm>
+          <a:prstGeom prst="rect">
+            <a:avLst/>
+          </a:prstGeom>
+          <a:noFill/>
+        </p:spPr>
+        <p:txBody>
+          <a:bodyPr wrap="square" rtlCol="0">
+            <a:spAutoFit/>
+          </a:bodyPr>
+          <a:lstStyle/>
+          <a:p>
+            <a:pPr marL="0" marR="0" lvl="0" indent="0" algn="ctr" defTabSz="914400" rtl="0" eaLnBrk="1" fontAlgn="auto" latinLnBrk="0" hangingPunct="1">
+              <a:lnSpc>
+                <a:spcPct val="100000"/>
+              </a:lnSpc>
+              <a:spcBef>
+                <a:spcPts val="0"/>
+              </a:spcBef>
+              <a:spcAft>
+                <a:spcPts val="0"/>
+              </a:spcAft>
+              <a:buClrTx/>
+              <a:buSzTx/>
+              <a:buFontTx/>
+              <a:buNone/>
+              <a:defRPr/>
+            </a:pPr>
+            <a:r>
+              <a:rPr kumimoji="0" lang="en-US" sz="2400" b="0" i="0" u="none" strike="noStrike" kern="1200" cap="none" spc="0" normalizeH="0" baseline="0" noProof="0" dirty="0" err="1" smtClean="0">
+                <a:ln>
+                  <a:noFill/>
+                </a:ln>
+                <a:solidFill>
+                  <a:schemeClr val="bg1"/>
+                </a:solidFill>
+                <a:effectLst/>
+                <a:uLnTx/>
+                <a:uFillTx/>
+                <a:cs typeface="+mn-ea"/>
+                <a:sym typeface="+mn-lt"/>
+              </a:rPr>
+              <a:t>Noinline</a:t>
+            </a:r>
+            <a:endParaRPr kumimoji="0" lang="x-none" sz="2400" b="0" i="0" u="none" strike="noStrike" kern="1200" cap="none" spc="0" normalizeH="0" baseline="0" noProof="0" dirty="0">
+              <a:ln>
+                <a:noFill/>
+              </a:ln>
+              <a:solidFill>
+                <a:schemeClr val="bg1"/>
+              </a:solidFill>
+              <a:effectLst/>
+              <a:uLnTx/>
+              <a:uFillTx/>
+              <a:cs typeface="+mn-ea"/>
+              <a:sym typeface="+mn-lt"/>
+            </a:endParaRPr>
+          </a:p>
+        </p:txBody>
+      </p:sp>
+      <p:sp>
+        <p:nvSpPr>
+          <p:cNvPr id="2" name="Text Box 1"/>
+          <p:cNvSpPr txBox="1"/>
+          <p:nvPr/>
+        </p:nvSpPr>
+        <p:spPr>
+          <a:xfrm>
+            <a:off x="1854129" y="1413580"/>
+            <a:ext cx="6791325" cy="646331"/>
+          </a:xfrm>
+          <a:prstGeom prst="rect">
+            <a:avLst/>
+          </a:prstGeom>
+          <a:noFill/>
+        </p:spPr>
+        <p:txBody>
+          <a:bodyPr wrap="square" rtlCol="0">
+            <a:spAutoFit/>
+          </a:bodyPr>
+          <a:lstStyle/>
+          <a:p>
+            <a:pPr marL="342900" indent="-342900">
+              <a:buAutoNum type="arabicPeriod"/>
+            </a:pPr>
+            <a:endParaRPr lang="en-US" dirty="0">
+              <a:solidFill>
+                <a:schemeClr val="bg1"/>
+              </a:solidFill>
+            </a:endParaRPr>
+          </a:p>
+          <a:p>
+            <a:pPr marL="342900" indent="-342900">
+              <a:buAutoNum type="arabicPeriod"/>
+            </a:pPr>
+            <a:endParaRPr lang="en-US" dirty="0" smtClean="0">
+              <a:solidFill>
+                <a:schemeClr val="bg1"/>
+              </a:solidFill>
+            </a:endParaRPr>
+          </a:p>
+        </p:txBody>
+      </p:sp>
+      <p:sp>
+        <p:nvSpPr>
+          <p:cNvPr id="14" name="Text Box 1"/>
+          <p:cNvSpPr txBox="1"/>
+          <p:nvPr/>
+        </p:nvSpPr>
+        <p:spPr>
+          <a:xfrm>
+            <a:off x="2108200" y="1182370"/>
+            <a:ext cx="7056755" cy="645160"/>
+          </a:xfrm>
+          <a:prstGeom prst="rect">
+            <a:avLst/>
+          </a:prstGeom>
+          <a:noFill/>
+        </p:spPr>
+        <p:txBody>
+          <a:bodyPr wrap="square" rtlCol="0">
+            <a:spAutoFit/>
+          </a:bodyPr>
+          <a:lstStyle/>
+          <a:p>
+            <a:r>
+              <a:rPr lang="en-US" b="1" dirty="0" err="1" smtClean="0">
+                <a:solidFill>
+                  <a:srgbClr val="D41F86"/>
+                </a:solidFill>
+              </a:rPr>
+              <a:t>Noinline</a:t>
+            </a:r>
+            <a:r>
+              <a:rPr lang="en-US" b="1" dirty="0" smtClean="0">
+                <a:solidFill>
+                  <a:srgbClr val="D41F86"/>
+                </a:solidFill>
+              </a:rPr>
+              <a:t> would be used in case you want to pass a no-inline lambdas in a inline function. </a:t>
+            </a:r>
+            <a:endParaRPr lang="en-US" b="1" dirty="0" smtClean="0">
+              <a:solidFill>
+                <a:srgbClr val="D41F86"/>
+              </a:solidFill>
+            </a:endParaRPr>
+          </a:p>
+        </p:txBody>
+      </p:sp>
+      <p:pic>
+        <p:nvPicPr>
+          <p:cNvPr id="6" name="Picture 5" descr="Screen Shot 2019-07-17 at 18.55.27.png"/>
+          <p:cNvPicPr>
+            <a:picLocks noChangeAspect="1"/>
+          </p:cNvPicPr>
+          <p:nvPr/>
+        </p:nvPicPr>
+        <p:blipFill>
+          <a:blip r:embed="rId2">
+            <a:extLst>
+              <a:ext uri="{28A0092B-C50C-407E-A947-70E740481C1C}">
+                <a14:useLocalDpi xmlns:a14="http://schemas.microsoft.com/office/drawing/2010/main" val="0"/>
+              </a:ext>
+            </a:extLst>
+          </a:blip>
+          <a:stretch>
+            <a:fillRect/>
+          </a:stretch>
+        </p:blipFill>
+        <p:spPr>
+          <a:xfrm>
+            <a:off x="2177115" y="2293383"/>
+            <a:ext cx="6134100" cy="711200"/>
+          </a:xfrm>
+          <a:prstGeom prst="rect">
+            <a:avLst/>
+          </a:prstGeom>
+        </p:spPr>
+      </p:pic>
+      <p:sp>
+        <p:nvSpPr>
+          <p:cNvPr id="18" name="Shape 4233"/>
+          <p:cNvSpPr/>
+          <p:nvPr/>
+        </p:nvSpPr>
+        <p:spPr>
+          <a:xfrm>
+            <a:off x="1814195" y="1182370"/>
+            <a:ext cx="294005" cy="365125"/>
+          </a:xfrm>
+          <a:custGeom>
+            <a:avLst/>
+            <a:gdLst/>
+            <a:ahLst/>
+            <a:cxnLst/>
+            <a:rect l="0" t="0" r="0" b="0"/>
+            <a:pathLst>
+              <a:path w="5961" h="5960" extrusionOk="0">
+                <a:moveTo>
+                  <a:pt x="652" y="4330"/>
+                </a:moveTo>
+                <a:lnTo>
+                  <a:pt x="512" y="4377"/>
+                </a:lnTo>
+                <a:lnTo>
+                  <a:pt x="373" y="4470"/>
+                </a:lnTo>
+                <a:lnTo>
+                  <a:pt x="233" y="4563"/>
+                </a:lnTo>
+                <a:lnTo>
+                  <a:pt x="140" y="4703"/>
+                </a:lnTo>
+                <a:lnTo>
+                  <a:pt x="47" y="4842"/>
+                </a:lnTo>
+                <a:lnTo>
+                  <a:pt x="0" y="4982"/>
+                </a:lnTo>
+                <a:lnTo>
+                  <a:pt x="0" y="5122"/>
+                </a:lnTo>
+                <a:lnTo>
+                  <a:pt x="0" y="5308"/>
+                </a:lnTo>
+                <a:lnTo>
+                  <a:pt x="47" y="5448"/>
+                </a:lnTo>
+                <a:lnTo>
+                  <a:pt x="140" y="5587"/>
+                </a:lnTo>
+                <a:lnTo>
+                  <a:pt x="233" y="5727"/>
+                </a:lnTo>
+                <a:lnTo>
+                  <a:pt x="373" y="5820"/>
+                </a:lnTo>
+                <a:lnTo>
+                  <a:pt x="512" y="5913"/>
+                </a:lnTo>
+                <a:lnTo>
+                  <a:pt x="652" y="5913"/>
+                </a:lnTo>
+                <a:lnTo>
+                  <a:pt x="792" y="5960"/>
+                </a:lnTo>
+                <a:lnTo>
+                  <a:pt x="978" y="5913"/>
+                </a:lnTo>
+                <a:lnTo>
+                  <a:pt x="1118" y="5913"/>
+                </a:lnTo>
+                <a:lnTo>
+                  <a:pt x="1257" y="5820"/>
+                </a:lnTo>
+                <a:lnTo>
+                  <a:pt x="1397" y="5727"/>
+                </a:lnTo>
+                <a:lnTo>
+                  <a:pt x="1490" y="5587"/>
+                </a:lnTo>
+                <a:lnTo>
+                  <a:pt x="1537" y="5448"/>
+                </a:lnTo>
+                <a:lnTo>
+                  <a:pt x="1583" y="5308"/>
+                </a:lnTo>
+                <a:lnTo>
+                  <a:pt x="1630" y="5122"/>
+                </a:lnTo>
+                <a:lnTo>
+                  <a:pt x="1583" y="4982"/>
+                </a:lnTo>
+                <a:lnTo>
+                  <a:pt x="1537" y="4842"/>
+                </a:lnTo>
+                <a:lnTo>
+                  <a:pt x="1490" y="4703"/>
+                </a:lnTo>
+                <a:lnTo>
+                  <a:pt x="1397" y="4563"/>
+                </a:lnTo>
+                <a:lnTo>
+                  <a:pt x="1257" y="4470"/>
+                </a:lnTo>
+                <a:lnTo>
+                  <a:pt x="1118" y="4377"/>
+                </a:lnTo>
+                <a:lnTo>
+                  <a:pt x="978" y="4330"/>
+                </a:lnTo>
+                <a:close/>
+                <a:moveTo>
+                  <a:pt x="280" y="2142"/>
+                </a:moveTo>
+                <a:lnTo>
+                  <a:pt x="186" y="2188"/>
+                </a:lnTo>
+                <a:lnTo>
+                  <a:pt x="93" y="2235"/>
+                </a:lnTo>
+                <a:lnTo>
+                  <a:pt x="0" y="2328"/>
+                </a:lnTo>
+                <a:lnTo>
+                  <a:pt x="0" y="2421"/>
+                </a:lnTo>
+                <a:lnTo>
+                  <a:pt x="0" y="2980"/>
+                </a:lnTo>
+                <a:lnTo>
+                  <a:pt x="0" y="3120"/>
+                </a:lnTo>
+                <a:lnTo>
+                  <a:pt x="47" y="3166"/>
+                </a:lnTo>
+                <a:lnTo>
+                  <a:pt x="140" y="3259"/>
+                </a:lnTo>
+                <a:lnTo>
+                  <a:pt x="233" y="3259"/>
+                </a:lnTo>
+                <a:lnTo>
+                  <a:pt x="699" y="3353"/>
+                </a:lnTo>
+                <a:lnTo>
+                  <a:pt x="1118" y="3492"/>
+                </a:lnTo>
+                <a:lnTo>
+                  <a:pt x="1537" y="3725"/>
+                </a:lnTo>
+                <a:lnTo>
+                  <a:pt x="1909" y="4051"/>
+                </a:lnTo>
+                <a:lnTo>
+                  <a:pt x="2189" y="4423"/>
+                </a:lnTo>
+                <a:lnTo>
+                  <a:pt x="2421" y="4796"/>
+                </a:lnTo>
+                <a:lnTo>
+                  <a:pt x="2608" y="5215"/>
+                </a:lnTo>
+                <a:lnTo>
+                  <a:pt x="2654" y="5727"/>
+                </a:lnTo>
+                <a:lnTo>
+                  <a:pt x="2701" y="5820"/>
+                </a:lnTo>
+                <a:lnTo>
+                  <a:pt x="2747" y="5867"/>
+                </a:lnTo>
+                <a:lnTo>
+                  <a:pt x="2840" y="5913"/>
+                </a:lnTo>
+                <a:lnTo>
+                  <a:pt x="2934" y="5960"/>
+                </a:lnTo>
+                <a:lnTo>
+                  <a:pt x="3492" y="5960"/>
+                </a:lnTo>
+                <a:lnTo>
+                  <a:pt x="3632" y="5913"/>
+                </a:lnTo>
+                <a:lnTo>
+                  <a:pt x="3725" y="5867"/>
+                </a:lnTo>
+                <a:lnTo>
+                  <a:pt x="3772" y="5774"/>
+                </a:lnTo>
+                <a:lnTo>
+                  <a:pt x="3772" y="5681"/>
+                </a:lnTo>
+                <a:lnTo>
+                  <a:pt x="3725" y="5308"/>
+                </a:lnTo>
+                <a:lnTo>
+                  <a:pt x="3679" y="4982"/>
+                </a:lnTo>
+                <a:lnTo>
+                  <a:pt x="3585" y="4656"/>
+                </a:lnTo>
+                <a:lnTo>
+                  <a:pt x="3446" y="4377"/>
+                </a:lnTo>
+                <a:lnTo>
+                  <a:pt x="3306" y="4051"/>
+                </a:lnTo>
+                <a:lnTo>
+                  <a:pt x="3120" y="3772"/>
+                </a:lnTo>
+                <a:lnTo>
+                  <a:pt x="2887" y="3492"/>
+                </a:lnTo>
+                <a:lnTo>
+                  <a:pt x="2654" y="3259"/>
+                </a:lnTo>
+                <a:lnTo>
+                  <a:pt x="2421" y="3027"/>
+                </a:lnTo>
+                <a:lnTo>
+                  <a:pt x="2142" y="2840"/>
+                </a:lnTo>
+                <a:lnTo>
+                  <a:pt x="1863" y="2654"/>
+                </a:lnTo>
+                <a:lnTo>
+                  <a:pt x="1583" y="2514"/>
+                </a:lnTo>
+                <a:lnTo>
+                  <a:pt x="1257" y="2375"/>
+                </a:lnTo>
+                <a:lnTo>
+                  <a:pt x="931" y="2282"/>
+                </a:lnTo>
+                <a:lnTo>
+                  <a:pt x="605" y="2188"/>
+                </a:lnTo>
+                <a:lnTo>
+                  <a:pt x="280" y="2142"/>
+                </a:lnTo>
+                <a:close/>
+                <a:moveTo>
+                  <a:pt x="140" y="0"/>
+                </a:moveTo>
+                <a:lnTo>
+                  <a:pt x="93" y="47"/>
+                </a:lnTo>
+                <a:lnTo>
+                  <a:pt x="0" y="140"/>
+                </a:lnTo>
+                <a:lnTo>
+                  <a:pt x="0" y="279"/>
+                </a:lnTo>
+                <a:lnTo>
+                  <a:pt x="0" y="885"/>
+                </a:lnTo>
+                <a:lnTo>
+                  <a:pt x="0" y="978"/>
+                </a:lnTo>
+                <a:lnTo>
+                  <a:pt x="47" y="1071"/>
+                </a:lnTo>
+                <a:lnTo>
+                  <a:pt x="140" y="1118"/>
+                </a:lnTo>
+                <a:lnTo>
+                  <a:pt x="233" y="1118"/>
+                </a:lnTo>
+                <a:lnTo>
+                  <a:pt x="699" y="1164"/>
+                </a:lnTo>
+                <a:lnTo>
+                  <a:pt x="1118" y="1257"/>
+                </a:lnTo>
+                <a:lnTo>
+                  <a:pt x="1583" y="1397"/>
+                </a:lnTo>
+                <a:lnTo>
+                  <a:pt x="1956" y="1583"/>
+                </a:lnTo>
+                <a:lnTo>
+                  <a:pt x="2375" y="1769"/>
+                </a:lnTo>
+                <a:lnTo>
+                  <a:pt x="2747" y="2002"/>
+                </a:lnTo>
+                <a:lnTo>
+                  <a:pt x="3073" y="2235"/>
+                </a:lnTo>
+                <a:lnTo>
+                  <a:pt x="3399" y="2561"/>
+                </a:lnTo>
+                <a:lnTo>
+                  <a:pt x="3679" y="2840"/>
+                </a:lnTo>
+                <a:lnTo>
+                  <a:pt x="3958" y="3213"/>
+                </a:lnTo>
+                <a:lnTo>
+                  <a:pt x="4191" y="3585"/>
+                </a:lnTo>
+                <a:lnTo>
+                  <a:pt x="4377" y="3958"/>
+                </a:lnTo>
+                <a:lnTo>
+                  <a:pt x="4563" y="4377"/>
+                </a:lnTo>
+                <a:lnTo>
+                  <a:pt x="4656" y="4796"/>
+                </a:lnTo>
+                <a:lnTo>
+                  <a:pt x="4749" y="5262"/>
+                </a:lnTo>
+                <a:lnTo>
+                  <a:pt x="4796" y="5681"/>
+                </a:lnTo>
+                <a:lnTo>
+                  <a:pt x="4843" y="5774"/>
+                </a:lnTo>
+                <a:lnTo>
+                  <a:pt x="4889" y="5867"/>
+                </a:lnTo>
+                <a:lnTo>
+                  <a:pt x="4982" y="5913"/>
+                </a:lnTo>
+                <a:lnTo>
+                  <a:pt x="5075" y="5960"/>
+                </a:lnTo>
+                <a:lnTo>
+                  <a:pt x="5681" y="5960"/>
+                </a:lnTo>
+                <a:lnTo>
+                  <a:pt x="5774" y="5913"/>
+                </a:lnTo>
+                <a:lnTo>
+                  <a:pt x="5867" y="5867"/>
+                </a:lnTo>
+                <a:lnTo>
+                  <a:pt x="5960" y="5774"/>
+                </a:lnTo>
+                <a:lnTo>
+                  <a:pt x="5960" y="5681"/>
+                </a:lnTo>
+                <a:lnTo>
+                  <a:pt x="5914" y="5122"/>
+                </a:lnTo>
+                <a:lnTo>
+                  <a:pt x="5820" y="4563"/>
+                </a:lnTo>
+                <a:lnTo>
+                  <a:pt x="5634" y="4051"/>
+                </a:lnTo>
+                <a:lnTo>
+                  <a:pt x="5448" y="3539"/>
+                </a:lnTo>
+                <a:lnTo>
+                  <a:pt x="5215" y="3073"/>
+                </a:lnTo>
+                <a:lnTo>
+                  <a:pt x="4889" y="2608"/>
+                </a:lnTo>
+                <a:lnTo>
+                  <a:pt x="4563" y="2142"/>
+                </a:lnTo>
+                <a:lnTo>
+                  <a:pt x="4191" y="1723"/>
+                </a:lnTo>
+                <a:lnTo>
+                  <a:pt x="3772" y="1350"/>
+                </a:lnTo>
+                <a:lnTo>
+                  <a:pt x="3353" y="1024"/>
+                </a:lnTo>
+                <a:lnTo>
+                  <a:pt x="2887" y="745"/>
+                </a:lnTo>
+                <a:lnTo>
+                  <a:pt x="2421" y="512"/>
+                </a:lnTo>
+                <a:lnTo>
+                  <a:pt x="1909" y="279"/>
+                </a:lnTo>
+                <a:lnTo>
+                  <a:pt x="1350" y="140"/>
+                </a:lnTo>
+                <a:lnTo>
+                  <a:pt x="838" y="47"/>
+                </a:lnTo>
+                <a:lnTo>
+                  <a:pt x="280" y="0"/>
+                </a:lnTo>
+                <a:close/>
+              </a:path>
+            </a:pathLst>
+          </a:custGeom>
+          <a:solidFill>
+            <a:srgbClr val="D41F86"/>
+          </a:solidFill>
+          <a:ln>
+            <a:noFill/>
+          </a:ln>
+        </p:spPr>
+        <p:txBody>
+          <a:bodyPr lIns="91425" tIns="91425" rIns="91425" bIns="91425" anchor="ctr" anchorCtr="0">
+            <a:noAutofit/>
+          </a:bodyPr>
+          <a:lstStyle/>
+          <a:p>
+            <a:pPr lvl="0">
+              <a:spcBef>
+                <a:spcPts val="0"/>
+              </a:spcBef>
+              <a:buNone/>
+            </a:pPr>
+            <a:endParaRPr>
+              <a:cs typeface="+mn-ea"/>
+              <a:sym typeface="+mn-lt"/>
+            </a:endParaRPr>
+          </a:p>
+        </p:txBody>
+      </p:sp>
+    </p:spTree>
+  </p:cSld>
+  <p:clrMapOvr>
+    <a:masterClrMapping/>
+  </p:clrMapOvr>
+  <p:transition>
+    <p:comb/>
+  </p:transition>
+  <p:timing>
+    <p:tnLst>
+      <p:par>
+        <p:cTn id="1" dur="indefinite" restart="never" nodeType="tmRoot">
+          <p:childTnLst>
+            <p:seq concurrent="1" nextAc="seek">
+              <p:cTn id="2" dur="indefinite" nodeType="mainSeq">
+                <p:childTnLst>
+                  <p:par>
+                    <p:cTn id="3" fill="hold">
+                      <p:stCondLst>
+                        <p:cond delay="indefinite"/>
+                      </p:stCondLst>
+                      <p:childTnLst>
+                        <p:par>
+                          <p:cTn id="4" fill="hold">
+                            <p:stCondLst>
+                              <p:cond delay="0"/>
+                            </p:stCondLst>
+                            <p:childTnLst>
+                              <p:par>
+                                <p:cTn id="5" presetID="8" presetClass="entr" presetSubtype="16" fill="hold" grpId="0" nodeType="clickEffect">
+                                  <p:stCondLst>
+                                    <p:cond delay="0"/>
+                                  </p:stCondLst>
+                                  <p:childTnLst>
+                                    <p:set>
+                                      <p:cBhvr>
+                                        <p:cTn id="6" dur="2000" fill="hold">
+                                          <p:stCondLst>
+                                            <p:cond delay="0"/>
+                                          </p:stCondLst>
+                                        </p:cTn>
+                                        <p:tgtEl>
+                                          <p:spTgt spid="14"/>
+                                        </p:tgtEl>
+                                        <p:attrNameLst>
+                                          <p:attrName>style.visibility</p:attrName>
+                                        </p:attrNameLst>
+                                      </p:cBhvr>
+                                      <p:to>
+                                        <p:strVal val="visible"/>
+                                      </p:to>
+                                    </p:set>
+                                    <p:animEffect transition="in" filter="diamond(in)">
+                                      <p:cBhvr>
+                                        <p:cTn id="7" dur="2000"/>
+                                        <p:tgtEl>
+                                          <p:spTgt spid="14"/>
+                                        </p:tgtEl>
+                                      </p:cBhvr>
+                                    </p:animEffect>
+                                  </p:childTnLst>
+                                </p:cTn>
+                              </p:par>
+                            </p:childTnLst>
+                          </p:cTn>
+                        </p:par>
+                      </p:childTnLst>
+                    </p:cTn>
+                  </p:par>
+                  <p:par>
+                    <p:cTn id="8" fill="hold">
+                      <p:stCondLst>
+                        <p:cond delay="indefinite"/>
+                      </p:stCondLst>
+                      <p:childTnLst>
+                        <p:par>
+                          <p:cTn id="9" fill="hold">
+                            <p:stCondLst>
+                              <p:cond delay="0"/>
+                            </p:stCondLst>
+                            <p:childTnLst>
+                              <p:par>
+                                <p:cTn id="10" presetID="8" presetClass="entr" presetSubtype="16" fill="hold" nodeType="clickEffect">
+                                  <p:stCondLst>
+                                    <p:cond delay="0"/>
+                                  </p:stCondLst>
+                                  <p:childTnLst>
+                                    <p:set>
+                                      <p:cBhvr>
+                                        <p:cTn id="11" dur="2000" fill="hold">
+                                          <p:stCondLst>
+                                            <p:cond delay="0"/>
+                                          </p:stCondLst>
+                                        </p:cTn>
+                                        <p:tgtEl>
+                                          <p:spTgt spid="6"/>
+                                        </p:tgtEl>
+                                        <p:attrNameLst>
+                                          <p:attrName>style.visibility</p:attrName>
+                                        </p:attrNameLst>
+                                      </p:cBhvr>
+                                      <p:to>
+                                        <p:strVal val="visible"/>
+                                      </p:to>
+                                    </p:set>
+                                    <p:animEffect transition="in" filter="diamond(in)">
+                                      <p:cBhvr>
+                                        <p:cTn id="12" dur="2000"/>
+                                        <p:tgtEl>
+                                          <p:spTgt spid="6"/>
+                                        </p:tgtEl>
+                                      </p:cBhvr>
+                                    </p:animEffect>
+                                  </p:childTnLst>
+                                </p:cTn>
+                              </p:par>
+                            </p:childTnLst>
+                          </p:cTn>
+                        </p:par>
+                      </p:childTnLst>
+                    </p:cTn>
+                  </p:par>
+                </p:childTnLst>
+              </p:cTn>
+              <p:prevCondLst>
+                <p:cond evt="onPrev" delay="0">
+                  <p:tgtEl>
+                    <p:sldTgt/>
+                  </p:tgtEl>
+                </p:cond>
+              </p:prevCondLst>
+              <p:nextCondLst>
+                <p:cond evt="onNext" delay="0">
+                  <p:tgtEl>
+                    <p:sldTgt/>
+                  </p:tgtEl>
+                </p:cond>
+              </p:nextCondLst>
+            </p:seq>
+          </p:childTnLst>
+        </p:cTn>
+      </p:par>
+    </p:tnLst>
+    <p:bldLst>
+      <p:bldP spid="14" grpId="0"/>
+    </p:bldLst>
+  </p:timing>
+</p:sld>
+</file>
+
+<file path=ppt/slides/slide41.xml><?xml version="1.0" encoding="utf-8"?>
+<p:sld xmlns:a="http://schemas.openxmlformats.org/drawingml/2006/main" xmlns:r="http://schemas.openxmlformats.org/officeDocument/2006/relationships" xmlns:p="http://schemas.openxmlformats.org/presentationml/2006/main">
+  <p:cSld>
+    <p:spTree>
+      <p:nvGrpSpPr>
+        <p:cNvPr id="1" name=""/>
+        <p:cNvGrpSpPr/>
+        <p:nvPr/>
+      </p:nvGrpSpPr>
+      <p:grpSpPr>
+        <a:xfrm>
+          <a:off x="0" y="0"/>
+          <a:ext cx="0" cy="0"/>
+          <a:chOff x="0" y="0"/>
+          <a:chExt cx="0" cy="0"/>
+        </a:xfrm>
+      </p:grpSpPr>
+      <p:pic>
+        <p:nvPicPr>
+          <p:cNvPr id="4" name="图片 3"/>
+          <p:cNvPicPr>
+            <a:picLocks noChangeAspect="1"/>
+          </p:cNvPicPr>
+          <p:nvPr/>
+        </p:nvPicPr>
+        <p:blipFill>
+          <a:blip r:embed="rId1" cstate="print">
             <a:extLst>
               <a:ext uri="{28A0092B-C50C-407E-A947-70E740481C1C}">
                 <a14:useLocalDpi xmlns:a14="http://schemas.microsoft.com/office/drawing/2010/main" val="0"/>
@@ -40424,6 +42112,14 @@
               </a:rPr>
               <a:t>THANK YOU</a:t>
             </a:r>
+            <a:endParaRPr lang="en-US" altLang="zh-CN" sz="4800" dirty="0">
+              <a:solidFill>
+                <a:schemeClr val="bg1"/>
+              </a:solidFill>
+              <a:latin typeface="Montserrat Extra Bold" panose="00000900000000000000" pitchFamily="50" charset="0"/>
+              <a:cs typeface="+mn-ea"/>
+              <a:sym typeface="+mn-lt"/>
+            </a:endParaRPr>
           </a:p>
         </p:txBody>
       </p:sp>
@@ -40607,16 +42303,11 @@
         </p:txBody>
       </p:sp>
     </p:spTree>
-    <p:extLst>
-      <p:ext uri="{BB962C8B-B14F-4D97-AF65-F5344CB8AC3E}">
-        <p14:creationId xmlns:p14="http://schemas.microsoft.com/office/powerpoint/2010/main" val="3068684241"/>
-      </p:ext>
-    </p:extLst>
   </p:cSld>
   <p:clrMapOvr>
     <a:masterClrMapping/>
   </p:clrMapOvr>
-  <p:transition xmlns:p14="http://schemas.microsoft.com/office/powerpoint/2010/main">
+  <p:transition>
     <p:random/>
   </p:transition>
 </p:sld>
@@ -40648,7 +42339,7 @@
           <p:nvPr/>
         </p:nvPicPr>
         <p:blipFill>
-          <a:blip r:embed="rId2" cstate="print">
+          <a:blip r:embed="rId1" cstate="print">
             <a:extLst>
               <a:ext uri="{28A0092B-C50C-407E-A947-70E740481C1C}">
                 <a14:useLocalDpi xmlns:a14="http://schemas.microsoft.com/office/drawing/2010/main" val="0"/>
@@ -41239,6 +42930,11 @@
               </a:rPr>
               <a:t>1. Positional</a:t>
             </a:r>
+            <a:endParaRPr lang="en-US" dirty="0" smtClean="0">
+              <a:solidFill>
+                <a:srgbClr val="FFFF00"/>
+              </a:solidFill>
+            </a:endParaRPr>
           </a:p>
         </p:txBody>
       </p:sp>
@@ -41326,6 +43022,11 @@
               </a:rPr>
               <a:t>t</a:t>
             </a:r>
+            <a:endParaRPr lang="en-US" altLang="en-US" dirty="0" smtClean="0">
+              <a:solidFill>
+                <a:srgbClr val="00B050"/>
+              </a:solidFill>
+            </a:endParaRPr>
           </a:p>
         </p:txBody>
       </p:sp>
@@ -41359,6 +43060,11 @@
               </a:rPr>
               <a:t>sum(a = 1, b = 2) // a = 1, b = 2</a:t>
             </a:r>
+            <a:endParaRPr lang="en-US" dirty="0" smtClean="0">
+              <a:solidFill>
+                <a:schemeClr val="bg1"/>
+              </a:solidFill>
+            </a:endParaRPr>
           </a:p>
           <a:p>
             <a:r>
@@ -41461,6 +43167,11 @@
               </a:rPr>
               <a:t>sum(1, b = 2) // ok print 3</a:t>
             </a:r>
+            <a:endParaRPr lang="en-US" dirty="0" smtClean="0">
+              <a:solidFill>
+                <a:schemeClr val="bg1"/>
+              </a:solidFill>
+            </a:endParaRPr>
           </a:p>
           <a:p>
             <a:r>
@@ -41534,7 +43245,7 @@
   <p:timing>
     <p:tnLst>
       <p:par>
-        <p:cTn xmlns:p14="http://schemas.microsoft.com/office/powerpoint/2010/main" id="1" dur="indefinite" restart="never" nodeType="tmRoot">
+        <p:cTn id="1" dur="indefinite" restart="never" nodeType="tmRoot">
           <p:childTnLst>
             <p:seq concurrent="1" nextAc="seek">
               <p:cTn id="2" dur="indefinite" nodeType="mainSeq">
@@ -42243,7 +43954,7 @@
           <p:nvPr/>
         </p:nvPicPr>
         <p:blipFill>
-          <a:blip r:embed="rId2" cstate="print">
+          <a:blip r:embed="rId1" cstate="print">
             <a:extLst>
               <a:ext uri="{28A0092B-C50C-407E-A947-70E740481C1C}">
                 <a14:useLocalDpi xmlns:a14="http://schemas.microsoft.com/office/drawing/2010/main" val="0"/>
@@ -42898,6 +44609,11 @@
               </a:rPr>
               <a:t> {</a:t>
             </a:r>
+            <a:endParaRPr lang="en-US" i="1" dirty="0" smtClean="0">
+              <a:solidFill>
+                <a:schemeClr val="bg1"/>
+              </a:solidFill>
+            </a:endParaRPr>
           </a:p>
           <a:p>
             <a:r>
@@ -42908,6 +44624,11 @@
               </a:rPr>
               <a:t>	return a + b</a:t>
             </a:r>
+            <a:endParaRPr lang="en-US" i="1" dirty="0" smtClean="0">
+              <a:solidFill>
+                <a:schemeClr val="bg1"/>
+              </a:solidFill>
+            </a:endParaRPr>
           </a:p>
           <a:p>
             <a:r>
@@ -43330,13 +45051,13 @@
   <p:clrMapOvr>
     <a:masterClrMapping/>
   </p:clrMapOvr>
-  <p:transition xmlns:p14="http://schemas.microsoft.com/office/powerpoint/2010/main">
+  <p:transition>
     <p:cut/>
   </p:transition>
   <p:timing>
     <p:tnLst>
       <p:par>
-        <p:cTn xmlns:p14="http://schemas.microsoft.com/office/powerpoint/2010/main" id="1" dur="indefinite" restart="never" nodeType="tmRoot">
+        <p:cTn id="1" dur="indefinite" restart="never" nodeType="tmRoot">
           <p:childTnLst>
             <p:seq concurrent="1" nextAc="seek">
               <p:cTn id="2" dur="indefinite" nodeType="mainSeq">
@@ -43559,7 +45280,7 @@
           <p:nvPr/>
         </p:nvPicPr>
         <p:blipFill>
-          <a:blip r:embed="rId2" cstate="print">
+          <a:blip r:embed="rId1" cstate="print">
             <a:extLst>
               <a:ext uri="{28A0092B-C50C-407E-A947-70E740481C1C}">
                 <a14:useLocalDpi xmlns:a14="http://schemas.microsoft.com/office/drawing/2010/main" val="0"/>
@@ -44142,6 +45863,11 @@
               </a:rPr>
               <a:t>:</a:t>
             </a:r>
+            <a:endParaRPr lang="en-US" dirty="0" smtClean="0">
+              <a:solidFill>
+                <a:schemeClr val="bg1"/>
+              </a:solidFill>
+            </a:endParaRPr>
           </a:p>
           <a:p>
             <a:r>
@@ -44216,6 +45942,11 @@
               </a:rPr>
               <a:t>}</a:t>
             </a:r>
+            <a:endParaRPr lang="en-US" dirty="0" smtClean="0">
+              <a:solidFill>
+                <a:schemeClr val="bg1"/>
+              </a:solidFill>
+            </a:endParaRPr>
           </a:p>
           <a:p>
             <a:r>
@@ -44274,6 +46005,11 @@
               </a:rPr>
               <a:t> a){ return a+10}</a:t>
             </a:r>
+            <a:endParaRPr lang="en-US" dirty="0" smtClean="0">
+              <a:solidFill>
+                <a:schemeClr val="bg1"/>
+              </a:solidFill>
+            </a:endParaRPr>
           </a:p>
           <a:p>
             <a:r>
@@ -44332,6 +46068,11 @@
               </a:rPr>
               <a:t> b){ return b+10}</a:t>
             </a:r>
+            <a:endParaRPr lang="en-US" dirty="0" smtClean="0">
+              <a:solidFill>
+                <a:schemeClr val="bg1"/>
+              </a:solidFill>
+            </a:endParaRPr>
           </a:p>
         </p:txBody>
       </p:sp>
@@ -44381,6 +46122,11 @@
               </a:rPr>
               <a:t>:</a:t>
             </a:r>
+            <a:endParaRPr lang="en-US" dirty="0" smtClean="0">
+              <a:solidFill>
+                <a:schemeClr val="bg1"/>
+              </a:solidFill>
+            </a:endParaRPr>
           </a:p>
           <a:p>
             <a:r>
@@ -44447,6 +46193,11 @@
               </a:rPr>
               <a:t> = 10){</a:t>
             </a:r>
+            <a:endParaRPr lang="en-US" dirty="0" smtClean="0">
+              <a:solidFill>
+                <a:schemeClr val="bg1"/>
+              </a:solidFill>
+            </a:endParaRPr>
           </a:p>
           <a:p>
             <a:r>
@@ -44488,6 +46239,11 @@
               </a:rPr>
               <a:t>}</a:t>
             </a:r>
+            <a:endParaRPr lang="en-US" dirty="0" smtClean="0">
+              <a:solidFill>
+                <a:schemeClr val="bg1"/>
+              </a:solidFill>
+            </a:endParaRPr>
           </a:p>
           <a:p>
             <a:endParaRPr lang="en-US" dirty="0">
@@ -44550,13 +46306,13 @@
   <p:clrMapOvr>
     <a:masterClrMapping/>
   </p:clrMapOvr>
-  <p:transition xmlns:p14="http://schemas.microsoft.com/office/powerpoint/2010/main">
+  <p:transition>
     <p:wipe/>
   </p:transition>
   <p:timing>
     <p:tnLst>
       <p:par>
-        <p:cTn xmlns:p14="http://schemas.microsoft.com/office/powerpoint/2010/main" id="1" dur="indefinite" restart="never" nodeType="tmRoot">
+        <p:cTn id="1" dur="indefinite" restart="never" nodeType="tmRoot">
           <p:childTnLst>
             <p:seq concurrent="1" nextAc="seek">
               <p:cTn id="2" dur="indefinite" nodeType="mainSeq">
@@ -44776,7 +46532,7 @@
           <p:nvPr/>
         </p:nvPicPr>
         <p:blipFill>
-          <a:blip r:embed="rId2" cstate="print">
+          <a:blip r:embed="rId1" cstate="print">
             <a:extLst>
               <a:ext uri="{28A0092B-C50C-407E-A947-70E740481C1C}">
                 <a14:useLocalDpi xmlns:a14="http://schemas.microsoft.com/office/drawing/2010/main" val="0"/>
@@ -45259,6 +47015,11 @@
               </a:rPr>
               <a:t> override a method with default parameter values, the default parameter values must be omitted from the signature:</a:t>
             </a:r>
+            <a:endParaRPr lang="en-US" b="1" dirty="0" smtClean="0">
+              <a:solidFill>
+                <a:schemeClr val="bg1"/>
+              </a:solidFill>
+            </a:endParaRPr>
           </a:p>
         </p:txBody>
       </p:sp>
@@ -45362,6 +47123,11 @@
               </a:rPr>
               <a:t>open class A { </a:t>
             </a:r>
+            <a:endParaRPr lang="en-US" i="1" dirty="0" smtClean="0">
+              <a:solidFill>
+                <a:schemeClr val="bg1"/>
+              </a:solidFill>
+            </a:endParaRPr>
           </a:p>
           <a:p>
             <a:pPr lvl="1"/>
@@ -45445,6 +47211,11 @@
               </a:rPr>
               <a:t> {</a:t>
             </a:r>
+            <a:endParaRPr lang="en-US" i="1" dirty="0" smtClean="0">
+              <a:solidFill>
+                <a:schemeClr val="bg1"/>
+              </a:solidFill>
+            </a:endParaRPr>
           </a:p>
           <a:p>
             <a:pPr lvl="1"/>
@@ -45456,6 +47227,11 @@
               </a:rPr>
               <a:t>	return a + b</a:t>
             </a:r>
+            <a:endParaRPr lang="en-US" i="1" dirty="0" smtClean="0">
+              <a:solidFill>
+                <a:schemeClr val="bg1"/>
+              </a:solidFill>
+            </a:endParaRPr>
           </a:p>
           <a:p>
             <a:pPr lvl="1"/>
@@ -45467,6 +47243,11 @@
               </a:rPr>
               <a:t> }</a:t>
             </a:r>
+            <a:endParaRPr lang="en-US" i="1" dirty="0" smtClean="0">
+              <a:solidFill>
+                <a:schemeClr val="bg1"/>
+              </a:solidFill>
+            </a:endParaRPr>
           </a:p>
           <a:p>
             <a:r>
@@ -45477,6 +47258,11 @@
               </a:rPr>
               <a:t>}</a:t>
             </a:r>
+            <a:endParaRPr lang="en-US" i="1" dirty="0">
+              <a:solidFill>
+                <a:schemeClr val="bg1"/>
+              </a:solidFill>
+            </a:endParaRPr>
           </a:p>
         </p:txBody>
       </p:sp>
@@ -45525,6 +47311,11 @@
               </a:rPr>
               <a:t>{ </a:t>
             </a:r>
+            <a:endParaRPr lang="en-US" i="1" dirty="0">
+              <a:solidFill>
+                <a:schemeClr val="bg1"/>
+              </a:solidFill>
+            </a:endParaRPr>
           </a:p>
           <a:p>
             <a:pPr lvl="1"/>
@@ -45624,6 +47415,11 @@
               </a:rPr>
               <a:t>{</a:t>
             </a:r>
+            <a:endParaRPr lang="en-US" i="1" dirty="0" smtClean="0">
+              <a:solidFill>
+                <a:schemeClr val="bg1"/>
+              </a:solidFill>
+            </a:endParaRPr>
           </a:p>
           <a:p>
             <a:pPr lvl="1"/>
@@ -45635,6 +47431,11 @@
               </a:rPr>
               <a:t>	return a + b</a:t>
             </a:r>
+            <a:endParaRPr lang="en-US" i="1" dirty="0">
+              <a:solidFill>
+                <a:schemeClr val="bg1"/>
+              </a:solidFill>
+            </a:endParaRPr>
           </a:p>
           <a:p>
             <a:pPr lvl="1"/>
@@ -45646,6 +47447,11 @@
               </a:rPr>
               <a:t> }</a:t>
             </a:r>
+            <a:endParaRPr lang="en-US" i="1" dirty="0">
+              <a:solidFill>
+                <a:schemeClr val="bg1"/>
+              </a:solidFill>
+            </a:endParaRPr>
           </a:p>
           <a:p>
             <a:r>
@@ -45656,6 +47462,11 @@
               </a:rPr>
               <a:t>}</a:t>
             </a:r>
+            <a:endParaRPr lang="en-US" i="1" dirty="0">
+              <a:solidFill>
+                <a:schemeClr val="bg1"/>
+              </a:solidFill>
+            </a:endParaRPr>
           </a:p>
         </p:txBody>
       </p:sp>
@@ -45711,13 +47522,13 @@
   <p:clrMapOvr>
     <a:masterClrMapping/>
   </p:clrMapOvr>
-  <p:transition xmlns:p14="http://schemas.microsoft.com/office/powerpoint/2010/main">
+  <p:transition>
     <p:wipe/>
   </p:transition>
   <p:timing>
     <p:tnLst>
       <p:par>
-        <p:cTn xmlns:p14="http://schemas.microsoft.com/office/powerpoint/2010/main" id="1" dur="indefinite" restart="never" nodeType="tmRoot">
+        <p:cTn id="1" dur="indefinite" restart="never" nodeType="tmRoot">
           <p:childTnLst>
             <p:seq concurrent="1" nextAc="seek">
               <p:cTn id="2" dur="indefinite" nodeType="mainSeq">
@@ -46006,7 +47817,7 @@
           <p:nvPr/>
         </p:nvPicPr>
         <p:blipFill>
-          <a:blip r:embed="rId2" cstate="print">
+          <a:blip r:embed="rId1" cstate="print">
             <a:extLst>
               <a:ext uri="{28A0092B-C50C-407E-A947-70E740481C1C}">
                 <a14:useLocalDpi xmlns:a14="http://schemas.microsoft.com/office/drawing/2010/main" val="0"/>
@@ -46567,6 +48378,11 @@
               </a:rPr>
               <a:t> = x + y </a:t>
             </a:r>
+            <a:endParaRPr lang="en-US" dirty="0">
+              <a:solidFill>
+                <a:schemeClr val="bg1"/>
+              </a:solidFill>
+            </a:endParaRPr>
           </a:p>
         </p:txBody>
       </p:sp>
@@ -46840,13 +48656,13 @@
   <p:clrMapOvr>
     <a:masterClrMapping/>
   </p:clrMapOvr>
-  <p:transition xmlns:p14="http://schemas.microsoft.com/office/powerpoint/2010/main">
+  <p:transition>
     <p:newsflash/>
   </p:transition>
   <p:timing>
     <p:tnLst>
       <p:par>
-        <p:cTn xmlns:p14="http://schemas.microsoft.com/office/powerpoint/2010/main" id="1" dur="indefinite" restart="never" nodeType="tmRoot">
+        <p:cTn id="1" dur="indefinite" restart="never" nodeType="tmRoot">
           <p:childTnLst>
             <p:seq concurrent="1" nextAc="seek">
               <p:cTn id="2" dur="indefinite" nodeType="mainSeq">
@@ -47483,11 +49299,9 @@
       </a:bgFillStyleLst>
     </a:fmtScheme>
   </a:themeElements>
-  <a:objectDefaults/>
-  <a:extraClrSchemeLst/>
   <a:extLst>
     <a:ext uri="{05A4C25C-085E-4340-85A3-A5531E510DB2}">
-      <thm15:themeFamily xmlns:thm15="http://schemas.microsoft.com/office/thememl/2012/main" xmlns="" name="Office Theme" id="{62F939B6-93AF-4DB8-9C6B-D6C7DFDC589F}" vid="{4A3C46E8-61CC-4603-A589-7422A47A8E4A}"/>
+      <thm15:themeFamily xmlns:thm15="http://schemas.microsoft.com/office/thememl/2012/main" name="Office Theme" id="{62F939B6-93AF-4DB8-9C6B-D6C7DFDC589F}" vid="{4A3C46E8-61CC-4603-A589-7422A47A8E4A}"/>
     </a:ext>
   </a:extLst>
 </a:theme>
@@ -47744,11 +49558,9 @@
       </a:bgFillStyleLst>
     </a:fmtScheme>
   </a:themeElements>
-  <a:objectDefaults/>
-  <a:extraClrSchemeLst/>
   <a:extLst>
     <a:ext uri="{05A4C25C-085E-4340-85A3-A5531E510DB2}">
-      <thm15:themeFamily xmlns:thm15="http://schemas.microsoft.com/office/thememl/2012/main" xmlns="" name="Office Theme" id="{62F939B6-93AF-4DB8-9C6B-D6C7DFDC589F}" vid="{4A3C46E8-61CC-4603-A589-7422A47A8E4A}"/>
+      <thm15:themeFamily xmlns:thm15="http://schemas.microsoft.com/office/thememl/2012/main" name="Office Theme" id="{62F939B6-93AF-4DB8-9C6B-D6C7DFDC589F}" vid="{4A3C46E8-61CC-4603-A589-7422A47A8E4A}"/>
     </a:ext>
   </a:extLst>
 </a:theme>
